--- a/Disused code/Misc/Lectures/2 Running DLMtool/L2b Simple run of DLMtool.pptx
+++ b/Disused code/Misc/Lectures/2 Running DLMtool/L2b Simple run of DLMtool.pptx
@@ -36,9 +36,9 @@
         <a:solidFill>
           <a:schemeClr val="tx1"/>
         </a:solidFill>
-        <a:latin typeface="Calibri" pitchFamily="34" charset="0"/>
+        <a:latin typeface="Calibri" panose="020F0502020204030204" pitchFamily="34" charset="0"/>
         <a:ea typeface="+mn-ea"/>
-        <a:cs typeface="Arial" charset="0"/>
+        <a:cs typeface="Arial" panose="020B0604020202020204" pitchFamily="34" charset="0"/>
       </a:defRPr>
     </a:lvl1pPr>
     <a:lvl2pPr marL="457200" algn="l" rtl="0" fontAlgn="base">
@@ -52,9 +52,9 @@
         <a:solidFill>
           <a:schemeClr val="tx1"/>
         </a:solidFill>
-        <a:latin typeface="Calibri" pitchFamily="34" charset="0"/>
+        <a:latin typeface="Calibri" panose="020F0502020204030204" pitchFamily="34" charset="0"/>
         <a:ea typeface="+mn-ea"/>
-        <a:cs typeface="Arial" charset="0"/>
+        <a:cs typeface="Arial" panose="020B0604020202020204" pitchFamily="34" charset="0"/>
       </a:defRPr>
     </a:lvl2pPr>
     <a:lvl3pPr marL="914400" algn="l" rtl="0" fontAlgn="base">
@@ -68,9 +68,9 @@
         <a:solidFill>
           <a:schemeClr val="tx1"/>
         </a:solidFill>
-        <a:latin typeface="Calibri" pitchFamily="34" charset="0"/>
+        <a:latin typeface="Calibri" panose="020F0502020204030204" pitchFamily="34" charset="0"/>
         <a:ea typeface="+mn-ea"/>
-        <a:cs typeface="Arial" charset="0"/>
+        <a:cs typeface="Arial" panose="020B0604020202020204" pitchFamily="34" charset="0"/>
       </a:defRPr>
     </a:lvl3pPr>
     <a:lvl4pPr marL="1371600" algn="l" rtl="0" fontAlgn="base">
@@ -84,9 +84,9 @@
         <a:solidFill>
           <a:schemeClr val="tx1"/>
         </a:solidFill>
-        <a:latin typeface="Calibri" pitchFamily="34" charset="0"/>
+        <a:latin typeface="Calibri" panose="020F0502020204030204" pitchFamily="34" charset="0"/>
         <a:ea typeface="+mn-ea"/>
-        <a:cs typeface="Arial" charset="0"/>
+        <a:cs typeface="Arial" panose="020B0604020202020204" pitchFamily="34" charset="0"/>
       </a:defRPr>
     </a:lvl4pPr>
     <a:lvl5pPr marL="1828800" algn="l" rtl="0" fontAlgn="base">
@@ -100,9 +100,9 @@
         <a:solidFill>
           <a:schemeClr val="tx1"/>
         </a:solidFill>
-        <a:latin typeface="Calibri" pitchFamily="34" charset="0"/>
+        <a:latin typeface="Calibri" panose="020F0502020204030204" pitchFamily="34" charset="0"/>
         <a:ea typeface="+mn-ea"/>
-        <a:cs typeface="Arial" charset="0"/>
+        <a:cs typeface="Arial" panose="020B0604020202020204" pitchFamily="34" charset="0"/>
       </a:defRPr>
     </a:lvl5pPr>
     <a:lvl6pPr marL="2286000" algn="l" defTabSz="914400" rtl="0" eaLnBrk="1" latinLnBrk="0" hangingPunct="1">
@@ -110,9 +110,9 @@
         <a:solidFill>
           <a:schemeClr val="tx1"/>
         </a:solidFill>
-        <a:latin typeface="Calibri" pitchFamily="34" charset="0"/>
+        <a:latin typeface="Calibri" panose="020F0502020204030204" pitchFamily="34" charset="0"/>
         <a:ea typeface="+mn-ea"/>
-        <a:cs typeface="Arial" charset="0"/>
+        <a:cs typeface="Arial" panose="020B0604020202020204" pitchFamily="34" charset="0"/>
       </a:defRPr>
     </a:lvl6pPr>
     <a:lvl7pPr marL="2743200" algn="l" defTabSz="914400" rtl="0" eaLnBrk="1" latinLnBrk="0" hangingPunct="1">
@@ -120,9 +120,9 @@
         <a:solidFill>
           <a:schemeClr val="tx1"/>
         </a:solidFill>
-        <a:latin typeface="Calibri" pitchFamily="34" charset="0"/>
+        <a:latin typeface="Calibri" panose="020F0502020204030204" pitchFamily="34" charset="0"/>
         <a:ea typeface="+mn-ea"/>
-        <a:cs typeface="Arial" charset="0"/>
+        <a:cs typeface="Arial" panose="020B0604020202020204" pitchFamily="34" charset="0"/>
       </a:defRPr>
     </a:lvl7pPr>
     <a:lvl8pPr marL="3200400" algn="l" defTabSz="914400" rtl="0" eaLnBrk="1" latinLnBrk="0" hangingPunct="1">
@@ -130,9 +130,9 @@
         <a:solidFill>
           <a:schemeClr val="tx1"/>
         </a:solidFill>
-        <a:latin typeface="Calibri" pitchFamily="34" charset="0"/>
+        <a:latin typeface="Calibri" panose="020F0502020204030204" pitchFamily="34" charset="0"/>
         <a:ea typeface="+mn-ea"/>
-        <a:cs typeface="Arial" charset="0"/>
+        <a:cs typeface="Arial" panose="020B0604020202020204" pitchFamily="34" charset="0"/>
       </a:defRPr>
     </a:lvl8pPr>
     <a:lvl9pPr marL="3657600" algn="l" defTabSz="914400" rtl="0" eaLnBrk="1" latinLnBrk="0" hangingPunct="1">
@@ -140,12 +140,28 @@
         <a:solidFill>
           <a:schemeClr val="tx1"/>
         </a:solidFill>
-        <a:latin typeface="Calibri" pitchFamily="34" charset="0"/>
+        <a:latin typeface="Calibri" panose="020F0502020204030204" pitchFamily="34" charset="0"/>
         <a:ea typeface="+mn-ea"/>
-        <a:cs typeface="Arial" charset="0"/>
+        <a:cs typeface="Arial" panose="020B0604020202020204" pitchFamily="34" charset="0"/>
       </a:defRPr>
     </a:lvl9pPr>
   </p:defaultTextStyle>
+  <p:extLst>
+    <p:ext uri="{EFAFB233-063F-42B5-8137-9DF3F51BA10A}">
+      <p15:sldGuideLst xmlns:p15="http://schemas.microsoft.com/office/powerpoint/2012/main">
+        <p15:guide id="1" orient="horz" pos="2160">
+          <p15:clr>
+            <a:srgbClr val="A4A3A4"/>
+          </p15:clr>
+        </p15:guide>
+        <p15:guide id="2" pos="2880">
+          <p15:clr>
+            <a:srgbClr val="A4A3A4"/>
+          </p15:clr>
+        </p15:guide>
+      </p15:sldGuideLst>
+    </p:ext>
+  </p:extLst>
 </p:presentation>
 </file>
 
@@ -197,7 +213,9 @@
           <a:bodyPr vert="horz" lIns="91440" tIns="45720" rIns="91440" bIns="45720" rtlCol="0"/>
           <a:lstStyle>
             <a:lvl1pPr algn="l">
-              <a:defRPr sz="1200"/>
+              <a:defRPr sz="1200">
+                <a:cs typeface="Arial" charset="0"/>
+              </a:defRPr>
             </a:lvl1pPr>
           </a:lstStyle>
           <a:p>
@@ -231,19 +249,21 @@
           <a:bodyPr vert="horz" lIns="91440" tIns="45720" rIns="91440" bIns="45720" rtlCol="0"/>
           <a:lstStyle>
             <a:lvl1pPr algn="r">
-              <a:defRPr sz="1200" smtClean="0"/>
+              <a:defRPr sz="1200">
+                <a:cs typeface="Arial" charset="0"/>
+              </a:defRPr>
             </a:lvl1pPr>
           </a:lstStyle>
           <a:p>
             <a:pPr>
               <a:defRPr/>
             </a:pPr>
-            <a:fld id="{E510ABE2-63A4-4ECA-9AE7-962CB2AFD74F}" type="datetimeFigureOut">
+            <a:fld id="{431C7C4D-535F-4A97-B1E6-AC2FD2AE348D}" type="datetimeFigureOut">
               <a:rPr lang="en-CA"/>
               <a:pPr>
                 <a:defRPr/>
               </a:pPr>
-              <a:t>2017-04-26</a:t>
+              <a:t>2017-05-03</a:t>
             </a:fld>
             <a:endParaRPr lang="en-CA"/>
           </a:p>
@@ -366,7 +386,9 @@
           <a:bodyPr vert="horz" lIns="91440" tIns="45720" rIns="91440" bIns="45720" rtlCol="0" anchor="b"/>
           <a:lstStyle>
             <a:lvl1pPr algn="l">
-              <a:defRPr sz="1200"/>
+              <a:defRPr sz="1200">
+                <a:cs typeface="Arial" charset="0"/>
+              </a:defRPr>
             </a:lvl1pPr>
           </a:lstStyle>
           <a:p>
@@ -397,37 +419,36 @@
           </a:prstGeom>
         </p:spPr>
         <p:txBody>
-          <a:bodyPr vert="horz" lIns="91440" tIns="45720" rIns="91440" bIns="45720" rtlCol="0" anchor="b"/>
+          <a:bodyPr vert="horz" wrap="square" lIns="91440" tIns="45720" rIns="91440" bIns="45720" numCol="1" anchor="b" anchorCtr="0" compatLnSpc="1">
+            <a:prstTxWarp prst="textNoShape">
+              <a:avLst/>
+            </a:prstTxWarp>
+          </a:bodyPr>
           <a:lstStyle>
             <a:lvl1pPr algn="r">
-              <a:defRPr sz="1200" smtClean="0"/>
+              <a:defRPr sz="1200"/>
             </a:lvl1pPr>
           </a:lstStyle>
           <a:p>
-            <a:pPr>
-              <a:defRPr/>
-            </a:pPr>
-            <a:fld id="{97F25A02-4CBB-4D2A-B5DF-230119D168E8}" type="slidenum">
-              <a:rPr lang="en-CA"/>
-              <a:pPr>
-                <a:defRPr/>
-              </a:pPr>
+            <a:fld id="{A93FFA21-31B5-4FFD-9746-00D998148437}" type="slidenum">
+              <a:rPr lang="en-CA" altLang="en-US"/>
+              <a:pPr/>
               <a:t>‹#›</a:t>
             </a:fld>
-            <a:endParaRPr lang="en-CA"/>
+            <a:endParaRPr lang="en-CA" altLang="en-US"/>
           </a:p>
         </p:txBody>
       </p:sp>
     </p:spTree>
     <p:extLst>
       <p:ext uri="{BB962C8B-B14F-4D97-AF65-F5344CB8AC3E}">
-        <p14:creationId xmlns:p14="http://schemas.microsoft.com/office/powerpoint/2010/main" val="687248266"/>
+        <p14:creationId xmlns:p14="http://schemas.microsoft.com/office/powerpoint/2010/main" val="807550290"/>
       </p:ext>
     </p:extLst>
   </p:cSld>
   <p:clrMap bg1="lt1" tx1="dk1" bg2="lt2" tx2="dk2" accent1="accent1" accent2="accent2" accent3="accent3" accent4="accent4" accent5="accent5" accent6="accent6" hlink="hlink" folHlink="folHlink"/>
   <p:notesStyle>
-    <a:lvl1pPr algn="l" rtl="0" fontAlgn="base">
+    <a:lvl1pPr algn="l" rtl="0" eaLnBrk="0" fontAlgn="base" hangingPunct="0">
       <a:spcBef>
         <a:spcPct val="30000"/>
       </a:spcBef>
@@ -443,7 +464,7 @@
         <a:cs typeface="+mn-cs"/>
       </a:defRPr>
     </a:lvl1pPr>
-    <a:lvl2pPr marL="457200" algn="l" rtl="0" fontAlgn="base">
+    <a:lvl2pPr marL="457200" algn="l" rtl="0" eaLnBrk="0" fontAlgn="base" hangingPunct="0">
       <a:spcBef>
         <a:spcPct val="30000"/>
       </a:spcBef>
@@ -459,7 +480,7 @@
         <a:cs typeface="+mn-cs"/>
       </a:defRPr>
     </a:lvl2pPr>
-    <a:lvl3pPr marL="914400" algn="l" rtl="0" fontAlgn="base">
+    <a:lvl3pPr marL="914400" algn="l" rtl="0" eaLnBrk="0" fontAlgn="base" hangingPunct="0">
       <a:spcBef>
         <a:spcPct val="30000"/>
       </a:spcBef>
@@ -475,7 +496,7 @@
         <a:cs typeface="+mn-cs"/>
       </a:defRPr>
     </a:lvl3pPr>
-    <a:lvl4pPr marL="1371600" algn="l" rtl="0" fontAlgn="base">
+    <a:lvl4pPr marL="1371600" algn="l" rtl="0" eaLnBrk="0" fontAlgn="base" hangingPunct="0">
       <a:spcBef>
         <a:spcPct val="30000"/>
       </a:spcBef>
@@ -491,7 +512,7 @@
         <a:cs typeface="+mn-cs"/>
       </a:defRPr>
     </a:lvl4pPr>
-    <a:lvl5pPr marL="1828800" algn="l" rtl="0" fontAlgn="base">
+    <a:lvl5pPr marL="1828800" algn="l" rtl="0" eaLnBrk="0" fontAlgn="base" hangingPunct="0">
       <a:spcBef>
         <a:spcPct val="30000"/>
       </a:spcBef>
@@ -752,12 +773,12 @@
             <a:pPr>
               <a:defRPr/>
             </a:pPr>
-            <a:fld id="{750AF5A3-B078-4697-8A2C-3C2F0E610E32}" type="datetimeFigureOut">
+            <a:fld id="{E658679B-41A5-4A58-AE05-FC547D170DB2}" type="datetimeFigureOut">
               <a:rPr lang="en-US"/>
               <a:pPr>
                 <a:defRPr/>
               </a:pPr>
-              <a:t>4/26/2017</a:t>
+              <a:t>5/3/2017</a:t>
             </a:fld>
             <a:endParaRPr lang="en-US" dirty="0"/>
           </a:p>
@@ -808,24 +829,19 @@
             </a:lvl1pPr>
           </a:lstStyle>
           <a:p>
-            <a:pPr>
-              <a:defRPr/>
-            </a:pPr>
-            <a:fld id="{363E074D-4F4A-457D-BDDF-3290FC47FC28}" type="slidenum">
-              <a:rPr lang="en-US"/>
-              <a:pPr>
-                <a:defRPr/>
-              </a:pPr>
+            <a:fld id="{3F66CA3E-EE29-4C13-9754-438887FF12DD}" type="slidenum">
+              <a:rPr lang="en-US" altLang="en-US"/>
+              <a:pPr/>
               <a:t>‹#›</a:t>
             </a:fld>
-            <a:endParaRPr lang="en-US" dirty="0"/>
+            <a:endParaRPr lang="en-US" altLang="en-US"/>
           </a:p>
         </p:txBody>
       </p:sp>
     </p:spTree>
     <p:extLst>
       <p:ext uri="{BB962C8B-B14F-4D97-AF65-F5344CB8AC3E}">
-        <p14:creationId xmlns:p14="http://schemas.microsoft.com/office/powerpoint/2010/main" val="4070884898"/>
+        <p14:creationId xmlns:p14="http://schemas.microsoft.com/office/powerpoint/2010/main" val="1976422963"/>
       </p:ext>
     </p:extLst>
   </p:cSld>
@@ -1127,12 +1143,12 @@
             <a:pPr>
               <a:defRPr/>
             </a:pPr>
-            <a:fld id="{F450DADB-5989-4AE4-898F-09F560092AC2}" type="datetimeFigureOut">
+            <a:fld id="{0B8C94E2-7552-4524-BC62-D2C01CA00A70}" type="datetimeFigureOut">
               <a:rPr lang="en-US"/>
               <a:pPr>
                 <a:defRPr/>
               </a:pPr>
-              <a:t>4/26/2017</a:t>
+              <a:t>5/3/2017</a:t>
             </a:fld>
             <a:endParaRPr lang="en-US" dirty="0"/>
           </a:p>
@@ -1183,24 +1199,19 @@
             </a:lvl1pPr>
           </a:lstStyle>
           <a:p>
-            <a:pPr>
-              <a:defRPr/>
-            </a:pPr>
-            <a:fld id="{89CC8B6D-D44F-4C37-A872-9D3CC18B32B0}" type="slidenum">
-              <a:rPr lang="en-US"/>
-              <a:pPr>
-                <a:defRPr/>
-              </a:pPr>
+            <a:fld id="{A064CDF9-6935-4C88-B7CC-BFBBCB6485D7}" type="slidenum">
+              <a:rPr lang="en-US" altLang="en-US"/>
+              <a:pPr/>
               <a:t>‹#›</a:t>
             </a:fld>
-            <a:endParaRPr lang="en-US" dirty="0"/>
+            <a:endParaRPr lang="en-US" altLang="en-US"/>
           </a:p>
         </p:txBody>
       </p:sp>
     </p:spTree>
     <p:extLst>
       <p:ext uri="{BB962C8B-B14F-4D97-AF65-F5344CB8AC3E}">
-        <p14:creationId xmlns:p14="http://schemas.microsoft.com/office/powerpoint/2010/main" val="3890872860"/>
+        <p14:creationId xmlns:p14="http://schemas.microsoft.com/office/powerpoint/2010/main" val="4106048558"/>
       </p:ext>
     </p:extLst>
   </p:cSld>
@@ -1410,12 +1421,12 @@
             <a:pPr>
               <a:defRPr/>
             </a:pPr>
-            <a:fld id="{946D2119-52B1-4A20-9AAF-99C50389BAAF}" type="datetimeFigureOut">
+            <a:fld id="{93E79324-E5E6-4E5F-AF03-27F7486FBE83}" type="datetimeFigureOut">
               <a:rPr lang="en-US"/>
               <a:pPr>
                 <a:defRPr/>
               </a:pPr>
-              <a:t>4/26/2017</a:t>
+              <a:t>5/3/2017</a:t>
             </a:fld>
             <a:endParaRPr lang="en-US" dirty="0"/>
           </a:p>
@@ -1466,24 +1477,19 @@
             </a:lvl1pPr>
           </a:lstStyle>
           <a:p>
-            <a:pPr>
-              <a:defRPr/>
-            </a:pPr>
-            <a:fld id="{0BBBD135-8A0F-4E1F-A461-8A904EF9E54C}" type="slidenum">
-              <a:rPr lang="en-US"/>
-              <a:pPr>
-                <a:defRPr/>
-              </a:pPr>
+            <a:fld id="{B3F17222-80A2-4274-AD17-EC66384CE82E}" type="slidenum">
+              <a:rPr lang="en-US" altLang="en-US"/>
+              <a:pPr/>
               <a:t>‹#›</a:t>
             </a:fld>
-            <a:endParaRPr lang="en-US" dirty="0"/>
+            <a:endParaRPr lang="en-US" altLang="en-US"/>
           </a:p>
         </p:txBody>
       </p:sp>
     </p:spTree>
     <p:extLst>
       <p:ext uri="{BB962C8B-B14F-4D97-AF65-F5344CB8AC3E}">
-        <p14:creationId xmlns:p14="http://schemas.microsoft.com/office/powerpoint/2010/main" val="931297697"/>
+        <p14:creationId xmlns:p14="http://schemas.microsoft.com/office/powerpoint/2010/main" val="309037474"/>
       </p:ext>
     </p:extLst>
   </p:cSld>
@@ -2004,12 +2010,12 @@
             <a:pPr>
               <a:defRPr/>
             </a:pPr>
-            <a:fld id="{AE62079B-2D4B-4DFB-9E2B-A187C680182E}" type="datetimeFigureOut">
+            <a:fld id="{FB5CD584-F7EE-4FAD-B40B-6FCD0F553EC9}" type="datetimeFigureOut">
               <a:rPr lang="en-US"/>
               <a:pPr>
                 <a:defRPr/>
               </a:pPr>
-              <a:t>4/26/2017</a:t>
+              <a:t>5/3/2017</a:t>
             </a:fld>
             <a:endParaRPr lang="en-US" dirty="0"/>
           </a:p>
@@ -2060,24 +2066,19 @@
             </a:lvl1pPr>
           </a:lstStyle>
           <a:p>
-            <a:pPr>
-              <a:defRPr/>
-            </a:pPr>
-            <a:fld id="{DA1F3393-9EAE-4834-B920-7D987C2A6561}" type="slidenum">
-              <a:rPr lang="en-US"/>
-              <a:pPr>
-                <a:defRPr/>
-              </a:pPr>
+            <a:fld id="{89E02DCB-BD1B-45E6-B583-1B5EA2C816CB}" type="slidenum">
+              <a:rPr lang="en-US" altLang="en-US"/>
+              <a:pPr/>
               <a:t>‹#›</a:t>
             </a:fld>
-            <a:endParaRPr lang="en-US" dirty="0"/>
+            <a:endParaRPr lang="en-US" altLang="en-US"/>
           </a:p>
         </p:txBody>
       </p:sp>
     </p:spTree>
     <p:extLst>
       <p:ext uri="{BB962C8B-B14F-4D97-AF65-F5344CB8AC3E}">
-        <p14:creationId xmlns:p14="http://schemas.microsoft.com/office/powerpoint/2010/main" val="2819889947"/>
+        <p14:creationId xmlns:p14="http://schemas.microsoft.com/office/powerpoint/2010/main" val="3550487677"/>
       </p:ext>
     </p:extLst>
   </p:cSld>
@@ -2289,12 +2290,12 @@
             <a:pPr>
               <a:defRPr/>
             </a:pPr>
-            <a:fld id="{94BEB426-8FB3-4785-A684-462091022F57}" type="datetimeFigureOut">
+            <a:fld id="{301E31ED-9C5C-4774-B533-99CB029C0113}" type="datetimeFigureOut">
               <a:rPr lang="en-US"/>
               <a:pPr>
                 <a:defRPr/>
               </a:pPr>
-              <a:t>4/26/2017</a:t>
+              <a:t>5/3/2017</a:t>
             </a:fld>
             <a:endParaRPr lang="en-US" dirty="0"/>
           </a:p>
@@ -2345,24 +2346,19 @@
             </a:lvl1pPr>
           </a:lstStyle>
           <a:p>
-            <a:pPr>
-              <a:defRPr/>
-            </a:pPr>
-            <a:fld id="{ACFE472C-2796-4D2A-9352-670F89612A81}" type="slidenum">
-              <a:rPr lang="en-US"/>
-              <a:pPr>
-                <a:defRPr/>
-              </a:pPr>
+            <a:fld id="{97ACF1F6-5EFA-4435-8A64-5D85DC05B25C}" type="slidenum">
+              <a:rPr lang="en-US" altLang="en-US"/>
+              <a:pPr/>
               <a:t>‹#›</a:t>
             </a:fld>
-            <a:endParaRPr lang="en-US" dirty="0"/>
+            <a:endParaRPr lang="en-US" altLang="en-US"/>
           </a:p>
         </p:txBody>
       </p:sp>
     </p:spTree>
     <p:extLst>
       <p:ext uri="{BB962C8B-B14F-4D97-AF65-F5344CB8AC3E}">
-        <p14:creationId xmlns:p14="http://schemas.microsoft.com/office/powerpoint/2010/main" val="3851644581"/>
+        <p14:creationId xmlns:p14="http://schemas.microsoft.com/office/powerpoint/2010/main" val="2885426744"/>
       </p:ext>
     </p:extLst>
   </p:cSld>
@@ -2922,12 +2918,12 @@
             <a:pPr>
               <a:defRPr/>
             </a:pPr>
-            <a:fld id="{21CA4124-F141-4893-A5BB-088AF894FF6C}" type="datetimeFigureOut">
+            <a:fld id="{C173129B-C438-4EB0-BAA7-6A32D1C7F091}" type="datetimeFigureOut">
               <a:rPr lang="en-US"/>
               <a:pPr>
                 <a:defRPr/>
               </a:pPr>
-              <a:t>4/26/2017</a:t>
+              <a:t>5/3/2017</a:t>
             </a:fld>
             <a:endParaRPr lang="en-US" dirty="0"/>
           </a:p>
@@ -2978,24 +2974,19 @@
             </a:lvl1pPr>
           </a:lstStyle>
           <a:p>
-            <a:pPr>
-              <a:defRPr/>
-            </a:pPr>
-            <a:fld id="{8E16E5FC-72A7-4E68-AA59-4867152CFE02}" type="slidenum">
-              <a:rPr lang="en-US"/>
-              <a:pPr>
-                <a:defRPr/>
-              </a:pPr>
+            <a:fld id="{7E747CA9-015E-49B0-B942-CF9D2185EF8E}" type="slidenum">
+              <a:rPr lang="en-US" altLang="en-US"/>
+              <a:pPr/>
               <a:t>‹#›</a:t>
             </a:fld>
-            <a:endParaRPr lang="en-US" dirty="0"/>
+            <a:endParaRPr lang="en-US" altLang="en-US"/>
           </a:p>
         </p:txBody>
       </p:sp>
     </p:spTree>
     <p:extLst>
       <p:ext uri="{BB962C8B-B14F-4D97-AF65-F5344CB8AC3E}">
-        <p14:creationId xmlns:p14="http://schemas.microsoft.com/office/powerpoint/2010/main" val="3925613760"/>
+        <p14:creationId xmlns:p14="http://schemas.microsoft.com/office/powerpoint/2010/main" val="286385471"/>
       </p:ext>
     </p:extLst>
   </p:cSld>
@@ -3847,12 +3838,12 @@
             <a:pPr>
               <a:defRPr/>
             </a:pPr>
-            <a:fld id="{1248B31B-32C1-4260-B99B-B1E0C794C76A}" type="datetimeFigureOut">
+            <a:fld id="{FFE0A53D-8F2D-4FF6-9900-EF01FD57A9C3}" type="datetimeFigureOut">
               <a:rPr lang="en-US"/>
               <a:pPr>
                 <a:defRPr/>
               </a:pPr>
-              <a:t>4/26/2017</a:t>
+              <a:t>5/3/2017</a:t>
             </a:fld>
             <a:endParaRPr lang="en-US" dirty="0"/>
           </a:p>
@@ -3903,24 +3894,19 @@
             </a:lvl1pPr>
           </a:lstStyle>
           <a:p>
-            <a:pPr>
-              <a:defRPr/>
-            </a:pPr>
-            <a:fld id="{84F4434A-CFAE-4E46-9257-7D82DA977687}" type="slidenum">
-              <a:rPr lang="en-US"/>
-              <a:pPr>
-                <a:defRPr/>
-              </a:pPr>
+            <a:fld id="{F69FD63A-B654-410A-800A-1B312B5B5367}" type="slidenum">
+              <a:rPr lang="en-US" altLang="en-US"/>
+              <a:pPr/>
               <a:t>‹#›</a:t>
             </a:fld>
-            <a:endParaRPr lang="en-US" dirty="0"/>
+            <a:endParaRPr lang="en-US" altLang="en-US"/>
           </a:p>
         </p:txBody>
       </p:sp>
     </p:spTree>
     <p:extLst>
       <p:ext uri="{BB962C8B-B14F-4D97-AF65-F5344CB8AC3E}">
-        <p14:creationId xmlns:p14="http://schemas.microsoft.com/office/powerpoint/2010/main" val="3029605367"/>
+        <p14:creationId xmlns:p14="http://schemas.microsoft.com/office/powerpoint/2010/main" val="1019134251"/>
       </p:ext>
     </p:extLst>
   </p:cSld>
@@ -4108,12 +4094,12 @@
             <a:pPr>
               <a:defRPr/>
             </a:pPr>
-            <a:fld id="{3ECF422F-0527-4646-B6EF-A0F50EB16890}" type="datetimeFigureOut">
+            <a:fld id="{B5045D1A-EF40-4784-AC02-FCBB02971BD6}" type="datetimeFigureOut">
               <a:rPr lang="en-US"/>
               <a:pPr>
                 <a:defRPr/>
               </a:pPr>
-              <a:t>4/26/2017</a:t>
+              <a:t>5/3/2017</a:t>
             </a:fld>
             <a:endParaRPr lang="en-US" dirty="0"/>
           </a:p>
@@ -4164,24 +4150,19 @@
             </a:lvl1pPr>
           </a:lstStyle>
           <a:p>
-            <a:pPr>
-              <a:defRPr/>
-            </a:pPr>
-            <a:fld id="{04C25577-1305-45EC-9F26-6822B769EF9E}" type="slidenum">
-              <a:rPr lang="en-US"/>
-              <a:pPr>
-                <a:defRPr/>
-              </a:pPr>
+            <a:fld id="{02DC5A44-CC5F-4C00-8604-366E8F9F325A}" type="slidenum">
+              <a:rPr lang="en-US" altLang="en-US"/>
+              <a:pPr/>
               <a:t>‹#›</a:t>
             </a:fld>
-            <a:endParaRPr lang="en-US" dirty="0"/>
+            <a:endParaRPr lang="en-US" altLang="en-US"/>
           </a:p>
         </p:txBody>
       </p:sp>
     </p:spTree>
     <p:extLst>
       <p:ext uri="{BB962C8B-B14F-4D97-AF65-F5344CB8AC3E}">
-        <p14:creationId xmlns:p14="http://schemas.microsoft.com/office/powerpoint/2010/main" val="3106824531"/>
+        <p14:creationId xmlns:p14="http://schemas.microsoft.com/office/powerpoint/2010/main" val="1445845459"/>
       </p:ext>
     </p:extLst>
   </p:cSld>
@@ -4379,12 +4360,12 @@
             <a:pPr>
               <a:defRPr/>
             </a:pPr>
-            <a:fld id="{9604BAF0-83D0-4A88-BB32-B494CC3D0B23}" type="datetimeFigureOut">
+            <a:fld id="{503C5501-1687-44B0-B33D-133B8CCCEEBD}" type="datetimeFigureOut">
               <a:rPr lang="en-US"/>
               <a:pPr>
                 <a:defRPr/>
               </a:pPr>
-              <a:t>4/26/2017</a:t>
+              <a:t>5/3/2017</a:t>
             </a:fld>
             <a:endParaRPr lang="en-US" dirty="0"/>
           </a:p>
@@ -4435,24 +4416,19 @@
             </a:lvl1pPr>
           </a:lstStyle>
           <a:p>
-            <a:pPr>
-              <a:defRPr/>
-            </a:pPr>
-            <a:fld id="{8903C10A-E566-4B31-AB61-99C29BEC4FB3}" type="slidenum">
-              <a:rPr lang="en-US"/>
-              <a:pPr>
-                <a:defRPr/>
-              </a:pPr>
+            <a:fld id="{55981DDE-FD08-4195-86D5-70C22F1A66F1}" type="slidenum">
+              <a:rPr lang="en-US" altLang="en-US"/>
+              <a:pPr/>
               <a:t>‹#›</a:t>
             </a:fld>
-            <a:endParaRPr lang="en-US" dirty="0"/>
+            <a:endParaRPr lang="en-US" altLang="en-US"/>
           </a:p>
         </p:txBody>
       </p:sp>
     </p:spTree>
     <p:extLst>
       <p:ext uri="{BB962C8B-B14F-4D97-AF65-F5344CB8AC3E}">
-        <p14:creationId xmlns:p14="http://schemas.microsoft.com/office/powerpoint/2010/main" val="2102755291"/>
+        <p14:creationId xmlns:p14="http://schemas.microsoft.com/office/powerpoint/2010/main" val="1011922105"/>
       </p:ext>
     </p:extLst>
   </p:cSld>
@@ -4647,12 +4623,12 @@
             <a:pPr>
               <a:defRPr/>
             </a:pPr>
-            <a:fld id="{3C2E0C38-B470-4F8A-A7E1-1418BCD81CBA}" type="datetimeFigureOut">
+            <a:fld id="{01F5ED90-1DB9-4BCC-85EB-D2F810581357}" type="datetimeFigureOut">
               <a:rPr lang="en-US"/>
               <a:pPr>
                 <a:defRPr/>
               </a:pPr>
-              <a:t>4/26/2017</a:t>
+              <a:t>5/3/2017</a:t>
             </a:fld>
             <a:endParaRPr lang="en-US" dirty="0"/>
           </a:p>
@@ -4703,24 +4679,19 @@
             </a:lvl1pPr>
           </a:lstStyle>
           <a:p>
-            <a:pPr>
-              <a:defRPr/>
-            </a:pPr>
-            <a:fld id="{C9078420-F7C0-49C7-AA8E-190AB2FE2A95}" type="slidenum">
-              <a:rPr lang="en-US"/>
-              <a:pPr>
-                <a:defRPr/>
-              </a:pPr>
+            <a:fld id="{E70661BF-0DCA-475C-A12F-12B91A4DBFD2}" type="slidenum">
+              <a:rPr lang="en-US" altLang="en-US"/>
+              <a:pPr/>
               <a:t>‹#›</a:t>
             </a:fld>
-            <a:endParaRPr lang="en-US" dirty="0"/>
+            <a:endParaRPr lang="en-US" altLang="en-US"/>
           </a:p>
         </p:txBody>
       </p:sp>
     </p:spTree>
     <p:extLst>
       <p:ext uri="{BB962C8B-B14F-4D97-AF65-F5344CB8AC3E}">
-        <p14:creationId xmlns:p14="http://schemas.microsoft.com/office/powerpoint/2010/main" val="840325673"/>
+        <p14:creationId xmlns:p14="http://schemas.microsoft.com/office/powerpoint/2010/main" val="2167839737"/>
       </p:ext>
     </p:extLst>
   </p:cSld>
@@ -4931,12 +4902,12 @@
             <a:pPr>
               <a:defRPr/>
             </a:pPr>
-            <a:fld id="{B4CEBE9C-DED2-4963-96CB-7E55D9C19171}" type="datetimeFigureOut">
+            <a:fld id="{A9BA1021-A92A-4D9A-92C0-E535A0128675}" type="datetimeFigureOut">
               <a:rPr lang="en-US"/>
               <a:pPr>
                 <a:defRPr/>
               </a:pPr>
-              <a:t>4/26/2017</a:t>
+              <a:t>5/3/2017</a:t>
             </a:fld>
             <a:endParaRPr lang="en-US" dirty="0"/>
           </a:p>
@@ -4987,24 +4958,19 @@
             </a:lvl1pPr>
           </a:lstStyle>
           <a:p>
-            <a:pPr>
-              <a:defRPr/>
-            </a:pPr>
-            <a:fld id="{9363ACD1-9C0B-4776-8F81-A305971D6E97}" type="slidenum">
-              <a:rPr lang="en-US"/>
-              <a:pPr>
-                <a:defRPr/>
-              </a:pPr>
+            <a:fld id="{E32BC7CB-532B-4D91-8788-26419D56F9C2}" type="slidenum">
+              <a:rPr lang="en-US" altLang="en-US"/>
+              <a:pPr/>
               <a:t>‹#›</a:t>
             </a:fld>
-            <a:endParaRPr lang="en-US" dirty="0"/>
+            <a:endParaRPr lang="en-US" altLang="en-US"/>
           </a:p>
         </p:txBody>
       </p:sp>
     </p:spTree>
     <p:extLst>
       <p:ext uri="{BB962C8B-B14F-4D97-AF65-F5344CB8AC3E}">
-        <p14:creationId xmlns:p14="http://schemas.microsoft.com/office/powerpoint/2010/main" val="1730579666"/>
+        <p14:creationId xmlns:p14="http://schemas.microsoft.com/office/powerpoint/2010/main" val="184498649"/>
       </p:ext>
     </p:extLst>
   </p:cSld>
@@ -5190,12 +5156,12 @@
             <a:pPr>
               <a:defRPr/>
             </a:pPr>
-            <a:fld id="{692F2E1F-8999-4D60-B884-861BCB6B5389}" type="datetimeFigureOut">
+            <a:fld id="{61E72D9D-4B47-4877-AC88-76B8F45341B1}" type="datetimeFigureOut">
               <a:rPr lang="en-US"/>
               <a:pPr>
                 <a:defRPr/>
               </a:pPr>
-              <a:t>4/26/2017</a:t>
+              <a:t>5/3/2017</a:t>
             </a:fld>
             <a:endParaRPr lang="en-US" dirty="0"/>
           </a:p>
@@ -5246,24 +5212,19 @@
             </a:lvl1pPr>
           </a:lstStyle>
           <a:p>
-            <a:pPr>
-              <a:defRPr/>
-            </a:pPr>
-            <a:fld id="{17FA9F75-43E0-41FE-9320-3C02833CA36F}" type="slidenum">
-              <a:rPr lang="en-US"/>
-              <a:pPr>
-                <a:defRPr/>
-              </a:pPr>
+            <a:fld id="{5A48F5C9-B04E-4E16-9FAE-32062452C89C}" type="slidenum">
+              <a:rPr lang="en-US" altLang="en-US"/>
+              <a:pPr/>
               <a:t>‹#›</a:t>
             </a:fld>
-            <a:endParaRPr lang="en-US" dirty="0"/>
+            <a:endParaRPr lang="en-US" altLang="en-US"/>
           </a:p>
         </p:txBody>
       </p:sp>
     </p:spTree>
     <p:extLst>
       <p:ext uri="{BB962C8B-B14F-4D97-AF65-F5344CB8AC3E}">
-        <p14:creationId xmlns:p14="http://schemas.microsoft.com/office/powerpoint/2010/main" val="1228330187"/>
+        <p14:creationId xmlns:p14="http://schemas.microsoft.com/office/powerpoint/2010/main" val="2705001852"/>
       </p:ext>
     </p:extLst>
   </p:cSld>
@@ -5610,12 +5571,12 @@
             <a:pPr>
               <a:defRPr/>
             </a:pPr>
-            <a:fld id="{CFCEE828-CED0-4EF5-9CE1-C63226017D18}" type="datetimeFigureOut">
+            <a:fld id="{4A4DF525-A059-4475-A507-70F11EE9D9CB}" type="datetimeFigureOut">
               <a:rPr lang="en-US"/>
               <a:pPr>
                 <a:defRPr/>
               </a:pPr>
-              <a:t>4/26/2017</a:t>
+              <a:t>5/3/2017</a:t>
             </a:fld>
             <a:endParaRPr lang="en-US" dirty="0"/>
           </a:p>
@@ -5666,24 +5627,19 @@
             </a:lvl1pPr>
           </a:lstStyle>
           <a:p>
-            <a:pPr>
-              <a:defRPr/>
-            </a:pPr>
-            <a:fld id="{6A2B6AE7-7C8D-4065-93F0-A7F00C96DFD3}" type="slidenum">
-              <a:rPr lang="en-US"/>
-              <a:pPr>
-                <a:defRPr/>
-              </a:pPr>
+            <a:fld id="{1A40D8F0-AA8D-4619-8401-414639D7565C}" type="slidenum">
+              <a:rPr lang="en-US" altLang="en-US"/>
+              <a:pPr/>
               <a:t>‹#›</a:t>
             </a:fld>
-            <a:endParaRPr lang="en-US" dirty="0"/>
+            <a:endParaRPr lang="en-US" altLang="en-US"/>
           </a:p>
         </p:txBody>
       </p:sp>
     </p:spTree>
     <p:extLst>
       <p:ext uri="{BB962C8B-B14F-4D97-AF65-F5344CB8AC3E}">
-        <p14:creationId xmlns:p14="http://schemas.microsoft.com/office/powerpoint/2010/main" val="423930809"/>
+        <p14:creationId xmlns:p14="http://schemas.microsoft.com/office/powerpoint/2010/main" val="3783774726"/>
       </p:ext>
     </p:extLst>
   </p:cSld>
@@ -5755,12 +5711,12 @@
             <a:pPr>
               <a:defRPr/>
             </a:pPr>
-            <a:fld id="{5CD47ACE-BE2B-484A-9B38-9D131739A3E0}" type="datetimeFigureOut">
+            <a:fld id="{9706DACB-442D-4FAD-B40E-570FAE35F9C8}" type="datetimeFigureOut">
               <a:rPr lang="en-US"/>
               <a:pPr>
                 <a:defRPr/>
               </a:pPr>
-              <a:t>4/26/2017</a:t>
+              <a:t>5/3/2017</a:t>
             </a:fld>
             <a:endParaRPr lang="en-US" dirty="0"/>
           </a:p>
@@ -5811,24 +5767,19 @@
             </a:lvl1pPr>
           </a:lstStyle>
           <a:p>
-            <a:pPr>
-              <a:defRPr/>
-            </a:pPr>
-            <a:fld id="{B39792EF-9D72-419A-9B4B-957C85EEBFCA}" type="slidenum">
-              <a:rPr lang="en-US"/>
-              <a:pPr>
-                <a:defRPr/>
-              </a:pPr>
+            <a:fld id="{48681623-BC73-4166-8B39-C3FC2F9764E2}" type="slidenum">
+              <a:rPr lang="en-US" altLang="en-US"/>
+              <a:pPr/>
               <a:t>‹#›</a:t>
             </a:fld>
-            <a:endParaRPr lang="en-US" dirty="0"/>
+            <a:endParaRPr lang="en-US" altLang="en-US"/>
           </a:p>
         </p:txBody>
       </p:sp>
     </p:spTree>
     <p:extLst>
       <p:ext uri="{BB962C8B-B14F-4D97-AF65-F5344CB8AC3E}">
-        <p14:creationId xmlns:p14="http://schemas.microsoft.com/office/powerpoint/2010/main" val="2056937031"/>
+        <p14:creationId xmlns:p14="http://schemas.microsoft.com/office/powerpoint/2010/main" val="432657602"/>
       </p:ext>
     </p:extLst>
   </p:cSld>
@@ -5877,12 +5828,12 @@
             <a:pPr>
               <a:defRPr/>
             </a:pPr>
-            <a:fld id="{7675C0F9-A72F-4531-94E4-32C8B2AF6873}" type="datetimeFigureOut">
+            <a:fld id="{82F4DC38-EF08-401D-BF33-D66369810F7D}" type="datetimeFigureOut">
               <a:rPr lang="en-US"/>
               <a:pPr>
                 <a:defRPr/>
               </a:pPr>
-              <a:t>4/26/2017</a:t>
+              <a:t>5/3/2017</a:t>
             </a:fld>
             <a:endParaRPr lang="en-US" dirty="0"/>
           </a:p>
@@ -5933,24 +5884,19 @@
             </a:lvl1pPr>
           </a:lstStyle>
           <a:p>
-            <a:pPr>
-              <a:defRPr/>
-            </a:pPr>
-            <a:fld id="{67A017C6-C000-4169-A717-56384A5BA8C1}" type="slidenum">
-              <a:rPr lang="en-US"/>
-              <a:pPr>
-                <a:defRPr/>
-              </a:pPr>
+            <a:fld id="{D06331A3-F35C-4C98-988D-7FEEFBC54E4C}" type="slidenum">
+              <a:rPr lang="en-US" altLang="en-US"/>
+              <a:pPr/>
               <a:t>‹#›</a:t>
             </a:fld>
-            <a:endParaRPr lang="en-US" dirty="0"/>
+            <a:endParaRPr lang="en-US" altLang="en-US"/>
           </a:p>
         </p:txBody>
       </p:sp>
     </p:spTree>
     <p:extLst>
       <p:ext uri="{BB962C8B-B14F-4D97-AF65-F5344CB8AC3E}">
-        <p14:creationId xmlns:p14="http://schemas.microsoft.com/office/powerpoint/2010/main" val="1509773713"/>
+        <p14:creationId xmlns:p14="http://schemas.microsoft.com/office/powerpoint/2010/main" val="2495575014"/>
       </p:ext>
     </p:extLst>
   </p:cSld>
@@ -6179,12 +6125,12 @@
             <a:pPr>
               <a:defRPr/>
             </a:pPr>
-            <a:fld id="{E9026789-CDD1-4B1F-967C-3181A92ED61F}" type="datetimeFigureOut">
+            <a:fld id="{A25619E6-C6E3-4F19-9266-6027E8677BC1}" type="datetimeFigureOut">
               <a:rPr lang="en-US"/>
               <a:pPr>
                 <a:defRPr/>
               </a:pPr>
-              <a:t>4/26/2017</a:t>
+              <a:t>5/3/2017</a:t>
             </a:fld>
             <a:endParaRPr lang="en-US" dirty="0"/>
           </a:p>
@@ -6235,24 +6181,19 @@
             </a:lvl1pPr>
           </a:lstStyle>
           <a:p>
-            <a:pPr>
-              <a:defRPr/>
-            </a:pPr>
-            <a:fld id="{44F23D3B-5F7D-4FB8-A27E-908240860B51}" type="slidenum">
-              <a:rPr lang="en-US"/>
-              <a:pPr>
-                <a:defRPr/>
-              </a:pPr>
+            <a:fld id="{CF87887A-D106-4F88-9CA0-542DD4DC982D}" type="slidenum">
+              <a:rPr lang="en-US" altLang="en-US"/>
+              <a:pPr/>
               <a:t>‹#›</a:t>
             </a:fld>
-            <a:endParaRPr lang="en-US" dirty="0"/>
+            <a:endParaRPr lang="en-US" altLang="en-US"/>
           </a:p>
         </p:txBody>
       </p:sp>
     </p:spTree>
     <p:extLst>
       <p:ext uri="{BB962C8B-B14F-4D97-AF65-F5344CB8AC3E}">
-        <p14:creationId xmlns:p14="http://schemas.microsoft.com/office/powerpoint/2010/main" val="2265941672"/>
+        <p14:creationId xmlns:p14="http://schemas.microsoft.com/office/powerpoint/2010/main" val="1554793974"/>
       </p:ext>
     </p:extLst>
   </p:cSld>
@@ -6492,12 +6433,12 @@
             <a:pPr>
               <a:defRPr/>
             </a:pPr>
-            <a:fld id="{DCAC668C-0774-4358-AFAA-B6146B192B5A}" type="datetimeFigureOut">
+            <a:fld id="{EC398DF7-85D8-4363-9D83-F560EC793009}" type="datetimeFigureOut">
               <a:rPr lang="en-US"/>
               <a:pPr>
                 <a:defRPr/>
               </a:pPr>
-              <a:t>4/26/2017</a:t>
+              <a:t>5/3/2017</a:t>
             </a:fld>
             <a:endParaRPr lang="en-US" dirty="0"/>
           </a:p>
@@ -6548,24 +6489,19 @@
             </a:lvl1pPr>
           </a:lstStyle>
           <a:p>
-            <a:pPr>
-              <a:defRPr/>
-            </a:pPr>
-            <a:fld id="{144700E2-69BB-44EF-9D2A-943040D3DFC0}" type="slidenum">
-              <a:rPr lang="en-US"/>
-              <a:pPr>
-                <a:defRPr/>
-              </a:pPr>
+            <a:fld id="{A3C8BAB5-BFAC-4FC4-9B76-27D3D6AC1F7D}" type="slidenum">
+              <a:rPr lang="en-US" altLang="en-US"/>
+              <a:pPr/>
               <a:t>‹#›</a:t>
             </a:fld>
-            <a:endParaRPr lang="en-US" dirty="0"/>
+            <a:endParaRPr lang="en-US" altLang="en-US"/>
           </a:p>
         </p:txBody>
       </p:sp>
     </p:spTree>
     <p:extLst>
       <p:ext uri="{BB962C8B-B14F-4D97-AF65-F5344CB8AC3E}">
-        <p14:creationId xmlns:p14="http://schemas.microsoft.com/office/powerpoint/2010/main" val="3287038758"/>
+        <p14:creationId xmlns:p14="http://schemas.microsoft.com/office/powerpoint/2010/main" val="16192396"/>
       </p:ext>
     </p:extLst>
   </p:cSld>
@@ -6806,12 +6742,12 @@
             <a:pPr>
               <a:defRPr/>
             </a:pPr>
-            <a:fld id="{FAEB4F1D-BD23-4060-A2DD-F58825D5F261}" type="datetimeFigureOut">
+            <a:fld id="{90029AC8-3CD7-4057-98A0-50B332D40E0B}" type="datetimeFigureOut">
               <a:rPr lang="en-US"/>
               <a:pPr>
                 <a:defRPr/>
               </a:pPr>
-              <a:t>4/26/2017</a:t>
+              <a:t>5/3/2017</a:t>
             </a:fld>
             <a:endParaRPr lang="en-US" dirty="0"/>
           </a:p>
@@ -6903,56 +6839,25 @@
           </a:prstGeom>
         </p:spPr>
         <p:txBody>
-          <a:bodyPr vert="horz" lIns="91440" tIns="45720" rIns="91440" bIns="45720" rtlCol="0" anchor="ctr"/>
+          <a:bodyPr vert="horz" wrap="square" lIns="91440" tIns="45720" rIns="91440" bIns="45720" numCol="1" anchor="ctr" anchorCtr="0" compatLnSpc="1">
+            <a:prstTxWarp prst="textNoShape">
+              <a:avLst/>
+            </a:prstTxWarp>
+          </a:bodyPr>
           <a:lstStyle>
-            <a:lvl1pPr algn="r" defTabSz="457200" fontAlgn="auto">
-              <a:spcBef>
-                <a:spcPts val="0"/>
-              </a:spcBef>
-              <a:spcAft>
-                <a:spcPts val="0"/>
-              </a:spcAft>
+            <a:lvl1pPr algn="r" defTabSz="457200">
               <a:defRPr sz="900">
-                <a:gradFill flip="none" rotWithShape="1">
-                  <a:gsLst>
-                    <a:gs pos="28000">
-                      <a:prstClr val="white">
-                        <a:lumMod val="93000"/>
-                      </a:prstClr>
-                    </a:gs>
-                    <a:gs pos="0">
-                      <a:prstClr val="black">
-                        <a:lumMod val="38000"/>
-                        <a:lumOff val="62000"/>
-                      </a:prstClr>
-                    </a:gs>
-                    <a:gs pos="100000">
-                      <a:srgbClr val="94D7E4">
-                        <a:lumMod val="0"/>
-                        <a:lumOff val="100000"/>
-                      </a:srgbClr>
-                    </a:gs>
-                  </a:gsLst>
-                  <a:lin ang="5400000" scaled="1"/>
-                  <a:tileRect/>
-                </a:gradFill>
-                <a:latin typeface="+mn-lt"/>
-                <a:cs typeface="+mn-cs"/>
+                <a:latin typeface="Corbel" panose="020B0503020204020204" pitchFamily="34" charset="0"/>
               </a:defRPr>
             </a:lvl1pPr>
           </a:lstStyle>
           <a:p>
-            <a:pPr>
-              <a:defRPr/>
-            </a:pPr>
-            <a:fld id="{DE7FB8B7-04DE-43EF-B99E-54B71C009F28}" type="slidenum">
-              <a:rPr lang="en-US"/>
-              <a:pPr>
-                <a:defRPr/>
-              </a:pPr>
+            <a:fld id="{1A57BD9B-0ABC-4545-9391-8EC74CDB416C}" type="slidenum">
+              <a:rPr lang="en-US" altLang="en-US"/>
+              <a:pPr/>
               <a:t>‹#›</a:t>
             </a:fld>
-            <a:endParaRPr lang="en-US" dirty="0"/>
+            <a:endParaRPr lang="en-US" altLang="en-US"/>
           </a:p>
         </p:txBody>
       </p:sp>
@@ -6960,23 +6865,23 @@
   </p:cSld>
   <p:clrMap bg1="dk1" tx1="lt1" bg2="dk2" tx2="lt2" accent1="accent1" accent2="accent2" accent3="accent3" accent4="accent4" accent5="accent5" accent6="accent6" hlink="hlink" folHlink="folHlink"/>
   <p:sldLayoutIdLst>
-    <p:sldLayoutId id="2147483765" r:id="rId1"/>
-    <p:sldLayoutId id="2147483766" r:id="rId2"/>
-    <p:sldLayoutId id="2147483767" r:id="rId3"/>
-    <p:sldLayoutId id="2147483768" r:id="rId4"/>
-    <p:sldLayoutId id="2147483769" r:id="rId5"/>
-    <p:sldLayoutId id="2147483770" r:id="rId6"/>
-    <p:sldLayoutId id="2147483771" r:id="rId7"/>
-    <p:sldLayoutId id="2147483772" r:id="rId8"/>
-    <p:sldLayoutId id="2147483773" r:id="rId9"/>
-    <p:sldLayoutId id="2147483774" r:id="rId10"/>
-    <p:sldLayoutId id="2147483775" r:id="rId11"/>
-    <p:sldLayoutId id="2147483776" r:id="rId12"/>
-    <p:sldLayoutId id="2147483777" r:id="rId13"/>
-    <p:sldLayoutId id="2147483778" r:id="rId14"/>
-    <p:sldLayoutId id="2147483779" r:id="rId15"/>
-    <p:sldLayoutId id="2147483780" r:id="rId16"/>
-    <p:sldLayoutId id="2147483781" r:id="rId17"/>
+    <p:sldLayoutId id="2147483799" r:id="rId1"/>
+    <p:sldLayoutId id="2147483800" r:id="rId2"/>
+    <p:sldLayoutId id="2147483801" r:id="rId3"/>
+    <p:sldLayoutId id="2147483802" r:id="rId4"/>
+    <p:sldLayoutId id="2147483803" r:id="rId5"/>
+    <p:sldLayoutId id="2147483804" r:id="rId6"/>
+    <p:sldLayoutId id="2147483805" r:id="rId7"/>
+    <p:sldLayoutId id="2147483806" r:id="rId8"/>
+    <p:sldLayoutId id="2147483807" r:id="rId9"/>
+    <p:sldLayoutId id="2147483808" r:id="rId10"/>
+    <p:sldLayoutId id="2147483809" r:id="rId11"/>
+    <p:sldLayoutId id="2147483810" r:id="rId12"/>
+    <p:sldLayoutId id="2147483811" r:id="rId13"/>
+    <p:sldLayoutId id="2147483812" r:id="rId14"/>
+    <p:sldLayoutId id="2147483813" r:id="rId15"/>
+    <p:sldLayoutId id="2147483814" r:id="rId16"/>
+    <p:sldLayoutId id="2147483815" r:id="rId17"/>
   </p:sldLayoutIdLst>
   <p:hf sldNum="0" hdr="0" ftr="0" dt="0"/>
   <p:txStyles>
@@ -7148,7 +7053,7 @@
         <a:spcAft>
           <a:spcPct val="0"/>
         </a:spcAft>
-        <a:buFont typeface="Arial" charset="0"/>
+        <a:buFont typeface="Arial" panose="020B0604020202020204" pitchFamily="34" charset="0"/>
         <a:buChar char="•"/>
         <a:defRPr sz="2400" kern="1200">
           <a:solidFill>
@@ -7169,7 +7074,7 @@
         <a:spcAft>
           <a:spcPct val="0"/>
         </a:spcAft>
-        <a:buFont typeface="Arial" charset="0"/>
+        <a:buFont typeface="Arial" panose="020B0604020202020204" pitchFamily="34" charset="0"/>
         <a:buChar char="•"/>
         <a:defRPr sz="2000" kern="1200">
           <a:solidFill>
@@ -7190,7 +7095,7 @@
         <a:spcAft>
           <a:spcPct val="0"/>
         </a:spcAft>
-        <a:buFont typeface="Arial" charset="0"/>
+        <a:buFont typeface="Arial" panose="020B0604020202020204" pitchFamily="34" charset="0"/>
         <a:buChar char="•"/>
         <a:defRPr sz="1600" kern="1200">
           <a:solidFill>
@@ -7211,7 +7116,7 @@
         <a:spcAft>
           <a:spcPct val="0"/>
         </a:spcAft>
-        <a:buFont typeface="Arial" charset="0"/>
+        <a:buFont typeface="Arial" panose="020B0604020202020204" pitchFamily="34" charset="0"/>
         <a:buChar char="•"/>
         <a:defRPr sz="1400" kern="1200">
           <a:solidFill>
@@ -7232,7 +7137,7 @@
         <a:spcAft>
           <a:spcPct val="0"/>
         </a:spcAft>
-        <a:buFont typeface="Arial" charset="0"/>
+        <a:buFont typeface="Arial" panose="020B0604020202020204" pitchFamily="34" charset="0"/>
         <a:buChar char="•"/>
         <a:defRPr sz="1400" kern="1200">
           <a:solidFill>
@@ -7456,8 +7361,6 @@
               <a:spcAft>
                 <a:spcPts val="0"/>
               </a:spcAft>
-              <a:buFont typeface="Arial" panose="020B0604020202020204" pitchFamily="34" charset="0"/>
-              <a:buNone/>
               <a:defRPr/>
             </a:pPr>
             <a:r>
@@ -7656,153 +7559,215 @@
           </a:bodyPr>
           <a:lstStyle>
             <a:lvl1pPr defTabSz="457200" eaLnBrk="0" hangingPunct="0">
-              <a:defRPr>
-                <a:solidFill>
-                  <a:schemeClr val="tx1"/>
-                </a:solidFill>
-                <a:latin typeface="Calibri" pitchFamily="34" charset="0"/>
-                <a:cs typeface="Arial" charset="0"/>
+              <a:lnSpc>
+                <a:spcPct val="90000"/>
+              </a:lnSpc>
+              <a:spcBef>
+                <a:spcPts val="750"/>
+              </a:spcBef>
+              <a:buFont typeface="Arial" panose="020B0604020202020204" pitchFamily="34" charset="0"/>
+              <a:buChar char="•"/>
+              <a:defRPr sz="2400">
+                <a:solidFill>
+                  <a:srgbClr val="126D96"/>
+                </a:solidFill>
+                <a:latin typeface="Corbel" panose="020B0503020204020204" pitchFamily="34" charset="0"/>
               </a:defRPr>
             </a:lvl1pPr>
             <a:lvl2pPr marL="742950" indent="-285750" defTabSz="457200" eaLnBrk="0" hangingPunct="0">
-              <a:defRPr>
-                <a:solidFill>
-                  <a:schemeClr val="tx1"/>
-                </a:solidFill>
-                <a:latin typeface="Calibri" pitchFamily="34" charset="0"/>
-                <a:cs typeface="Arial" charset="0"/>
+              <a:lnSpc>
+                <a:spcPct val="90000"/>
+              </a:lnSpc>
+              <a:spcBef>
+                <a:spcPts val="375"/>
+              </a:spcBef>
+              <a:buFont typeface="Arial" panose="020B0604020202020204" pitchFamily="34" charset="0"/>
+              <a:buChar char="•"/>
+              <a:defRPr sz="2000">
+                <a:solidFill>
+                  <a:srgbClr val="126D96"/>
+                </a:solidFill>
+                <a:latin typeface="Corbel" panose="020B0503020204020204" pitchFamily="34" charset="0"/>
               </a:defRPr>
             </a:lvl2pPr>
             <a:lvl3pPr marL="1143000" indent="-228600" defTabSz="457200" eaLnBrk="0" hangingPunct="0">
-              <a:defRPr>
-                <a:solidFill>
-                  <a:schemeClr val="tx1"/>
-                </a:solidFill>
-                <a:latin typeface="Calibri" pitchFamily="34" charset="0"/>
-                <a:cs typeface="Arial" charset="0"/>
+              <a:lnSpc>
+                <a:spcPct val="90000"/>
+              </a:lnSpc>
+              <a:spcBef>
+                <a:spcPts val="375"/>
+              </a:spcBef>
+              <a:buFont typeface="Arial" panose="020B0604020202020204" pitchFamily="34" charset="0"/>
+              <a:buChar char="•"/>
+              <a:defRPr sz="1600">
+                <a:solidFill>
+                  <a:srgbClr val="126D96"/>
+                </a:solidFill>
+                <a:latin typeface="Corbel" panose="020B0503020204020204" pitchFamily="34" charset="0"/>
               </a:defRPr>
             </a:lvl3pPr>
             <a:lvl4pPr marL="1600200" indent="-228600" defTabSz="457200" eaLnBrk="0" hangingPunct="0">
-              <a:defRPr>
-                <a:solidFill>
-                  <a:schemeClr val="tx1"/>
-                </a:solidFill>
-                <a:latin typeface="Calibri" pitchFamily="34" charset="0"/>
-                <a:cs typeface="Arial" charset="0"/>
+              <a:lnSpc>
+                <a:spcPct val="90000"/>
+              </a:lnSpc>
+              <a:spcBef>
+                <a:spcPts val="375"/>
+              </a:spcBef>
+              <a:buFont typeface="Arial" panose="020B0604020202020204" pitchFamily="34" charset="0"/>
+              <a:buChar char="•"/>
+              <a:defRPr sz="1400">
+                <a:solidFill>
+                  <a:srgbClr val="126D96"/>
+                </a:solidFill>
+                <a:latin typeface="Corbel" panose="020B0503020204020204" pitchFamily="34" charset="0"/>
               </a:defRPr>
             </a:lvl4pPr>
             <a:lvl5pPr marL="2057400" indent="-228600" defTabSz="457200" eaLnBrk="0" hangingPunct="0">
-              <a:defRPr>
-                <a:solidFill>
-                  <a:schemeClr val="tx1"/>
-                </a:solidFill>
-                <a:latin typeface="Calibri" pitchFamily="34" charset="0"/>
-                <a:cs typeface="Arial" charset="0"/>
+              <a:lnSpc>
+                <a:spcPct val="90000"/>
+              </a:lnSpc>
+              <a:spcBef>
+                <a:spcPts val="375"/>
+              </a:spcBef>
+              <a:buFont typeface="Arial" panose="020B0604020202020204" pitchFamily="34" charset="0"/>
+              <a:buChar char="•"/>
+              <a:defRPr sz="1400">
+                <a:solidFill>
+                  <a:srgbClr val="126D96"/>
+                </a:solidFill>
+                <a:latin typeface="Corbel" panose="020B0503020204020204" pitchFamily="34" charset="0"/>
               </a:defRPr>
             </a:lvl5pPr>
             <a:lvl6pPr marL="2514600" indent="-228600" defTabSz="457200" eaLnBrk="0" fontAlgn="base" hangingPunct="0">
+              <a:lnSpc>
+                <a:spcPct val="90000"/>
+              </a:lnSpc>
               <a:spcBef>
-                <a:spcPct val="0"/>
+                <a:spcPts val="375"/>
               </a:spcBef>
               <a:spcAft>
                 <a:spcPct val="0"/>
               </a:spcAft>
-              <a:defRPr>
-                <a:solidFill>
-                  <a:schemeClr val="tx1"/>
-                </a:solidFill>
-                <a:latin typeface="Calibri" pitchFamily="34" charset="0"/>
-                <a:cs typeface="Arial" charset="0"/>
+              <a:buFont typeface="Arial" panose="020B0604020202020204" pitchFamily="34" charset="0"/>
+              <a:buChar char="•"/>
+              <a:defRPr sz="1400">
+                <a:solidFill>
+                  <a:srgbClr val="126D96"/>
+                </a:solidFill>
+                <a:latin typeface="Corbel" panose="020B0503020204020204" pitchFamily="34" charset="0"/>
               </a:defRPr>
             </a:lvl6pPr>
             <a:lvl7pPr marL="2971800" indent="-228600" defTabSz="457200" eaLnBrk="0" fontAlgn="base" hangingPunct="0">
+              <a:lnSpc>
+                <a:spcPct val="90000"/>
+              </a:lnSpc>
               <a:spcBef>
-                <a:spcPct val="0"/>
+                <a:spcPts val="375"/>
               </a:spcBef>
               <a:spcAft>
                 <a:spcPct val="0"/>
               </a:spcAft>
-              <a:defRPr>
-                <a:solidFill>
-                  <a:schemeClr val="tx1"/>
-                </a:solidFill>
-                <a:latin typeface="Calibri" pitchFamily="34" charset="0"/>
-                <a:cs typeface="Arial" charset="0"/>
+              <a:buFont typeface="Arial" panose="020B0604020202020204" pitchFamily="34" charset="0"/>
+              <a:buChar char="•"/>
+              <a:defRPr sz="1400">
+                <a:solidFill>
+                  <a:srgbClr val="126D96"/>
+                </a:solidFill>
+                <a:latin typeface="Corbel" panose="020B0503020204020204" pitchFamily="34" charset="0"/>
               </a:defRPr>
             </a:lvl7pPr>
             <a:lvl8pPr marL="3429000" indent="-228600" defTabSz="457200" eaLnBrk="0" fontAlgn="base" hangingPunct="0">
+              <a:lnSpc>
+                <a:spcPct val="90000"/>
+              </a:lnSpc>
               <a:spcBef>
-                <a:spcPct val="0"/>
+                <a:spcPts val="375"/>
               </a:spcBef>
               <a:spcAft>
                 <a:spcPct val="0"/>
               </a:spcAft>
-              <a:defRPr>
-                <a:solidFill>
-                  <a:schemeClr val="tx1"/>
-                </a:solidFill>
-                <a:latin typeface="Calibri" pitchFamily="34" charset="0"/>
-                <a:cs typeface="Arial" charset="0"/>
+              <a:buFont typeface="Arial" panose="020B0604020202020204" pitchFamily="34" charset="0"/>
+              <a:buChar char="•"/>
+              <a:defRPr sz="1400">
+                <a:solidFill>
+                  <a:srgbClr val="126D96"/>
+                </a:solidFill>
+                <a:latin typeface="Corbel" panose="020B0503020204020204" pitchFamily="34" charset="0"/>
               </a:defRPr>
             </a:lvl8pPr>
             <a:lvl9pPr marL="3886200" indent="-228600" defTabSz="457200" eaLnBrk="0" fontAlgn="base" hangingPunct="0">
+              <a:lnSpc>
+                <a:spcPct val="90000"/>
+              </a:lnSpc>
               <a:spcBef>
-                <a:spcPct val="0"/>
+                <a:spcPts val="375"/>
               </a:spcBef>
               <a:spcAft>
                 <a:spcPct val="0"/>
               </a:spcAft>
-              <a:defRPr>
-                <a:solidFill>
-                  <a:schemeClr val="tx1"/>
-                </a:solidFill>
-                <a:latin typeface="Calibri" pitchFamily="34" charset="0"/>
-                <a:cs typeface="Arial" charset="0"/>
+              <a:buFont typeface="Arial" panose="020B0604020202020204" pitchFamily="34" charset="0"/>
+              <a:buChar char="•"/>
+              <a:defRPr sz="1400">
+                <a:solidFill>
+                  <a:srgbClr val="126D96"/>
+                </a:solidFill>
+                <a:latin typeface="Corbel" panose="020B0503020204020204" pitchFamily="34" charset="0"/>
               </a:defRPr>
             </a:lvl9pPr>
           </a:lstStyle>
           <a:p>
-            <a:pPr algn="r" eaLnBrk="1" hangingPunct="1"/>
+            <a:pPr algn="r" eaLnBrk="1" hangingPunct="1">
+              <a:lnSpc>
+                <a:spcPct val="100000"/>
+              </a:lnSpc>
+              <a:spcBef>
+                <a:spcPct val="0"/>
+              </a:spcBef>
+              <a:buFontTx/>
+              <a:buNone/>
+            </a:pPr>
+            <a:r>
+              <a:rPr lang="en-CA" altLang="en-US" sz="1900"/>
+              <a:t>Tom Carruthers  &amp;  Adrian Hordyk     </a:t>
+            </a:r>
             <a:r>
               <a:rPr lang="en-CA" altLang="en-US" sz="1900">
                 <a:solidFill>
-                  <a:srgbClr val="126D96"/>
-                </a:solidFill>
-                <a:latin typeface="Corbel" pitchFamily="34" charset="0"/>
-              </a:rPr>
-              <a:t>Tom Carruthers  &amp;  Adrian Hordyk     </a:t>
-            </a:r>
-            <a:r>
-              <a:rPr lang="en-CA" altLang="en-US" sz="1900">
-                <a:solidFill>
                   <a:srgbClr val="FFFFFF"/>
                 </a:solidFill>
-                <a:latin typeface="Corbel" pitchFamily="34" charset="0"/>
               </a:rPr>
               <a:t>.</a:t>
             </a:r>
           </a:p>
           <a:p>
-            <a:pPr algn="r" eaLnBrk="1" hangingPunct="1"/>
-            <a:r>
-              <a:rPr lang="en-CA" altLang="en-US" sz="1900">
-                <a:solidFill>
-                  <a:srgbClr val="126D96"/>
-                </a:solidFill>
-                <a:latin typeface="Corbel" pitchFamily="34" charset="0"/>
-              </a:rPr>
+            <a:pPr algn="r" eaLnBrk="1" hangingPunct="1">
+              <a:lnSpc>
+                <a:spcPct val="100000"/>
+              </a:lnSpc>
+              <a:spcBef>
+                <a:spcPct val="0"/>
+              </a:spcBef>
+              <a:buFontTx/>
+              <a:buNone/>
+            </a:pPr>
+            <a:r>
+              <a:rPr lang="en-CA" altLang="en-US" sz="1900"/>
               <a:t> </a:t>
             </a:r>
           </a:p>
           <a:p>
-            <a:pPr algn="r" eaLnBrk="1" hangingPunct="1"/>
-            <a:r>
-              <a:rPr lang="en-CA" altLang="en-US" sz="1900">
-                <a:solidFill>
-                  <a:srgbClr val="126D96"/>
-                </a:solidFill>
-                <a:latin typeface="Corbel" pitchFamily="34" charset="0"/>
-              </a:rPr>
+            <a:pPr algn="r" eaLnBrk="1" hangingPunct="1">
+              <a:lnSpc>
+                <a:spcPct val="100000"/>
+              </a:lnSpc>
+              <a:spcBef>
+                <a:spcPct val="0"/>
+              </a:spcBef>
+              <a:buFontTx/>
+              <a:buNone/>
+            </a:pPr>
+            <a:r>
+              <a:rPr lang="en-CA" altLang="en-US" sz="1900"/>
               <a:t>Nicolas Gutierrez</a:t>
             </a:r>
           </a:p>
@@ -7858,13 +7823,13 @@
               <a:spcBef>
                 <a:spcPts val="750"/>
               </a:spcBef>
-              <a:buFont typeface="Arial" charset="0"/>
+              <a:buFont typeface="Arial" panose="020B0604020202020204" pitchFamily="34" charset="0"/>
               <a:buChar char="•"/>
               <a:defRPr sz="2400">
                 <a:solidFill>
                   <a:srgbClr val="126D96"/>
                 </a:solidFill>
-                <a:latin typeface="Corbel" pitchFamily="34" charset="0"/>
+                <a:latin typeface="Corbel" panose="020B0503020204020204" pitchFamily="34" charset="0"/>
               </a:defRPr>
             </a:lvl1pPr>
             <a:lvl2pPr marL="514350" indent="-171450" eaLnBrk="0" hangingPunct="0">
@@ -7874,13 +7839,13 @@
               <a:spcBef>
                 <a:spcPts val="375"/>
               </a:spcBef>
-              <a:buFont typeface="Arial" charset="0"/>
+              <a:buFont typeface="Arial" panose="020B0604020202020204" pitchFamily="34" charset="0"/>
               <a:buChar char="•"/>
               <a:defRPr sz="2000">
                 <a:solidFill>
                   <a:srgbClr val="126D96"/>
                 </a:solidFill>
-                <a:latin typeface="Corbel" pitchFamily="34" charset="0"/>
+                <a:latin typeface="Corbel" panose="020B0503020204020204" pitchFamily="34" charset="0"/>
               </a:defRPr>
             </a:lvl2pPr>
             <a:lvl3pPr marL="857250" indent="-171450" eaLnBrk="0" hangingPunct="0">
@@ -7890,13 +7855,13 @@
               <a:spcBef>
                 <a:spcPts val="375"/>
               </a:spcBef>
-              <a:buFont typeface="Arial" charset="0"/>
+              <a:buFont typeface="Arial" panose="020B0604020202020204" pitchFamily="34" charset="0"/>
               <a:buChar char="•"/>
               <a:defRPr sz="1600">
                 <a:solidFill>
                   <a:srgbClr val="126D96"/>
                 </a:solidFill>
-                <a:latin typeface="Corbel" pitchFamily="34" charset="0"/>
+                <a:latin typeface="Corbel" panose="020B0503020204020204" pitchFamily="34" charset="0"/>
               </a:defRPr>
             </a:lvl3pPr>
             <a:lvl4pPr marL="1200150" indent="-171450" eaLnBrk="0" hangingPunct="0">
@@ -7906,13 +7871,13 @@
               <a:spcBef>
                 <a:spcPts val="375"/>
               </a:spcBef>
-              <a:buFont typeface="Arial" charset="0"/>
+              <a:buFont typeface="Arial" panose="020B0604020202020204" pitchFamily="34" charset="0"/>
               <a:buChar char="•"/>
               <a:defRPr sz="1400">
                 <a:solidFill>
                   <a:srgbClr val="126D96"/>
                 </a:solidFill>
-                <a:latin typeface="Corbel" pitchFamily="34" charset="0"/>
+                <a:latin typeface="Corbel" panose="020B0503020204020204" pitchFamily="34" charset="0"/>
               </a:defRPr>
             </a:lvl4pPr>
             <a:lvl5pPr marL="1543050" indent="-171450" eaLnBrk="0" hangingPunct="0">
@@ -7922,13 +7887,13 @@
               <a:spcBef>
                 <a:spcPts val="375"/>
               </a:spcBef>
-              <a:buFont typeface="Arial" charset="0"/>
+              <a:buFont typeface="Arial" panose="020B0604020202020204" pitchFamily="34" charset="0"/>
               <a:buChar char="•"/>
               <a:defRPr sz="1400">
                 <a:solidFill>
                   <a:srgbClr val="126D96"/>
                 </a:solidFill>
-                <a:latin typeface="Corbel" pitchFamily="34" charset="0"/>
+                <a:latin typeface="Corbel" panose="020B0503020204020204" pitchFamily="34" charset="0"/>
               </a:defRPr>
             </a:lvl5pPr>
             <a:lvl6pPr marL="2000250" indent="-171450" eaLnBrk="0" fontAlgn="base" hangingPunct="0">
@@ -7941,13 +7906,13 @@
               <a:spcAft>
                 <a:spcPct val="0"/>
               </a:spcAft>
-              <a:buFont typeface="Arial" charset="0"/>
+              <a:buFont typeface="Arial" panose="020B0604020202020204" pitchFamily="34" charset="0"/>
               <a:buChar char="•"/>
               <a:defRPr sz="1400">
                 <a:solidFill>
                   <a:srgbClr val="126D96"/>
                 </a:solidFill>
-                <a:latin typeface="Corbel" pitchFamily="34" charset="0"/>
+                <a:latin typeface="Corbel" panose="020B0503020204020204" pitchFamily="34" charset="0"/>
               </a:defRPr>
             </a:lvl6pPr>
             <a:lvl7pPr marL="2457450" indent="-171450" eaLnBrk="0" fontAlgn="base" hangingPunct="0">
@@ -7960,13 +7925,13 @@
               <a:spcAft>
                 <a:spcPct val="0"/>
               </a:spcAft>
-              <a:buFont typeface="Arial" charset="0"/>
+              <a:buFont typeface="Arial" panose="020B0604020202020204" pitchFamily="34" charset="0"/>
               <a:buChar char="•"/>
               <a:defRPr sz="1400">
                 <a:solidFill>
                   <a:srgbClr val="126D96"/>
                 </a:solidFill>
-                <a:latin typeface="Corbel" pitchFamily="34" charset="0"/>
+                <a:latin typeface="Corbel" panose="020B0503020204020204" pitchFamily="34" charset="0"/>
               </a:defRPr>
             </a:lvl7pPr>
             <a:lvl8pPr marL="2914650" indent="-171450" eaLnBrk="0" fontAlgn="base" hangingPunct="0">
@@ -7979,13 +7944,13 @@
               <a:spcAft>
                 <a:spcPct val="0"/>
               </a:spcAft>
-              <a:buFont typeface="Arial" charset="0"/>
+              <a:buFont typeface="Arial" panose="020B0604020202020204" pitchFamily="34" charset="0"/>
               <a:buChar char="•"/>
               <a:defRPr sz="1400">
                 <a:solidFill>
                   <a:srgbClr val="126D96"/>
                 </a:solidFill>
-                <a:latin typeface="Corbel" pitchFamily="34" charset="0"/>
+                <a:latin typeface="Corbel" panose="020B0503020204020204" pitchFamily="34" charset="0"/>
               </a:defRPr>
             </a:lvl8pPr>
             <a:lvl9pPr marL="3371850" indent="-171450" eaLnBrk="0" fontAlgn="base" hangingPunct="0">
@@ -7998,13 +7963,13 @@
               <a:spcAft>
                 <a:spcPct val="0"/>
               </a:spcAft>
-              <a:buFont typeface="Arial" charset="0"/>
+              <a:buFont typeface="Arial" panose="020B0604020202020204" pitchFamily="34" charset="0"/>
               <a:buChar char="•"/>
               <a:defRPr sz="1400">
                 <a:solidFill>
                   <a:srgbClr val="126D96"/>
                 </a:solidFill>
-                <a:latin typeface="Corbel" pitchFamily="34" charset="0"/>
+                <a:latin typeface="Corbel" panose="020B0503020204020204" pitchFamily="34" charset="0"/>
               </a:defRPr>
             </a:lvl9pPr>
           </a:lstStyle>
@@ -8016,7 +7981,7 @@
               <a:spcAft>
                 <a:spcPts val="600"/>
               </a:spcAft>
-              <a:buFont typeface="Arial" charset="0"/>
+              <a:buFont typeface="Arial" panose="020B0604020202020204" pitchFamily="34" charset="0"/>
               <a:buNone/>
             </a:pPr>
             <a:r>
@@ -8134,13 +8099,13 @@
               <a:spcBef>
                 <a:spcPts val="750"/>
               </a:spcBef>
-              <a:buFont typeface="Arial" charset="0"/>
+              <a:buFont typeface="Arial" panose="020B0604020202020204" pitchFamily="34" charset="0"/>
               <a:buChar char="•"/>
               <a:defRPr sz="2400">
                 <a:solidFill>
                   <a:srgbClr val="126D96"/>
                 </a:solidFill>
-                <a:latin typeface="Corbel" pitchFamily="34" charset="0"/>
+                <a:latin typeface="Corbel" panose="020B0503020204020204" pitchFamily="34" charset="0"/>
               </a:defRPr>
             </a:lvl1pPr>
             <a:lvl2pPr marL="514350" indent="-171450" eaLnBrk="0" hangingPunct="0">
@@ -8150,13 +8115,13 @@
               <a:spcBef>
                 <a:spcPts val="375"/>
               </a:spcBef>
-              <a:buFont typeface="Arial" charset="0"/>
+              <a:buFont typeface="Arial" panose="020B0604020202020204" pitchFamily="34" charset="0"/>
               <a:buChar char="•"/>
               <a:defRPr sz="2000">
                 <a:solidFill>
                   <a:srgbClr val="126D96"/>
                 </a:solidFill>
-                <a:latin typeface="Corbel" pitchFamily="34" charset="0"/>
+                <a:latin typeface="Corbel" panose="020B0503020204020204" pitchFamily="34" charset="0"/>
               </a:defRPr>
             </a:lvl2pPr>
             <a:lvl3pPr marL="857250" indent="-171450" eaLnBrk="0" hangingPunct="0">
@@ -8166,13 +8131,13 @@
               <a:spcBef>
                 <a:spcPts val="375"/>
               </a:spcBef>
-              <a:buFont typeface="Arial" charset="0"/>
+              <a:buFont typeface="Arial" panose="020B0604020202020204" pitchFamily="34" charset="0"/>
               <a:buChar char="•"/>
               <a:defRPr sz="1600">
                 <a:solidFill>
                   <a:srgbClr val="126D96"/>
                 </a:solidFill>
-                <a:latin typeface="Corbel" pitchFamily="34" charset="0"/>
+                <a:latin typeface="Corbel" panose="020B0503020204020204" pitchFamily="34" charset="0"/>
               </a:defRPr>
             </a:lvl3pPr>
             <a:lvl4pPr marL="1200150" indent="-171450" eaLnBrk="0" hangingPunct="0">
@@ -8182,13 +8147,13 @@
               <a:spcBef>
                 <a:spcPts val="375"/>
               </a:spcBef>
-              <a:buFont typeface="Arial" charset="0"/>
+              <a:buFont typeface="Arial" panose="020B0604020202020204" pitchFamily="34" charset="0"/>
               <a:buChar char="•"/>
               <a:defRPr sz="1400">
                 <a:solidFill>
                   <a:srgbClr val="126D96"/>
                 </a:solidFill>
-                <a:latin typeface="Corbel" pitchFamily="34" charset="0"/>
+                <a:latin typeface="Corbel" panose="020B0503020204020204" pitchFamily="34" charset="0"/>
               </a:defRPr>
             </a:lvl4pPr>
             <a:lvl5pPr marL="1543050" indent="-171450" eaLnBrk="0" hangingPunct="0">
@@ -8198,13 +8163,13 @@
               <a:spcBef>
                 <a:spcPts val="375"/>
               </a:spcBef>
-              <a:buFont typeface="Arial" charset="0"/>
+              <a:buFont typeface="Arial" panose="020B0604020202020204" pitchFamily="34" charset="0"/>
               <a:buChar char="•"/>
               <a:defRPr sz="1400">
                 <a:solidFill>
                   <a:srgbClr val="126D96"/>
                 </a:solidFill>
-                <a:latin typeface="Corbel" pitchFamily="34" charset="0"/>
+                <a:latin typeface="Corbel" panose="020B0503020204020204" pitchFamily="34" charset="0"/>
               </a:defRPr>
             </a:lvl5pPr>
             <a:lvl6pPr marL="2000250" indent="-171450" eaLnBrk="0" fontAlgn="base" hangingPunct="0">
@@ -8217,13 +8182,13 @@
               <a:spcAft>
                 <a:spcPct val="0"/>
               </a:spcAft>
-              <a:buFont typeface="Arial" charset="0"/>
+              <a:buFont typeface="Arial" panose="020B0604020202020204" pitchFamily="34" charset="0"/>
               <a:buChar char="•"/>
               <a:defRPr sz="1400">
                 <a:solidFill>
                   <a:srgbClr val="126D96"/>
                 </a:solidFill>
-                <a:latin typeface="Corbel" pitchFamily="34" charset="0"/>
+                <a:latin typeface="Corbel" panose="020B0503020204020204" pitchFamily="34" charset="0"/>
               </a:defRPr>
             </a:lvl6pPr>
             <a:lvl7pPr marL="2457450" indent="-171450" eaLnBrk="0" fontAlgn="base" hangingPunct="0">
@@ -8236,13 +8201,13 @@
               <a:spcAft>
                 <a:spcPct val="0"/>
               </a:spcAft>
-              <a:buFont typeface="Arial" charset="0"/>
+              <a:buFont typeface="Arial" panose="020B0604020202020204" pitchFamily="34" charset="0"/>
               <a:buChar char="•"/>
               <a:defRPr sz="1400">
                 <a:solidFill>
                   <a:srgbClr val="126D96"/>
                 </a:solidFill>
-                <a:latin typeface="Corbel" pitchFamily="34" charset="0"/>
+                <a:latin typeface="Corbel" panose="020B0503020204020204" pitchFamily="34" charset="0"/>
               </a:defRPr>
             </a:lvl7pPr>
             <a:lvl8pPr marL="2914650" indent="-171450" eaLnBrk="0" fontAlgn="base" hangingPunct="0">
@@ -8255,13 +8220,13 @@
               <a:spcAft>
                 <a:spcPct val="0"/>
               </a:spcAft>
-              <a:buFont typeface="Arial" charset="0"/>
+              <a:buFont typeface="Arial" panose="020B0604020202020204" pitchFamily="34" charset="0"/>
               <a:buChar char="•"/>
               <a:defRPr sz="1400">
                 <a:solidFill>
                   <a:srgbClr val="126D96"/>
                 </a:solidFill>
-                <a:latin typeface="Corbel" pitchFamily="34" charset="0"/>
+                <a:latin typeface="Corbel" panose="020B0503020204020204" pitchFamily="34" charset="0"/>
               </a:defRPr>
             </a:lvl8pPr>
             <a:lvl9pPr marL="3371850" indent="-171450" eaLnBrk="0" fontAlgn="base" hangingPunct="0">
@@ -8274,13 +8239,13 @@
               <a:spcAft>
                 <a:spcPct val="0"/>
               </a:spcAft>
-              <a:buFont typeface="Arial" charset="0"/>
+              <a:buFont typeface="Arial" panose="020B0604020202020204" pitchFamily="34" charset="0"/>
               <a:buChar char="•"/>
               <a:defRPr sz="1400">
                 <a:solidFill>
                   <a:srgbClr val="126D96"/>
                 </a:solidFill>
-                <a:latin typeface="Corbel" pitchFamily="34" charset="0"/>
+                <a:latin typeface="Corbel" panose="020B0503020204020204" pitchFamily="34" charset="0"/>
               </a:defRPr>
             </a:lvl9pPr>
           </a:lstStyle>
@@ -8289,7 +8254,7 @@
               <a:spcBef>
                 <a:spcPts val="1000"/>
               </a:spcBef>
-              <a:buFont typeface="Arial" charset="0"/>
+              <a:buFont typeface="Arial" panose="020B0604020202020204" pitchFamily="34" charset="0"/>
               <a:buNone/>
             </a:pPr>
             <a:r>
@@ -8353,13 +8318,13 @@
               <a:spcBef>
                 <a:spcPts val="750"/>
               </a:spcBef>
-              <a:buFont typeface="Arial" charset="0"/>
+              <a:buFont typeface="Arial" panose="020B0604020202020204" pitchFamily="34" charset="0"/>
               <a:buChar char="•"/>
               <a:defRPr sz="2400">
                 <a:solidFill>
                   <a:srgbClr val="126D96"/>
                 </a:solidFill>
-                <a:latin typeface="Corbel" pitchFamily="34" charset="0"/>
+                <a:latin typeface="Corbel" panose="020B0503020204020204" pitchFamily="34" charset="0"/>
               </a:defRPr>
             </a:lvl1pPr>
             <a:lvl2pPr marL="342900" indent="-171450" defTabSz="685800" eaLnBrk="0" hangingPunct="0">
@@ -8369,13 +8334,13 @@
               <a:spcBef>
                 <a:spcPts val="375"/>
               </a:spcBef>
-              <a:buFont typeface="Arial" charset="0"/>
+              <a:buFont typeface="Arial" panose="020B0604020202020204" pitchFamily="34" charset="0"/>
               <a:buChar char="•"/>
               <a:defRPr sz="2000">
                 <a:solidFill>
                   <a:srgbClr val="126D96"/>
                 </a:solidFill>
-                <a:latin typeface="Corbel" pitchFamily="34" charset="0"/>
+                <a:latin typeface="Corbel" panose="020B0503020204020204" pitchFamily="34" charset="0"/>
               </a:defRPr>
             </a:lvl2pPr>
             <a:lvl3pPr marL="685800" indent="-171450" defTabSz="685800" eaLnBrk="0" hangingPunct="0">
@@ -8385,13 +8350,13 @@
               <a:spcBef>
                 <a:spcPts val="375"/>
               </a:spcBef>
-              <a:buFont typeface="Arial" charset="0"/>
+              <a:buFont typeface="Arial" panose="020B0604020202020204" pitchFamily="34" charset="0"/>
               <a:buChar char="•"/>
               <a:defRPr sz="1600">
                 <a:solidFill>
                   <a:srgbClr val="126D96"/>
                 </a:solidFill>
-                <a:latin typeface="Corbel" pitchFamily="34" charset="0"/>
+                <a:latin typeface="Corbel" panose="020B0503020204020204" pitchFamily="34" charset="0"/>
               </a:defRPr>
             </a:lvl3pPr>
             <a:lvl4pPr marL="1028700" indent="-171450" defTabSz="685800" eaLnBrk="0" hangingPunct="0">
@@ -8401,13 +8366,13 @@
               <a:spcBef>
                 <a:spcPts val="375"/>
               </a:spcBef>
-              <a:buFont typeface="Arial" charset="0"/>
+              <a:buFont typeface="Arial" panose="020B0604020202020204" pitchFamily="34" charset="0"/>
               <a:buChar char="•"/>
               <a:defRPr sz="1400">
                 <a:solidFill>
                   <a:srgbClr val="126D96"/>
                 </a:solidFill>
-                <a:latin typeface="Corbel" pitchFamily="34" charset="0"/>
+                <a:latin typeface="Corbel" panose="020B0503020204020204" pitchFamily="34" charset="0"/>
               </a:defRPr>
             </a:lvl4pPr>
             <a:lvl5pPr marL="1371600" indent="-171450" defTabSz="685800" eaLnBrk="0" hangingPunct="0">
@@ -8417,13 +8382,13 @@
               <a:spcBef>
                 <a:spcPts val="375"/>
               </a:spcBef>
-              <a:buFont typeface="Arial" charset="0"/>
+              <a:buFont typeface="Arial" panose="020B0604020202020204" pitchFamily="34" charset="0"/>
               <a:buChar char="•"/>
               <a:defRPr sz="1400">
                 <a:solidFill>
                   <a:srgbClr val="126D96"/>
                 </a:solidFill>
-                <a:latin typeface="Corbel" pitchFamily="34" charset="0"/>
+                <a:latin typeface="Corbel" panose="020B0503020204020204" pitchFamily="34" charset="0"/>
               </a:defRPr>
             </a:lvl5pPr>
             <a:lvl6pPr marL="1828800" indent="-171450" defTabSz="685800" eaLnBrk="0" fontAlgn="base" hangingPunct="0">
@@ -8436,13 +8401,13 @@
               <a:spcAft>
                 <a:spcPct val="0"/>
               </a:spcAft>
-              <a:buFont typeface="Arial" charset="0"/>
+              <a:buFont typeface="Arial" panose="020B0604020202020204" pitchFamily="34" charset="0"/>
               <a:buChar char="•"/>
               <a:defRPr sz="1400">
                 <a:solidFill>
                   <a:srgbClr val="126D96"/>
                 </a:solidFill>
-                <a:latin typeface="Corbel" pitchFamily="34" charset="0"/>
+                <a:latin typeface="Corbel" panose="020B0503020204020204" pitchFamily="34" charset="0"/>
               </a:defRPr>
             </a:lvl6pPr>
             <a:lvl7pPr marL="2286000" indent="-171450" defTabSz="685800" eaLnBrk="0" fontAlgn="base" hangingPunct="0">
@@ -8455,13 +8420,13 @@
               <a:spcAft>
                 <a:spcPct val="0"/>
               </a:spcAft>
-              <a:buFont typeface="Arial" charset="0"/>
+              <a:buFont typeface="Arial" panose="020B0604020202020204" pitchFamily="34" charset="0"/>
               <a:buChar char="•"/>
               <a:defRPr sz="1400">
                 <a:solidFill>
                   <a:srgbClr val="126D96"/>
                 </a:solidFill>
-                <a:latin typeface="Corbel" pitchFamily="34" charset="0"/>
+                <a:latin typeface="Corbel" panose="020B0503020204020204" pitchFamily="34" charset="0"/>
               </a:defRPr>
             </a:lvl7pPr>
             <a:lvl8pPr marL="2743200" indent="-171450" defTabSz="685800" eaLnBrk="0" fontAlgn="base" hangingPunct="0">
@@ -8474,13 +8439,13 @@
               <a:spcAft>
                 <a:spcPct val="0"/>
               </a:spcAft>
-              <a:buFont typeface="Arial" charset="0"/>
+              <a:buFont typeface="Arial" panose="020B0604020202020204" pitchFamily="34" charset="0"/>
               <a:buChar char="•"/>
               <a:defRPr sz="1400">
                 <a:solidFill>
                   <a:srgbClr val="126D96"/>
                 </a:solidFill>
-                <a:latin typeface="Corbel" pitchFamily="34" charset="0"/>
+                <a:latin typeface="Corbel" panose="020B0503020204020204" pitchFamily="34" charset="0"/>
               </a:defRPr>
             </a:lvl8pPr>
             <a:lvl9pPr marL="3200400" indent="-171450" defTabSz="685800" eaLnBrk="0" fontAlgn="base" hangingPunct="0">
@@ -8493,19 +8458,19 @@
               <a:spcAft>
                 <a:spcPct val="0"/>
               </a:spcAft>
-              <a:buFont typeface="Arial" charset="0"/>
+              <a:buFont typeface="Arial" panose="020B0604020202020204" pitchFamily="34" charset="0"/>
               <a:buChar char="•"/>
               <a:defRPr sz="1400">
                 <a:solidFill>
                   <a:srgbClr val="126D96"/>
                 </a:solidFill>
-                <a:latin typeface="Corbel" pitchFamily="34" charset="0"/>
+                <a:latin typeface="Corbel" panose="020B0503020204020204" pitchFamily="34" charset="0"/>
               </a:defRPr>
             </a:lvl9pPr>
           </a:lstStyle>
           <a:p>
             <a:pPr eaLnBrk="1" hangingPunct="1">
-              <a:buFont typeface="Arial" charset="0"/>
+              <a:buFont typeface="Arial" panose="020B0604020202020204" pitchFamily="34" charset="0"/>
               <a:buNone/>
             </a:pPr>
             <a:r>
@@ -8667,7 +8632,7 @@
       </p:grpSpPr>
       <p:sp>
         <p:nvSpPr>
-          <p:cNvPr id="2" name="Title 1"/>
+          <p:cNvPr id="28674" name="Title 1"/>
           <p:cNvSpPr>
             <a:spLocks noGrp="1"/>
           </p:cNvSpPr>
@@ -8678,7 +8643,7 @@
         <p:spPr>
           <a:xfrm>
             <a:off x="628650" y="365125"/>
-            <a:ext cx="7886700" cy="687611"/>
+            <a:ext cx="7886700" cy="687388"/>
           </a:xfrm>
         </p:spPr>
         <p:txBody>
@@ -8686,16 +8651,15 @@
           <a:lstStyle/>
           <a:p>
             <a:r>
-              <a:rPr lang="en-CA" dirty="0" smtClean="0"/>
+              <a:rPr lang="en-CA" altLang="en-US" smtClean="0"/>
               <a:t>Summary of a basic run</a:t>
             </a:r>
-            <a:endParaRPr lang="en-CA" dirty="0"/>
-          </a:p>
-        </p:txBody>
-      </p:sp>
-      <p:sp>
-        <p:nvSpPr>
-          <p:cNvPr id="3" name="Content Placeholder 2"/>
+          </a:p>
+        </p:txBody>
+      </p:sp>
+      <p:sp>
+        <p:nvSpPr>
+          <p:cNvPr id="28675" name="Content Placeholder 2"/>
           <p:cNvSpPr>
             <a:spLocks noGrp="1"/>
           </p:cNvSpPr>
@@ -8705,8 +8669,8 @@
         </p:nvSpPr>
         <p:spPr>
           <a:xfrm>
-            <a:off x="539552" y="1772816"/>
-            <a:ext cx="7675562" cy="2675955"/>
+            <a:off x="539750" y="1773238"/>
+            <a:ext cx="7675563" cy="2674937"/>
           </a:xfrm>
         </p:spPr>
         <p:txBody>
@@ -8717,97 +8681,44 @@
               <a:spcBef>
                 <a:spcPts val="400"/>
               </a:spcBef>
+              <a:buFont typeface="Arial" panose="020B0604020202020204" pitchFamily="34" charset="0"/>
               <a:buNone/>
             </a:pPr>
             <a:r>
-              <a:rPr lang="en-CA" altLang="en-US" dirty="0" err="1" smtClean="0">
+              <a:rPr lang="en-CA" altLang="en-US" smtClean="0">
                 <a:solidFill>
                   <a:srgbClr val="00B050"/>
                 </a:solidFill>
               </a:rPr>
-              <a:t>myOM</a:t>
-            </a:r>
-            <a:r>
-              <a:rPr lang="en-CA" altLang="en-US" dirty="0" smtClean="0">
+              <a:t>myOM = new(‘OM’, Albacore,  Generic_fleet,  Generic_obs, </a:t>
+            </a:r>
+          </a:p>
+          <a:p>
+            <a:pPr marL="0" indent="0" eaLnBrk="1" hangingPunct="1">
+              <a:spcBef>
+                <a:spcPts val="400"/>
+              </a:spcBef>
+              <a:buFont typeface="Arial" panose="020B0604020202020204" pitchFamily="34" charset="0"/>
+              <a:buNone/>
+            </a:pPr>
+            <a:r>
+              <a:rPr lang="en-CA" altLang="en-US" smtClean="0">
                 <a:solidFill>
                   <a:srgbClr val="00B050"/>
                 </a:solidFill>
               </a:rPr>
-              <a:t> = new</a:t>
-            </a:r>
-            <a:r>
-              <a:rPr lang="en-CA" altLang="en-US" dirty="0">
-                <a:solidFill>
-                  <a:srgbClr val="00B050"/>
-                </a:solidFill>
-              </a:rPr>
-              <a:t>(‘OM</a:t>
-            </a:r>
-            <a:r>
-              <a:rPr lang="en-CA" altLang="en-US" dirty="0" smtClean="0">
-                <a:solidFill>
-                  <a:srgbClr val="00B050"/>
-                </a:solidFill>
-              </a:rPr>
-              <a:t>’, </a:t>
-            </a:r>
-            <a:r>
-              <a:rPr lang="en-CA" altLang="en-US" dirty="0">
-                <a:solidFill>
-                  <a:srgbClr val="00B050"/>
-                </a:solidFill>
-              </a:rPr>
-              <a:t>Albacore, </a:t>
-            </a:r>
-            <a:r>
-              <a:rPr lang="en-CA" altLang="en-US" dirty="0" smtClean="0">
-                <a:solidFill>
-                  <a:srgbClr val="00B050"/>
-                </a:solidFill>
-              </a:rPr>
-              <a:t> </a:t>
-            </a:r>
-            <a:r>
-              <a:rPr lang="en-CA" altLang="en-US" dirty="0" err="1" smtClean="0">
-                <a:solidFill>
-                  <a:srgbClr val="00B050"/>
-                </a:solidFill>
-              </a:rPr>
-              <a:t>Generic_fleet</a:t>
-            </a:r>
-            <a:r>
-              <a:rPr lang="en-CA" altLang="en-US" dirty="0" smtClean="0">
-                <a:solidFill>
-                  <a:srgbClr val="00B050"/>
-                </a:solidFill>
-              </a:rPr>
-              <a:t>, </a:t>
-            </a:r>
-            <a:r>
-              <a:rPr lang="en-CA" altLang="en-US" dirty="0" smtClean="0">
-                <a:solidFill>
-                  <a:srgbClr val="00B050"/>
-                </a:solidFill>
-              </a:rPr>
-              <a:t> </a:t>
-            </a:r>
-            <a:r>
-              <a:rPr lang="en-CA" altLang="en-US" dirty="0" err="1" smtClean="0">
-                <a:solidFill>
-                  <a:srgbClr val="00B050"/>
-                </a:solidFill>
-              </a:rPr>
-              <a:t>Generic_obs</a:t>
-            </a:r>
-            <a:r>
-              <a:rPr lang="en-CA" altLang="en-US" dirty="0" smtClean="0">
-                <a:solidFill>
-                  <a:srgbClr val="00B050"/>
-                </a:solidFill>
-              </a:rPr>
-              <a:t>, </a:t>
-            </a:r>
-            <a:endParaRPr lang="en-CA" altLang="en-US" dirty="0" smtClean="0">
+              <a:t>				Perfect_Imp)</a:t>
+            </a:r>
+          </a:p>
+          <a:p>
+            <a:pPr marL="0" indent="0" eaLnBrk="1" hangingPunct="1">
+              <a:spcBef>
+                <a:spcPts val="400"/>
+              </a:spcBef>
+              <a:buFont typeface="Arial" panose="020B0604020202020204" pitchFamily="34" charset="0"/>
+              <a:buNone/>
+            </a:pPr>
+            <a:endParaRPr lang="en-CA" altLang="en-US" smtClean="0">
               <a:solidFill>
                 <a:srgbClr val="00B050"/>
               </a:solidFill>
@@ -8818,39 +8729,16 @@
               <a:spcBef>
                 <a:spcPts val="400"/>
               </a:spcBef>
+              <a:buFont typeface="Arial" panose="020B0604020202020204" pitchFamily="34" charset="0"/>
               <a:buNone/>
             </a:pPr>
             <a:r>
-              <a:rPr lang="en-CA" altLang="en-US" dirty="0">
+              <a:rPr lang="en-CA" altLang="en-US" smtClean="0">
                 <a:solidFill>
                   <a:srgbClr val="00B050"/>
                 </a:solidFill>
               </a:rPr>
-              <a:t>	</a:t>
-            </a:r>
-            <a:r>
-              <a:rPr lang="en-CA" altLang="en-US" dirty="0" smtClean="0">
-                <a:solidFill>
-                  <a:srgbClr val="00B050"/>
-                </a:solidFill>
-              </a:rPr>
-              <a:t>			</a:t>
-            </a:r>
-            <a:r>
-              <a:rPr lang="en-CA" altLang="en-US" dirty="0" err="1" smtClean="0">
-                <a:solidFill>
-                  <a:srgbClr val="00B050"/>
-                </a:solidFill>
-              </a:rPr>
-              <a:t>Perfect_Imp</a:t>
-            </a:r>
-            <a:r>
-              <a:rPr lang="en-CA" altLang="en-US" dirty="0" smtClean="0">
-                <a:solidFill>
-                  <a:srgbClr val="00B050"/>
-                </a:solidFill>
-              </a:rPr>
-              <a:t>)</a:t>
+              <a:t>myMSE = runMSE(myOM)</a:t>
             </a:r>
           </a:p>
           <a:p>
@@ -8858,9 +8746,10 @@
               <a:spcBef>
                 <a:spcPts val="400"/>
               </a:spcBef>
+              <a:buFont typeface="Arial" panose="020B0604020202020204" pitchFamily="34" charset="0"/>
               <a:buNone/>
             </a:pPr>
-            <a:endParaRPr lang="en-CA" altLang="en-US" dirty="0">
+            <a:endParaRPr lang="en-CA" altLang="en-US" smtClean="0">
               <a:solidFill>
                 <a:srgbClr val="00B050"/>
               </a:solidFill>
@@ -8871,102 +8760,30 @@
               <a:spcBef>
                 <a:spcPts val="400"/>
               </a:spcBef>
+              <a:buFont typeface="Arial" panose="020B0604020202020204" pitchFamily="34" charset="0"/>
               <a:buNone/>
             </a:pPr>
             <a:r>
-              <a:rPr lang="en-CA" altLang="en-US" dirty="0" err="1" smtClean="0">
+              <a:rPr lang="en-CA" altLang="en-US" smtClean="0">
                 <a:solidFill>
                   <a:srgbClr val="00B050"/>
                 </a:solidFill>
               </a:rPr>
-              <a:t>myMSE</a:t>
-            </a:r>
-            <a:r>
-              <a:rPr lang="en-CA" altLang="en-US" dirty="0" smtClean="0">
-                <a:solidFill>
-                  <a:srgbClr val="00B050"/>
-                </a:solidFill>
-              </a:rPr>
-              <a:t> = runMSE(</a:t>
-            </a:r>
-            <a:r>
-              <a:rPr lang="en-CA" altLang="en-US" dirty="0" err="1" smtClean="0">
-                <a:solidFill>
-                  <a:srgbClr val="00B050"/>
-                </a:solidFill>
-              </a:rPr>
-              <a:t>myOM</a:t>
-            </a:r>
-            <a:r>
-              <a:rPr lang="en-CA" altLang="en-US" dirty="0" smtClean="0">
-                <a:solidFill>
-                  <a:srgbClr val="00B050"/>
-                </a:solidFill>
-              </a:rPr>
-              <a:t>)</a:t>
-            </a:r>
-          </a:p>
-          <a:p>
-            <a:pPr marL="0" indent="0" eaLnBrk="1" hangingPunct="1">
-              <a:spcBef>
-                <a:spcPts val="400"/>
-              </a:spcBef>
+              <a:t>plot(myMSE)</a:t>
+            </a:r>
+          </a:p>
+          <a:p>
+            <a:pPr marL="0" indent="0">
+              <a:buFont typeface="Arial" panose="020B0604020202020204" pitchFamily="34" charset="0"/>
               <a:buNone/>
             </a:pPr>
-            <a:endParaRPr lang="en-CA" altLang="en-US" dirty="0">
-              <a:solidFill>
-                <a:srgbClr val="00B050"/>
-              </a:solidFill>
-            </a:endParaRPr>
-          </a:p>
-          <a:p>
-            <a:pPr marL="0" indent="0" eaLnBrk="1" hangingPunct="1">
-              <a:spcBef>
-                <a:spcPts val="400"/>
-              </a:spcBef>
-              <a:buNone/>
-            </a:pPr>
-            <a:r>
-              <a:rPr lang="en-CA" altLang="en-US" dirty="0" smtClean="0">
-                <a:solidFill>
-                  <a:srgbClr val="00B050"/>
-                </a:solidFill>
-              </a:rPr>
-              <a:t>plot(</a:t>
-            </a:r>
-            <a:r>
-              <a:rPr lang="en-CA" altLang="en-US" dirty="0" err="1" smtClean="0">
-                <a:solidFill>
-                  <a:srgbClr val="00B050"/>
-                </a:solidFill>
-              </a:rPr>
-              <a:t>myMSE</a:t>
-            </a:r>
-            <a:r>
-              <a:rPr lang="en-CA" altLang="en-US" dirty="0" smtClean="0">
-                <a:solidFill>
-                  <a:srgbClr val="00B050"/>
-                </a:solidFill>
-              </a:rPr>
-              <a:t>)</a:t>
-            </a:r>
-            <a:endParaRPr lang="en-CA" altLang="en-US" dirty="0">
-              <a:solidFill>
-                <a:srgbClr val="00B050"/>
-              </a:solidFill>
-            </a:endParaRPr>
-          </a:p>
-          <a:p>
-            <a:pPr marL="0" indent="0">
-              <a:buNone/>
-            </a:pPr>
-            <a:endParaRPr lang="en-CA" dirty="0"/>
+            <a:endParaRPr lang="en-CA" altLang="en-US" smtClean="0"/>
           </a:p>
         </p:txBody>
       </p:sp>
       <p:pic>
         <p:nvPicPr>
-          <p:cNvPr id="1026" name="Picture 2"/>
+          <p:cNvPr id="28676" name="Picture 2"/>
           <p:cNvPicPr>
             <a:picLocks noChangeAspect="1" noChangeArrowheads="1"/>
           </p:cNvPicPr>
@@ -8987,8 +8804,8 @@
         </p:blipFill>
         <p:spPr bwMode="auto">
           <a:xfrm>
-            <a:off x="3779912" y="3717032"/>
-            <a:ext cx="4914232" cy="2597052"/>
+            <a:off x="3779838" y="3716338"/>
+            <a:ext cx="4914900" cy="2597150"/>
           </a:xfrm>
           <a:prstGeom prst="rect">
             <a:avLst/>
@@ -9019,11 +8836,6 @@
         </p:spPr>
       </p:pic>
     </p:spTree>
-    <p:extLst>
-      <p:ext uri="{BB962C8B-B14F-4D97-AF65-F5344CB8AC3E}">
-        <p14:creationId xmlns:p14="http://schemas.microsoft.com/office/powerpoint/2010/main" val="3625906511"/>
-      </p:ext>
-    </p:extLst>
   </p:cSld>
   <p:clrMapOvr>
     <a:masterClrMapping/>
@@ -9104,7 +8916,7 @@
               <a:spcBef>
                 <a:spcPts val="1800"/>
               </a:spcBef>
-              <a:buFont typeface="Corbel" pitchFamily="34" charset="0"/>
+              <a:buFont typeface="Corbel" panose="020B0503020204020204" pitchFamily="34" charset="0"/>
               <a:buAutoNum type="arabicPeriod"/>
             </a:pPr>
             <a:r>
@@ -9121,7 +8933,7 @@
               <a:spcBef>
                 <a:spcPts val="1800"/>
               </a:spcBef>
-              <a:buFont typeface="Corbel" pitchFamily="34" charset="0"/>
+              <a:buFont typeface="Corbel" panose="020B0503020204020204" pitchFamily="34" charset="0"/>
               <a:buAutoNum type="arabicPeriod"/>
             </a:pPr>
             <a:r>
@@ -9138,7 +8950,7 @@
               <a:spcBef>
                 <a:spcPts val="1800"/>
               </a:spcBef>
-              <a:buFont typeface="Corbel" pitchFamily="34" charset="0"/>
+              <a:buFont typeface="Corbel" panose="020B0503020204020204" pitchFamily="34" charset="0"/>
               <a:buAutoNum type="arabicPeriod"/>
             </a:pPr>
             <a:r>
@@ -9155,7 +8967,7 @@
               <a:spcBef>
                 <a:spcPts val="1800"/>
               </a:spcBef>
-              <a:buFont typeface="Corbel" pitchFamily="34" charset="0"/>
+              <a:buFont typeface="Corbel" panose="020B0503020204020204" pitchFamily="34" charset="0"/>
               <a:buAutoNum type="arabicPeriod"/>
             </a:pPr>
             <a:r>
@@ -9172,7 +8984,7 @@
               <a:spcBef>
                 <a:spcPts val="1800"/>
               </a:spcBef>
-              <a:buFont typeface="Corbel" pitchFamily="34" charset="0"/>
+              <a:buFont typeface="Corbel" panose="020B0503020204020204" pitchFamily="34" charset="0"/>
               <a:buAutoNum type="arabicPeriod"/>
             </a:pPr>
             <a:r>
@@ -9189,7 +9001,7 @@
               <a:spcBef>
                 <a:spcPts val="1800"/>
               </a:spcBef>
-              <a:buFont typeface="Corbel" pitchFamily="34" charset="0"/>
+              <a:buFont typeface="Corbel" panose="020B0503020204020204" pitchFamily="34" charset="0"/>
               <a:buAutoNum type="arabicPeriod"/>
             </a:pPr>
             <a:r>
@@ -9206,7 +9018,7 @@
               <a:spcBef>
                 <a:spcPts val="1800"/>
               </a:spcBef>
-              <a:buFont typeface="Corbel" pitchFamily="34" charset="0"/>
+              <a:buFont typeface="Corbel" panose="020B0503020204020204" pitchFamily="34" charset="0"/>
               <a:buAutoNum type="arabicPeriod"/>
             </a:pPr>
             <a:r>
@@ -9300,6 +9112,8 @@
           <a:lstStyle/>
           <a:p>
             <a:pPr eaLnBrk="1" hangingPunct="1">
+              <a:buFont typeface="Arial" charset="0"/>
+              <a:buChar char="•"/>
               <a:defRPr/>
             </a:pPr>
             <a:r>
@@ -9751,118 +9565,179 @@
           </a:bodyPr>
           <a:lstStyle>
             <a:lvl1pPr eaLnBrk="0" hangingPunct="0">
-              <a:defRPr>
-                <a:solidFill>
-                  <a:schemeClr val="tx1"/>
-                </a:solidFill>
-                <a:latin typeface="Calibri" pitchFamily="34" charset="0"/>
-                <a:cs typeface="Arial" charset="0"/>
+              <a:lnSpc>
+                <a:spcPct val="90000"/>
+              </a:lnSpc>
+              <a:spcBef>
+                <a:spcPts val="750"/>
+              </a:spcBef>
+              <a:buFont typeface="Arial" panose="020B0604020202020204" pitchFamily="34" charset="0"/>
+              <a:buChar char="•"/>
+              <a:defRPr sz="2400">
+                <a:solidFill>
+                  <a:srgbClr val="126D96"/>
+                </a:solidFill>
+                <a:latin typeface="Corbel" panose="020B0503020204020204" pitchFamily="34" charset="0"/>
               </a:defRPr>
             </a:lvl1pPr>
             <a:lvl2pPr marL="742950" indent="-285750" eaLnBrk="0" hangingPunct="0">
-              <a:defRPr>
-                <a:solidFill>
-                  <a:schemeClr val="tx1"/>
-                </a:solidFill>
-                <a:latin typeface="Calibri" pitchFamily="34" charset="0"/>
-                <a:cs typeface="Arial" charset="0"/>
+              <a:lnSpc>
+                <a:spcPct val="90000"/>
+              </a:lnSpc>
+              <a:spcBef>
+                <a:spcPts val="375"/>
+              </a:spcBef>
+              <a:buFont typeface="Arial" panose="020B0604020202020204" pitchFamily="34" charset="0"/>
+              <a:buChar char="•"/>
+              <a:defRPr sz="2000">
+                <a:solidFill>
+                  <a:srgbClr val="126D96"/>
+                </a:solidFill>
+                <a:latin typeface="Corbel" panose="020B0503020204020204" pitchFamily="34" charset="0"/>
               </a:defRPr>
             </a:lvl2pPr>
             <a:lvl3pPr marL="1143000" indent="-228600" eaLnBrk="0" hangingPunct="0">
-              <a:defRPr>
-                <a:solidFill>
-                  <a:schemeClr val="tx1"/>
-                </a:solidFill>
-                <a:latin typeface="Calibri" pitchFamily="34" charset="0"/>
-                <a:cs typeface="Arial" charset="0"/>
+              <a:lnSpc>
+                <a:spcPct val="90000"/>
+              </a:lnSpc>
+              <a:spcBef>
+                <a:spcPts val="375"/>
+              </a:spcBef>
+              <a:buFont typeface="Arial" panose="020B0604020202020204" pitchFamily="34" charset="0"/>
+              <a:buChar char="•"/>
+              <a:defRPr sz="1600">
+                <a:solidFill>
+                  <a:srgbClr val="126D96"/>
+                </a:solidFill>
+                <a:latin typeface="Corbel" panose="020B0503020204020204" pitchFamily="34" charset="0"/>
               </a:defRPr>
             </a:lvl3pPr>
             <a:lvl4pPr marL="1600200" indent="-228600" eaLnBrk="0" hangingPunct="0">
-              <a:defRPr>
-                <a:solidFill>
-                  <a:schemeClr val="tx1"/>
-                </a:solidFill>
-                <a:latin typeface="Calibri" pitchFamily="34" charset="0"/>
-                <a:cs typeface="Arial" charset="0"/>
+              <a:lnSpc>
+                <a:spcPct val="90000"/>
+              </a:lnSpc>
+              <a:spcBef>
+                <a:spcPts val="375"/>
+              </a:spcBef>
+              <a:buFont typeface="Arial" panose="020B0604020202020204" pitchFamily="34" charset="0"/>
+              <a:buChar char="•"/>
+              <a:defRPr sz="1400">
+                <a:solidFill>
+                  <a:srgbClr val="126D96"/>
+                </a:solidFill>
+                <a:latin typeface="Corbel" panose="020B0503020204020204" pitchFamily="34" charset="0"/>
               </a:defRPr>
             </a:lvl4pPr>
             <a:lvl5pPr marL="2057400" indent="-228600" eaLnBrk="0" hangingPunct="0">
-              <a:defRPr>
-                <a:solidFill>
-                  <a:schemeClr val="tx1"/>
-                </a:solidFill>
-                <a:latin typeface="Calibri" pitchFamily="34" charset="0"/>
-                <a:cs typeface="Arial" charset="0"/>
+              <a:lnSpc>
+                <a:spcPct val="90000"/>
+              </a:lnSpc>
+              <a:spcBef>
+                <a:spcPts val="375"/>
+              </a:spcBef>
+              <a:buFont typeface="Arial" panose="020B0604020202020204" pitchFamily="34" charset="0"/>
+              <a:buChar char="•"/>
+              <a:defRPr sz="1400">
+                <a:solidFill>
+                  <a:srgbClr val="126D96"/>
+                </a:solidFill>
+                <a:latin typeface="Corbel" panose="020B0503020204020204" pitchFamily="34" charset="0"/>
               </a:defRPr>
             </a:lvl5pPr>
             <a:lvl6pPr marL="2514600" indent="-228600" eaLnBrk="0" fontAlgn="base" hangingPunct="0">
+              <a:lnSpc>
+                <a:spcPct val="90000"/>
+              </a:lnSpc>
               <a:spcBef>
-                <a:spcPct val="0"/>
+                <a:spcPts val="375"/>
               </a:spcBef>
               <a:spcAft>
                 <a:spcPct val="0"/>
               </a:spcAft>
-              <a:defRPr>
-                <a:solidFill>
-                  <a:schemeClr val="tx1"/>
-                </a:solidFill>
-                <a:latin typeface="Calibri" pitchFamily="34" charset="0"/>
-                <a:cs typeface="Arial" charset="0"/>
+              <a:buFont typeface="Arial" panose="020B0604020202020204" pitchFamily="34" charset="0"/>
+              <a:buChar char="•"/>
+              <a:defRPr sz="1400">
+                <a:solidFill>
+                  <a:srgbClr val="126D96"/>
+                </a:solidFill>
+                <a:latin typeface="Corbel" panose="020B0503020204020204" pitchFamily="34" charset="0"/>
               </a:defRPr>
             </a:lvl6pPr>
             <a:lvl7pPr marL="2971800" indent="-228600" eaLnBrk="0" fontAlgn="base" hangingPunct="0">
+              <a:lnSpc>
+                <a:spcPct val="90000"/>
+              </a:lnSpc>
               <a:spcBef>
-                <a:spcPct val="0"/>
+                <a:spcPts val="375"/>
               </a:spcBef>
               <a:spcAft>
                 <a:spcPct val="0"/>
               </a:spcAft>
-              <a:defRPr>
-                <a:solidFill>
-                  <a:schemeClr val="tx1"/>
-                </a:solidFill>
-                <a:latin typeface="Calibri" pitchFamily="34" charset="0"/>
-                <a:cs typeface="Arial" charset="0"/>
+              <a:buFont typeface="Arial" panose="020B0604020202020204" pitchFamily="34" charset="0"/>
+              <a:buChar char="•"/>
+              <a:defRPr sz="1400">
+                <a:solidFill>
+                  <a:srgbClr val="126D96"/>
+                </a:solidFill>
+                <a:latin typeface="Corbel" panose="020B0503020204020204" pitchFamily="34" charset="0"/>
               </a:defRPr>
             </a:lvl7pPr>
             <a:lvl8pPr marL="3429000" indent="-228600" eaLnBrk="0" fontAlgn="base" hangingPunct="0">
+              <a:lnSpc>
+                <a:spcPct val="90000"/>
+              </a:lnSpc>
               <a:spcBef>
-                <a:spcPct val="0"/>
+                <a:spcPts val="375"/>
               </a:spcBef>
               <a:spcAft>
                 <a:spcPct val="0"/>
               </a:spcAft>
-              <a:defRPr>
-                <a:solidFill>
-                  <a:schemeClr val="tx1"/>
-                </a:solidFill>
-                <a:latin typeface="Calibri" pitchFamily="34" charset="0"/>
-                <a:cs typeface="Arial" charset="0"/>
+              <a:buFont typeface="Arial" panose="020B0604020202020204" pitchFamily="34" charset="0"/>
+              <a:buChar char="•"/>
+              <a:defRPr sz="1400">
+                <a:solidFill>
+                  <a:srgbClr val="126D96"/>
+                </a:solidFill>
+                <a:latin typeface="Corbel" panose="020B0503020204020204" pitchFamily="34" charset="0"/>
               </a:defRPr>
             </a:lvl8pPr>
             <a:lvl9pPr marL="3886200" indent="-228600" eaLnBrk="0" fontAlgn="base" hangingPunct="0">
+              <a:lnSpc>
+                <a:spcPct val="90000"/>
+              </a:lnSpc>
               <a:spcBef>
-                <a:spcPct val="0"/>
+                <a:spcPts val="375"/>
               </a:spcBef>
               <a:spcAft>
                 <a:spcPct val="0"/>
               </a:spcAft>
-              <a:defRPr>
-                <a:solidFill>
-                  <a:schemeClr val="tx1"/>
-                </a:solidFill>
-                <a:latin typeface="Calibri" pitchFamily="34" charset="0"/>
-                <a:cs typeface="Arial" charset="0"/>
+              <a:buFont typeface="Arial" panose="020B0604020202020204" pitchFamily="34" charset="0"/>
+              <a:buChar char="•"/>
+              <a:defRPr sz="1400">
+                <a:solidFill>
+                  <a:srgbClr val="126D96"/>
+                </a:solidFill>
+                <a:latin typeface="Corbel" panose="020B0503020204020204" pitchFamily="34" charset="0"/>
               </a:defRPr>
             </a:lvl9pPr>
           </a:lstStyle>
           <a:p>
-            <a:pPr algn="ctr" eaLnBrk="1" hangingPunct="1"/>
-            <a:r>
-              <a:rPr lang="en-CA" altLang="en-US" b="1">
+            <a:pPr algn="ctr" eaLnBrk="1" hangingPunct="1">
+              <a:lnSpc>
+                <a:spcPct val="100000"/>
+              </a:lnSpc>
+              <a:spcBef>
+                <a:spcPct val="0"/>
+              </a:spcBef>
+              <a:buFontTx/>
+              <a:buNone/>
+            </a:pPr>
+            <a:r>
+              <a:rPr lang="en-CA" altLang="en-US" sz="1800" b="1">
                 <a:solidFill>
                   <a:srgbClr val="27AFE5"/>
                 </a:solidFill>
+                <a:latin typeface="Calibri" panose="020F0502020204030204" pitchFamily="34" charset="0"/>
               </a:rPr>
               <a:t>Management recommendation</a:t>
             </a:r>
@@ -9915,118 +9790,179 @@
           </a:bodyPr>
           <a:lstStyle>
             <a:lvl1pPr eaLnBrk="0" hangingPunct="0">
-              <a:defRPr>
-                <a:solidFill>
-                  <a:schemeClr val="tx1"/>
-                </a:solidFill>
-                <a:latin typeface="Calibri" pitchFamily="34" charset="0"/>
-                <a:cs typeface="Arial" charset="0"/>
+              <a:lnSpc>
+                <a:spcPct val="90000"/>
+              </a:lnSpc>
+              <a:spcBef>
+                <a:spcPts val="750"/>
+              </a:spcBef>
+              <a:buFont typeface="Arial" panose="020B0604020202020204" pitchFamily="34" charset="0"/>
+              <a:buChar char="•"/>
+              <a:defRPr sz="2400">
+                <a:solidFill>
+                  <a:srgbClr val="126D96"/>
+                </a:solidFill>
+                <a:latin typeface="Corbel" panose="020B0503020204020204" pitchFamily="34" charset="0"/>
               </a:defRPr>
             </a:lvl1pPr>
             <a:lvl2pPr marL="742950" indent="-285750" eaLnBrk="0" hangingPunct="0">
-              <a:defRPr>
-                <a:solidFill>
-                  <a:schemeClr val="tx1"/>
-                </a:solidFill>
-                <a:latin typeface="Calibri" pitchFamily="34" charset="0"/>
-                <a:cs typeface="Arial" charset="0"/>
+              <a:lnSpc>
+                <a:spcPct val="90000"/>
+              </a:lnSpc>
+              <a:spcBef>
+                <a:spcPts val="375"/>
+              </a:spcBef>
+              <a:buFont typeface="Arial" panose="020B0604020202020204" pitchFamily="34" charset="0"/>
+              <a:buChar char="•"/>
+              <a:defRPr sz="2000">
+                <a:solidFill>
+                  <a:srgbClr val="126D96"/>
+                </a:solidFill>
+                <a:latin typeface="Corbel" panose="020B0503020204020204" pitchFamily="34" charset="0"/>
               </a:defRPr>
             </a:lvl2pPr>
             <a:lvl3pPr marL="1143000" indent="-228600" eaLnBrk="0" hangingPunct="0">
-              <a:defRPr>
-                <a:solidFill>
-                  <a:schemeClr val="tx1"/>
-                </a:solidFill>
-                <a:latin typeface="Calibri" pitchFamily="34" charset="0"/>
-                <a:cs typeface="Arial" charset="0"/>
+              <a:lnSpc>
+                <a:spcPct val="90000"/>
+              </a:lnSpc>
+              <a:spcBef>
+                <a:spcPts val="375"/>
+              </a:spcBef>
+              <a:buFont typeface="Arial" panose="020B0604020202020204" pitchFamily="34" charset="0"/>
+              <a:buChar char="•"/>
+              <a:defRPr sz="1600">
+                <a:solidFill>
+                  <a:srgbClr val="126D96"/>
+                </a:solidFill>
+                <a:latin typeface="Corbel" panose="020B0503020204020204" pitchFamily="34" charset="0"/>
               </a:defRPr>
             </a:lvl3pPr>
             <a:lvl4pPr marL="1600200" indent="-228600" eaLnBrk="0" hangingPunct="0">
-              <a:defRPr>
-                <a:solidFill>
-                  <a:schemeClr val="tx1"/>
-                </a:solidFill>
-                <a:latin typeface="Calibri" pitchFamily="34" charset="0"/>
-                <a:cs typeface="Arial" charset="0"/>
+              <a:lnSpc>
+                <a:spcPct val="90000"/>
+              </a:lnSpc>
+              <a:spcBef>
+                <a:spcPts val="375"/>
+              </a:spcBef>
+              <a:buFont typeface="Arial" panose="020B0604020202020204" pitchFamily="34" charset="0"/>
+              <a:buChar char="•"/>
+              <a:defRPr sz="1400">
+                <a:solidFill>
+                  <a:srgbClr val="126D96"/>
+                </a:solidFill>
+                <a:latin typeface="Corbel" panose="020B0503020204020204" pitchFamily="34" charset="0"/>
               </a:defRPr>
             </a:lvl4pPr>
             <a:lvl5pPr marL="2057400" indent="-228600" eaLnBrk="0" hangingPunct="0">
-              <a:defRPr>
-                <a:solidFill>
-                  <a:schemeClr val="tx1"/>
-                </a:solidFill>
-                <a:latin typeface="Calibri" pitchFamily="34" charset="0"/>
-                <a:cs typeface="Arial" charset="0"/>
+              <a:lnSpc>
+                <a:spcPct val="90000"/>
+              </a:lnSpc>
+              <a:spcBef>
+                <a:spcPts val="375"/>
+              </a:spcBef>
+              <a:buFont typeface="Arial" panose="020B0604020202020204" pitchFamily="34" charset="0"/>
+              <a:buChar char="•"/>
+              <a:defRPr sz="1400">
+                <a:solidFill>
+                  <a:srgbClr val="126D96"/>
+                </a:solidFill>
+                <a:latin typeface="Corbel" panose="020B0503020204020204" pitchFamily="34" charset="0"/>
               </a:defRPr>
             </a:lvl5pPr>
             <a:lvl6pPr marL="2514600" indent="-228600" eaLnBrk="0" fontAlgn="base" hangingPunct="0">
+              <a:lnSpc>
+                <a:spcPct val="90000"/>
+              </a:lnSpc>
               <a:spcBef>
-                <a:spcPct val="0"/>
+                <a:spcPts val="375"/>
               </a:spcBef>
               <a:spcAft>
                 <a:spcPct val="0"/>
               </a:spcAft>
-              <a:defRPr>
-                <a:solidFill>
-                  <a:schemeClr val="tx1"/>
-                </a:solidFill>
-                <a:latin typeface="Calibri" pitchFamily="34" charset="0"/>
-                <a:cs typeface="Arial" charset="0"/>
+              <a:buFont typeface="Arial" panose="020B0604020202020204" pitchFamily="34" charset="0"/>
+              <a:buChar char="•"/>
+              <a:defRPr sz="1400">
+                <a:solidFill>
+                  <a:srgbClr val="126D96"/>
+                </a:solidFill>
+                <a:latin typeface="Corbel" panose="020B0503020204020204" pitchFamily="34" charset="0"/>
               </a:defRPr>
             </a:lvl6pPr>
             <a:lvl7pPr marL="2971800" indent="-228600" eaLnBrk="0" fontAlgn="base" hangingPunct="0">
+              <a:lnSpc>
+                <a:spcPct val="90000"/>
+              </a:lnSpc>
               <a:spcBef>
-                <a:spcPct val="0"/>
+                <a:spcPts val="375"/>
               </a:spcBef>
               <a:spcAft>
                 <a:spcPct val="0"/>
               </a:spcAft>
-              <a:defRPr>
-                <a:solidFill>
-                  <a:schemeClr val="tx1"/>
-                </a:solidFill>
-                <a:latin typeface="Calibri" pitchFamily="34" charset="0"/>
-                <a:cs typeface="Arial" charset="0"/>
+              <a:buFont typeface="Arial" panose="020B0604020202020204" pitchFamily="34" charset="0"/>
+              <a:buChar char="•"/>
+              <a:defRPr sz="1400">
+                <a:solidFill>
+                  <a:srgbClr val="126D96"/>
+                </a:solidFill>
+                <a:latin typeface="Corbel" panose="020B0503020204020204" pitchFamily="34" charset="0"/>
               </a:defRPr>
             </a:lvl7pPr>
             <a:lvl8pPr marL="3429000" indent="-228600" eaLnBrk="0" fontAlgn="base" hangingPunct="0">
+              <a:lnSpc>
+                <a:spcPct val="90000"/>
+              </a:lnSpc>
               <a:spcBef>
-                <a:spcPct val="0"/>
+                <a:spcPts val="375"/>
               </a:spcBef>
               <a:spcAft>
                 <a:spcPct val="0"/>
               </a:spcAft>
-              <a:defRPr>
-                <a:solidFill>
-                  <a:schemeClr val="tx1"/>
-                </a:solidFill>
-                <a:latin typeface="Calibri" pitchFamily="34" charset="0"/>
-                <a:cs typeface="Arial" charset="0"/>
+              <a:buFont typeface="Arial" panose="020B0604020202020204" pitchFamily="34" charset="0"/>
+              <a:buChar char="•"/>
+              <a:defRPr sz="1400">
+                <a:solidFill>
+                  <a:srgbClr val="126D96"/>
+                </a:solidFill>
+                <a:latin typeface="Corbel" panose="020B0503020204020204" pitchFamily="34" charset="0"/>
               </a:defRPr>
             </a:lvl8pPr>
             <a:lvl9pPr marL="3886200" indent="-228600" eaLnBrk="0" fontAlgn="base" hangingPunct="0">
+              <a:lnSpc>
+                <a:spcPct val="90000"/>
+              </a:lnSpc>
               <a:spcBef>
-                <a:spcPct val="0"/>
+                <a:spcPts val="375"/>
               </a:spcBef>
               <a:spcAft>
                 <a:spcPct val="0"/>
               </a:spcAft>
-              <a:defRPr>
-                <a:solidFill>
-                  <a:schemeClr val="tx1"/>
-                </a:solidFill>
-                <a:latin typeface="Calibri" pitchFamily="34" charset="0"/>
-                <a:cs typeface="Arial" charset="0"/>
+              <a:buFont typeface="Arial" panose="020B0604020202020204" pitchFamily="34" charset="0"/>
+              <a:buChar char="•"/>
+              <a:defRPr sz="1400">
+                <a:solidFill>
+                  <a:srgbClr val="126D96"/>
+                </a:solidFill>
+                <a:latin typeface="Corbel" panose="020B0503020204020204" pitchFamily="34" charset="0"/>
               </a:defRPr>
             </a:lvl9pPr>
           </a:lstStyle>
           <a:p>
-            <a:pPr eaLnBrk="1" hangingPunct="1"/>
-            <a:r>
-              <a:rPr lang="en-CA" altLang="en-US" b="1">
+            <a:pPr eaLnBrk="1" hangingPunct="1">
+              <a:lnSpc>
+                <a:spcPct val="100000"/>
+              </a:lnSpc>
+              <a:spcBef>
+                <a:spcPct val="0"/>
+              </a:spcBef>
+              <a:buFontTx/>
+              <a:buNone/>
+            </a:pPr>
+            <a:r>
+              <a:rPr lang="en-CA" altLang="en-US" sz="1800" b="1">
                 <a:solidFill>
                   <a:schemeClr val="accent1"/>
                 </a:solidFill>
+                <a:latin typeface="Calibri" panose="020F0502020204030204" pitchFamily="34" charset="0"/>
               </a:rPr>
               <a:t>Observed data</a:t>
             </a:r>
@@ -10065,6 +10001,7 @@
                     <a:lumMod val="50000"/>
                   </a:schemeClr>
                 </a:solidFill>
+                <a:cs typeface="Arial" charset="0"/>
               </a:rPr>
               <a:t>Actual management result</a:t>
             </a:r>
@@ -10104,6 +10041,7 @@
                     <a:lumOff val="40000"/>
                   </a:schemeClr>
                 </a:solidFill>
+                <a:cs typeface="Arial" charset="0"/>
               </a:rPr>
               <a:t>‘True’ data</a:t>
             </a:r>
@@ -11146,118 +11084,179 @@
           </a:bodyPr>
           <a:lstStyle>
             <a:lvl1pPr eaLnBrk="0" hangingPunct="0">
-              <a:defRPr>
-                <a:solidFill>
-                  <a:schemeClr val="tx1"/>
-                </a:solidFill>
-                <a:latin typeface="Calibri" pitchFamily="34" charset="0"/>
-                <a:cs typeface="Arial" charset="0"/>
+              <a:lnSpc>
+                <a:spcPct val="90000"/>
+              </a:lnSpc>
+              <a:spcBef>
+                <a:spcPts val="750"/>
+              </a:spcBef>
+              <a:buFont typeface="Arial" panose="020B0604020202020204" pitchFamily="34" charset="0"/>
+              <a:buChar char="•"/>
+              <a:defRPr sz="2400">
+                <a:solidFill>
+                  <a:srgbClr val="126D96"/>
+                </a:solidFill>
+                <a:latin typeface="Corbel" panose="020B0503020204020204" pitchFamily="34" charset="0"/>
               </a:defRPr>
             </a:lvl1pPr>
             <a:lvl2pPr marL="742950" indent="-285750" eaLnBrk="0" hangingPunct="0">
-              <a:defRPr>
-                <a:solidFill>
-                  <a:schemeClr val="tx1"/>
-                </a:solidFill>
-                <a:latin typeface="Calibri" pitchFamily="34" charset="0"/>
-                <a:cs typeface="Arial" charset="0"/>
+              <a:lnSpc>
+                <a:spcPct val="90000"/>
+              </a:lnSpc>
+              <a:spcBef>
+                <a:spcPts val="375"/>
+              </a:spcBef>
+              <a:buFont typeface="Arial" panose="020B0604020202020204" pitchFamily="34" charset="0"/>
+              <a:buChar char="•"/>
+              <a:defRPr sz="2000">
+                <a:solidFill>
+                  <a:srgbClr val="126D96"/>
+                </a:solidFill>
+                <a:latin typeface="Corbel" panose="020B0503020204020204" pitchFamily="34" charset="0"/>
               </a:defRPr>
             </a:lvl2pPr>
             <a:lvl3pPr marL="1143000" indent="-228600" eaLnBrk="0" hangingPunct="0">
-              <a:defRPr>
-                <a:solidFill>
-                  <a:schemeClr val="tx1"/>
-                </a:solidFill>
-                <a:latin typeface="Calibri" pitchFamily="34" charset="0"/>
-                <a:cs typeface="Arial" charset="0"/>
+              <a:lnSpc>
+                <a:spcPct val="90000"/>
+              </a:lnSpc>
+              <a:spcBef>
+                <a:spcPts val="375"/>
+              </a:spcBef>
+              <a:buFont typeface="Arial" panose="020B0604020202020204" pitchFamily="34" charset="0"/>
+              <a:buChar char="•"/>
+              <a:defRPr sz="1600">
+                <a:solidFill>
+                  <a:srgbClr val="126D96"/>
+                </a:solidFill>
+                <a:latin typeface="Corbel" panose="020B0503020204020204" pitchFamily="34" charset="0"/>
               </a:defRPr>
             </a:lvl3pPr>
             <a:lvl4pPr marL="1600200" indent="-228600" eaLnBrk="0" hangingPunct="0">
-              <a:defRPr>
-                <a:solidFill>
-                  <a:schemeClr val="tx1"/>
-                </a:solidFill>
-                <a:latin typeface="Calibri" pitchFamily="34" charset="0"/>
-                <a:cs typeface="Arial" charset="0"/>
+              <a:lnSpc>
+                <a:spcPct val="90000"/>
+              </a:lnSpc>
+              <a:spcBef>
+                <a:spcPts val="375"/>
+              </a:spcBef>
+              <a:buFont typeface="Arial" panose="020B0604020202020204" pitchFamily="34" charset="0"/>
+              <a:buChar char="•"/>
+              <a:defRPr sz="1400">
+                <a:solidFill>
+                  <a:srgbClr val="126D96"/>
+                </a:solidFill>
+                <a:latin typeface="Corbel" panose="020B0503020204020204" pitchFamily="34" charset="0"/>
               </a:defRPr>
             </a:lvl4pPr>
             <a:lvl5pPr marL="2057400" indent="-228600" eaLnBrk="0" hangingPunct="0">
-              <a:defRPr>
-                <a:solidFill>
-                  <a:schemeClr val="tx1"/>
-                </a:solidFill>
-                <a:latin typeface="Calibri" pitchFamily="34" charset="0"/>
-                <a:cs typeface="Arial" charset="0"/>
+              <a:lnSpc>
+                <a:spcPct val="90000"/>
+              </a:lnSpc>
+              <a:spcBef>
+                <a:spcPts val="375"/>
+              </a:spcBef>
+              <a:buFont typeface="Arial" panose="020B0604020202020204" pitchFamily="34" charset="0"/>
+              <a:buChar char="•"/>
+              <a:defRPr sz="1400">
+                <a:solidFill>
+                  <a:srgbClr val="126D96"/>
+                </a:solidFill>
+                <a:latin typeface="Corbel" panose="020B0503020204020204" pitchFamily="34" charset="0"/>
               </a:defRPr>
             </a:lvl5pPr>
             <a:lvl6pPr marL="2514600" indent="-228600" eaLnBrk="0" fontAlgn="base" hangingPunct="0">
+              <a:lnSpc>
+                <a:spcPct val="90000"/>
+              </a:lnSpc>
               <a:spcBef>
-                <a:spcPct val="0"/>
+                <a:spcPts val="375"/>
               </a:spcBef>
               <a:spcAft>
                 <a:spcPct val="0"/>
               </a:spcAft>
-              <a:defRPr>
-                <a:solidFill>
-                  <a:schemeClr val="tx1"/>
-                </a:solidFill>
-                <a:latin typeface="Calibri" pitchFamily="34" charset="0"/>
-                <a:cs typeface="Arial" charset="0"/>
+              <a:buFont typeface="Arial" panose="020B0604020202020204" pitchFamily="34" charset="0"/>
+              <a:buChar char="•"/>
+              <a:defRPr sz="1400">
+                <a:solidFill>
+                  <a:srgbClr val="126D96"/>
+                </a:solidFill>
+                <a:latin typeface="Corbel" panose="020B0503020204020204" pitchFamily="34" charset="0"/>
               </a:defRPr>
             </a:lvl6pPr>
             <a:lvl7pPr marL="2971800" indent="-228600" eaLnBrk="0" fontAlgn="base" hangingPunct="0">
+              <a:lnSpc>
+                <a:spcPct val="90000"/>
+              </a:lnSpc>
               <a:spcBef>
-                <a:spcPct val="0"/>
+                <a:spcPts val="375"/>
               </a:spcBef>
               <a:spcAft>
                 <a:spcPct val="0"/>
               </a:spcAft>
-              <a:defRPr>
-                <a:solidFill>
-                  <a:schemeClr val="tx1"/>
-                </a:solidFill>
-                <a:latin typeface="Calibri" pitchFamily="34" charset="0"/>
-                <a:cs typeface="Arial" charset="0"/>
+              <a:buFont typeface="Arial" panose="020B0604020202020204" pitchFamily="34" charset="0"/>
+              <a:buChar char="•"/>
+              <a:defRPr sz="1400">
+                <a:solidFill>
+                  <a:srgbClr val="126D96"/>
+                </a:solidFill>
+                <a:latin typeface="Corbel" panose="020B0503020204020204" pitchFamily="34" charset="0"/>
               </a:defRPr>
             </a:lvl7pPr>
             <a:lvl8pPr marL="3429000" indent="-228600" eaLnBrk="0" fontAlgn="base" hangingPunct="0">
+              <a:lnSpc>
+                <a:spcPct val="90000"/>
+              </a:lnSpc>
               <a:spcBef>
-                <a:spcPct val="0"/>
+                <a:spcPts val="375"/>
               </a:spcBef>
               <a:spcAft>
                 <a:spcPct val="0"/>
               </a:spcAft>
-              <a:defRPr>
-                <a:solidFill>
-                  <a:schemeClr val="tx1"/>
-                </a:solidFill>
-                <a:latin typeface="Calibri" pitchFamily="34" charset="0"/>
-                <a:cs typeface="Arial" charset="0"/>
+              <a:buFont typeface="Arial" panose="020B0604020202020204" pitchFamily="34" charset="0"/>
+              <a:buChar char="•"/>
+              <a:defRPr sz="1400">
+                <a:solidFill>
+                  <a:srgbClr val="126D96"/>
+                </a:solidFill>
+                <a:latin typeface="Corbel" panose="020B0503020204020204" pitchFamily="34" charset="0"/>
               </a:defRPr>
             </a:lvl8pPr>
             <a:lvl9pPr marL="3886200" indent="-228600" eaLnBrk="0" fontAlgn="base" hangingPunct="0">
+              <a:lnSpc>
+                <a:spcPct val="90000"/>
+              </a:lnSpc>
               <a:spcBef>
-                <a:spcPct val="0"/>
+                <a:spcPts val="375"/>
               </a:spcBef>
               <a:spcAft>
                 <a:spcPct val="0"/>
               </a:spcAft>
-              <a:defRPr>
-                <a:solidFill>
-                  <a:schemeClr val="tx1"/>
-                </a:solidFill>
-                <a:latin typeface="Calibri" pitchFamily="34" charset="0"/>
-                <a:cs typeface="Arial" charset="0"/>
+              <a:buFont typeface="Arial" panose="020B0604020202020204" pitchFamily="34" charset="0"/>
+              <a:buChar char="•"/>
+              <a:defRPr sz="1400">
+                <a:solidFill>
+                  <a:srgbClr val="126D96"/>
+                </a:solidFill>
+                <a:latin typeface="Corbel" panose="020B0503020204020204" pitchFamily="34" charset="0"/>
               </a:defRPr>
             </a:lvl9pPr>
           </a:lstStyle>
           <a:p>
-            <a:pPr algn="ctr" eaLnBrk="1" hangingPunct="1"/>
-            <a:r>
-              <a:rPr lang="en-CA" altLang="en-US" b="1">
+            <a:pPr algn="ctr" eaLnBrk="1" hangingPunct="1">
+              <a:lnSpc>
+                <a:spcPct val="100000"/>
+              </a:lnSpc>
+              <a:spcBef>
+                <a:spcPct val="0"/>
+              </a:spcBef>
+              <a:buFontTx/>
+              <a:buNone/>
+            </a:pPr>
+            <a:r>
+              <a:rPr lang="en-CA" altLang="en-US" sz="1800" b="1">
                 <a:solidFill>
                   <a:srgbClr val="27AFE5"/>
                 </a:solidFill>
+                <a:latin typeface="Calibri" panose="020F0502020204030204" pitchFamily="34" charset="0"/>
               </a:rPr>
               <a:t>Management recommendation</a:t>
             </a:r>
@@ -11310,118 +11309,179 @@
           </a:bodyPr>
           <a:lstStyle>
             <a:lvl1pPr eaLnBrk="0" hangingPunct="0">
-              <a:defRPr>
-                <a:solidFill>
-                  <a:schemeClr val="tx1"/>
-                </a:solidFill>
-                <a:latin typeface="Calibri" pitchFamily="34" charset="0"/>
-                <a:cs typeface="Arial" charset="0"/>
+              <a:lnSpc>
+                <a:spcPct val="90000"/>
+              </a:lnSpc>
+              <a:spcBef>
+                <a:spcPts val="750"/>
+              </a:spcBef>
+              <a:buFont typeface="Arial" panose="020B0604020202020204" pitchFamily="34" charset="0"/>
+              <a:buChar char="•"/>
+              <a:defRPr sz="2400">
+                <a:solidFill>
+                  <a:srgbClr val="126D96"/>
+                </a:solidFill>
+                <a:latin typeface="Corbel" panose="020B0503020204020204" pitchFamily="34" charset="0"/>
               </a:defRPr>
             </a:lvl1pPr>
             <a:lvl2pPr marL="742950" indent="-285750" eaLnBrk="0" hangingPunct="0">
-              <a:defRPr>
-                <a:solidFill>
-                  <a:schemeClr val="tx1"/>
-                </a:solidFill>
-                <a:latin typeface="Calibri" pitchFamily="34" charset="0"/>
-                <a:cs typeface="Arial" charset="0"/>
+              <a:lnSpc>
+                <a:spcPct val="90000"/>
+              </a:lnSpc>
+              <a:spcBef>
+                <a:spcPts val="375"/>
+              </a:spcBef>
+              <a:buFont typeface="Arial" panose="020B0604020202020204" pitchFamily="34" charset="0"/>
+              <a:buChar char="•"/>
+              <a:defRPr sz="2000">
+                <a:solidFill>
+                  <a:srgbClr val="126D96"/>
+                </a:solidFill>
+                <a:latin typeface="Corbel" panose="020B0503020204020204" pitchFamily="34" charset="0"/>
               </a:defRPr>
             </a:lvl2pPr>
             <a:lvl3pPr marL="1143000" indent="-228600" eaLnBrk="0" hangingPunct="0">
-              <a:defRPr>
-                <a:solidFill>
-                  <a:schemeClr val="tx1"/>
-                </a:solidFill>
-                <a:latin typeface="Calibri" pitchFamily="34" charset="0"/>
-                <a:cs typeface="Arial" charset="0"/>
+              <a:lnSpc>
+                <a:spcPct val="90000"/>
+              </a:lnSpc>
+              <a:spcBef>
+                <a:spcPts val="375"/>
+              </a:spcBef>
+              <a:buFont typeface="Arial" panose="020B0604020202020204" pitchFamily="34" charset="0"/>
+              <a:buChar char="•"/>
+              <a:defRPr sz="1600">
+                <a:solidFill>
+                  <a:srgbClr val="126D96"/>
+                </a:solidFill>
+                <a:latin typeface="Corbel" panose="020B0503020204020204" pitchFamily="34" charset="0"/>
               </a:defRPr>
             </a:lvl3pPr>
             <a:lvl4pPr marL="1600200" indent="-228600" eaLnBrk="0" hangingPunct="0">
-              <a:defRPr>
-                <a:solidFill>
-                  <a:schemeClr val="tx1"/>
-                </a:solidFill>
-                <a:latin typeface="Calibri" pitchFamily="34" charset="0"/>
-                <a:cs typeface="Arial" charset="0"/>
+              <a:lnSpc>
+                <a:spcPct val="90000"/>
+              </a:lnSpc>
+              <a:spcBef>
+                <a:spcPts val="375"/>
+              </a:spcBef>
+              <a:buFont typeface="Arial" panose="020B0604020202020204" pitchFamily="34" charset="0"/>
+              <a:buChar char="•"/>
+              <a:defRPr sz="1400">
+                <a:solidFill>
+                  <a:srgbClr val="126D96"/>
+                </a:solidFill>
+                <a:latin typeface="Corbel" panose="020B0503020204020204" pitchFamily="34" charset="0"/>
               </a:defRPr>
             </a:lvl4pPr>
             <a:lvl5pPr marL="2057400" indent="-228600" eaLnBrk="0" hangingPunct="0">
-              <a:defRPr>
-                <a:solidFill>
-                  <a:schemeClr val="tx1"/>
-                </a:solidFill>
-                <a:latin typeface="Calibri" pitchFamily="34" charset="0"/>
-                <a:cs typeface="Arial" charset="0"/>
+              <a:lnSpc>
+                <a:spcPct val="90000"/>
+              </a:lnSpc>
+              <a:spcBef>
+                <a:spcPts val="375"/>
+              </a:spcBef>
+              <a:buFont typeface="Arial" panose="020B0604020202020204" pitchFamily="34" charset="0"/>
+              <a:buChar char="•"/>
+              <a:defRPr sz="1400">
+                <a:solidFill>
+                  <a:srgbClr val="126D96"/>
+                </a:solidFill>
+                <a:latin typeface="Corbel" panose="020B0503020204020204" pitchFamily="34" charset="0"/>
               </a:defRPr>
             </a:lvl5pPr>
             <a:lvl6pPr marL="2514600" indent="-228600" eaLnBrk="0" fontAlgn="base" hangingPunct="0">
+              <a:lnSpc>
+                <a:spcPct val="90000"/>
+              </a:lnSpc>
               <a:spcBef>
-                <a:spcPct val="0"/>
+                <a:spcPts val="375"/>
               </a:spcBef>
               <a:spcAft>
                 <a:spcPct val="0"/>
               </a:spcAft>
-              <a:defRPr>
-                <a:solidFill>
-                  <a:schemeClr val="tx1"/>
-                </a:solidFill>
-                <a:latin typeface="Calibri" pitchFamily="34" charset="0"/>
-                <a:cs typeface="Arial" charset="0"/>
+              <a:buFont typeface="Arial" panose="020B0604020202020204" pitchFamily="34" charset="0"/>
+              <a:buChar char="•"/>
+              <a:defRPr sz="1400">
+                <a:solidFill>
+                  <a:srgbClr val="126D96"/>
+                </a:solidFill>
+                <a:latin typeface="Corbel" panose="020B0503020204020204" pitchFamily="34" charset="0"/>
               </a:defRPr>
             </a:lvl6pPr>
             <a:lvl7pPr marL="2971800" indent="-228600" eaLnBrk="0" fontAlgn="base" hangingPunct="0">
+              <a:lnSpc>
+                <a:spcPct val="90000"/>
+              </a:lnSpc>
               <a:spcBef>
-                <a:spcPct val="0"/>
+                <a:spcPts val="375"/>
               </a:spcBef>
               <a:spcAft>
                 <a:spcPct val="0"/>
               </a:spcAft>
-              <a:defRPr>
-                <a:solidFill>
-                  <a:schemeClr val="tx1"/>
-                </a:solidFill>
-                <a:latin typeface="Calibri" pitchFamily="34" charset="0"/>
-                <a:cs typeface="Arial" charset="0"/>
+              <a:buFont typeface="Arial" panose="020B0604020202020204" pitchFamily="34" charset="0"/>
+              <a:buChar char="•"/>
+              <a:defRPr sz="1400">
+                <a:solidFill>
+                  <a:srgbClr val="126D96"/>
+                </a:solidFill>
+                <a:latin typeface="Corbel" panose="020B0503020204020204" pitchFamily="34" charset="0"/>
               </a:defRPr>
             </a:lvl7pPr>
             <a:lvl8pPr marL="3429000" indent="-228600" eaLnBrk="0" fontAlgn="base" hangingPunct="0">
+              <a:lnSpc>
+                <a:spcPct val="90000"/>
+              </a:lnSpc>
               <a:spcBef>
-                <a:spcPct val="0"/>
+                <a:spcPts val="375"/>
               </a:spcBef>
               <a:spcAft>
                 <a:spcPct val="0"/>
               </a:spcAft>
-              <a:defRPr>
-                <a:solidFill>
-                  <a:schemeClr val="tx1"/>
-                </a:solidFill>
-                <a:latin typeface="Calibri" pitchFamily="34" charset="0"/>
-                <a:cs typeface="Arial" charset="0"/>
+              <a:buFont typeface="Arial" panose="020B0604020202020204" pitchFamily="34" charset="0"/>
+              <a:buChar char="•"/>
+              <a:defRPr sz="1400">
+                <a:solidFill>
+                  <a:srgbClr val="126D96"/>
+                </a:solidFill>
+                <a:latin typeface="Corbel" panose="020B0503020204020204" pitchFamily="34" charset="0"/>
               </a:defRPr>
             </a:lvl8pPr>
             <a:lvl9pPr marL="3886200" indent="-228600" eaLnBrk="0" fontAlgn="base" hangingPunct="0">
+              <a:lnSpc>
+                <a:spcPct val="90000"/>
+              </a:lnSpc>
               <a:spcBef>
-                <a:spcPct val="0"/>
+                <a:spcPts val="375"/>
               </a:spcBef>
               <a:spcAft>
                 <a:spcPct val="0"/>
               </a:spcAft>
-              <a:defRPr>
-                <a:solidFill>
-                  <a:schemeClr val="tx1"/>
-                </a:solidFill>
-                <a:latin typeface="Calibri" pitchFamily="34" charset="0"/>
-                <a:cs typeface="Arial" charset="0"/>
+              <a:buFont typeface="Arial" panose="020B0604020202020204" pitchFamily="34" charset="0"/>
+              <a:buChar char="•"/>
+              <a:defRPr sz="1400">
+                <a:solidFill>
+                  <a:srgbClr val="126D96"/>
+                </a:solidFill>
+                <a:latin typeface="Corbel" panose="020B0503020204020204" pitchFamily="34" charset="0"/>
               </a:defRPr>
             </a:lvl9pPr>
           </a:lstStyle>
           <a:p>
-            <a:pPr eaLnBrk="1" hangingPunct="1"/>
-            <a:r>
-              <a:rPr lang="en-CA" altLang="en-US" b="1">
+            <a:pPr eaLnBrk="1" hangingPunct="1">
+              <a:lnSpc>
+                <a:spcPct val="100000"/>
+              </a:lnSpc>
+              <a:spcBef>
+                <a:spcPct val="0"/>
+              </a:spcBef>
+              <a:buFontTx/>
+              <a:buNone/>
+            </a:pPr>
+            <a:r>
+              <a:rPr lang="en-CA" altLang="en-US" sz="1800" b="1">
                 <a:solidFill>
                   <a:schemeClr val="accent1"/>
                 </a:solidFill>
+                <a:latin typeface="Calibri" panose="020F0502020204030204" pitchFamily="34" charset="0"/>
               </a:rPr>
               <a:t>Observed data</a:t>
             </a:r>
@@ -11460,6 +11520,7 @@
                     <a:lumMod val="50000"/>
                   </a:schemeClr>
                 </a:solidFill>
+                <a:cs typeface="Arial" charset="0"/>
               </a:rPr>
               <a:t>Actual management result</a:t>
             </a:r>
@@ -11499,6 +11560,7 @@
                     <a:lumOff val="40000"/>
                   </a:schemeClr>
                 </a:solidFill>
+                <a:cs typeface="Arial" charset="0"/>
               </a:rPr>
               <a:t>‘True’ data</a:t>
             </a:r>
@@ -11526,7 +11588,7 @@
           <a:lstStyle/>
           <a:p>
             <a:pPr marL="0" indent="0" eaLnBrk="1" hangingPunct="1">
-              <a:buFont typeface="Arial" charset="0"/>
+              <a:buFont typeface="Arial" panose="020B0604020202020204" pitchFamily="34" charset="0"/>
               <a:buNone/>
             </a:pPr>
             <a:r>
@@ -11540,7 +11602,7 @@
           </a:p>
           <a:p>
             <a:pPr marL="0" indent="0" eaLnBrk="1" hangingPunct="1">
-              <a:buFont typeface="Arial" charset="0"/>
+              <a:buFont typeface="Arial" panose="020B0604020202020204" pitchFamily="34" charset="0"/>
               <a:buNone/>
             </a:pPr>
             <a:endParaRPr lang="en-CA" altLang="en-US" smtClean="0"/>
@@ -12170,7 +12232,7 @@
           <a:lstStyle/>
           <a:p>
             <a:pPr marL="0" indent="0" eaLnBrk="1" hangingPunct="1">
-              <a:buFont typeface="Arial" charset="0"/>
+              <a:buFont typeface="Arial" panose="020B0604020202020204" pitchFamily="34" charset="0"/>
               <a:buNone/>
             </a:pPr>
             <a:r>
@@ -12216,7 +12278,7 @@
           </a:p>
           <a:p>
             <a:pPr marL="0" indent="0" eaLnBrk="1" hangingPunct="1">
-              <a:buFont typeface="Arial" charset="0"/>
+              <a:buFont typeface="Arial" panose="020B0604020202020204" pitchFamily="34" charset="0"/>
               <a:buNone/>
             </a:pPr>
             <a:endParaRPr lang="en-CA" altLang="en-US" smtClean="0"/>
@@ -12880,15 +12942,7 @@
             </a:pPr>
             <a:r>
               <a:rPr lang="en-CA" b="1" dirty="0"/>
-              <a:t> </a:t>
-            </a:r>
-            <a:r>
-              <a:rPr lang="en-CA" b="1" dirty="0" smtClean="0"/>
-              <a:t>O</a:t>
-            </a:r>
-            <a:r>
-              <a:rPr lang="en-CA" b="1" dirty="0" smtClean="0"/>
-              <a:t>utput </a:t>
+              <a:t> Output </a:t>
             </a:r>
           </a:p>
           <a:p>
@@ -12896,12 +12950,8 @@
               <a:defRPr/>
             </a:pPr>
             <a:r>
-              <a:rPr lang="en-CA" b="1" dirty="0" smtClean="0"/>
-              <a:t>I</a:t>
-            </a:r>
-            <a:r>
-              <a:rPr lang="en-CA" b="1" dirty="0" smtClean="0"/>
-              <a:t>nput</a:t>
+              <a:rPr lang="en-CA" b="1" dirty="0"/>
+              <a:t>Input</a:t>
             </a:r>
             <a:endParaRPr lang="en-CA" dirty="0"/>
           </a:p>
@@ -13674,36 +13724,34 @@
         </p:nvSpPr>
         <p:spPr>
           <a:xfrm>
-            <a:off x="683568" y="548680"/>
+            <a:off x="684213" y="549275"/>
             <a:ext cx="7886700" cy="1325563"/>
           </a:xfrm>
         </p:spPr>
         <p:txBody>
-          <a:bodyPr>
-            <a:normAutofit/>
-          </a:bodyPr>
+          <a:bodyPr/>
           <a:lstStyle/>
           <a:p>
             <a:pPr eaLnBrk="1" hangingPunct="1"/>
             <a:r>
-              <a:rPr lang="en-CA" altLang="en-US" sz="2900" dirty="0" smtClean="0"/>
+              <a:rPr lang="en-CA" altLang="en-US" sz="2900" smtClean="0"/>
               <a:t>2. Constructing operating models. </a:t>
             </a:r>
             <a:r>
-              <a:rPr lang="en-CA" altLang="en-US" sz="2600" dirty="0" smtClean="0"/>
+              <a:rPr lang="en-CA" altLang="en-US" sz="2600" smtClean="0"/>
               <a:t/>
             </a:r>
             <a:br>
-              <a:rPr lang="en-CA" altLang="en-US" sz="2600" dirty="0" smtClean="0"/>
+              <a:rPr lang="en-CA" altLang="en-US" sz="2600" smtClean="0"/>
             </a:br>
             <a:r>
-              <a:rPr lang="en-CA" altLang="en-US" sz="2600" dirty="0"/>
+              <a:rPr lang="en-CA" altLang="en-US" sz="2600" smtClean="0"/>
               <a:t/>
             </a:r>
             <a:br>
-              <a:rPr lang="en-CA" altLang="en-US" sz="2600" dirty="0"/>
+              <a:rPr lang="en-CA" altLang="en-US" sz="2600" smtClean="0"/>
             </a:br>
-            <a:endParaRPr lang="en-CA" altLang="en-US" sz="2600" dirty="0" smtClean="0"/>
+            <a:endParaRPr lang="en-CA" altLang="en-US" sz="2600" smtClean="0"/>
           </a:p>
         </p:txBody>
       </p:sp>
@@ -13719,8 +13767,8 @@
         </p:nvSpPr>
         <p:spPr>
           <a:xfrm>
-            <a:off x="1115616" y="2204864"/>
-            <a:ext cx="6972572" cy="3900091"/>
+            <a:off x="1116013" y="2205038"/>
+            <a:ext cx="6972300" cy="3900487"/>
           </a:xfrm>
         </p:spPr>
         <p:txBody>
@@ -13728,7 +13776,7 @@
           <a:lstStyle/>
           <a:p>
             <a:pPr marL="0" indent="0" eaLnBrk="1" hangingPunct="1">
-              <a:buFont typeface="Arial" charset="0"/>
+              <a:buFont typeface="Arial" panose="020B0604020202020204" pitchFamily="34" charset="0"/>
               <a:buNone/>
             </a:pPr>
             <a:r>
@@ -13741,7 +13789,7 @@
               <a:spcBef>
                 <a:spcPts val="400"/>
               </a:spcBef>
-              <a:buFont typeface="Arial" charset="0"/>
+              <a:buFont typeface="Arial" panose="020B0604020202020204" pitchFamily="34" charset="0"/>
               <a:buNone/>
             </a:pPr>
             <a:r>
@@ -13758,7 +13806,7 @@
               <a:spcBef>
                 <a:spcPts val="400"/>
               </a:spcBef>
-              <a:buFont typeface="Arial" charset="0"/>
+              <a:buFont typeface="Arial" panose="020B0604020202020204" pitchFamily="34" charset="0"/>
               <a:buNone/>
             </a:pPr>
             <a:r>
@@ -13775,7 +13823,7 @@
               <a:spcBef>
                 <a:spcPts val="400"/>
               </a:spcBef>
-              <a:buFont typeface="Arial" charset="0"/>
+              <a:buFont typeface="Arial" panose="020B0604020202020204" pitchFamily="34" charset="0"/>
               <a:buNone/>
             </a:pPr>
             <a:r>
@@ -13808,7 +13856,7 @@
               <a:spcBef>
                 <a:spcPts val="400"/>
               </a:spcBef>
-              <a:buFont typeface="Arial" charset="0"/>
+              <a:buFont typeface="Arial" panose="020B0604020202020204" pitchFamily="34" charset="0"/>
               <a:buNone/>
             </a:pPr>
             <a:r>
@@ -13825,7 +13873,7 @@
               <a:spcBef>
                 <a:spcPts val="1800"/>
               </a:spcBef>
-              <a:buFont typeface="Arial" charset="0"/>
+              <a:buFont typeface="Arial" panose="020B0604020202020204" pitchFamily="34" charset="0"/>
               <a:buNone/>
             </a:pPr>
             <a:r>
@@ -13838,7 +13886,7 @@
               <a:spcBef>
                 <a:spcPts val="400"/>
               </a:spcBef>
-              <a:buFont typeface="Arial" charset="0"/>
+              <a:buFont typeface="Arial" panose="020B0604020202020204" pitchFamily="34" charset="0"/>
               <a:buNone/>
             </a:pPr>
             <a:r>
@@ -13863,7 +13911,7 @@
               <a:spcBef>
                 <a:spcPts val="400"/>
               </a:spcBef>
-              <a:buFont typeface="Arial" charset="0"/>
+              <a:buFont typeface="Arial" panose="020B0604020202020204" pitchFamily="34" charset="0"/>
               <a:buNone/>
             </a:pPr>
             <a:r>
@@ -13896,7 +13944,7 @@
               <a:spcBef>
                 <a:spcPts val="400"/>
               </a:spcBef>
-              <a:buFont typeface="Arial" charset="0"/>
+              <a:buFont typeface="Arial" panose="020B0604020202020204" pitchFamily="34" charset="0"/>
               <a:buNone/>
             </a:pPr>
             <a:r>
@@ -13905,23 +13953,7 @@
                   <a:srgbClr val="00B050"/>
                 </a:solidFill>
               </a:rPr>
-              <a:t>			</a:t>
-            </a:r>
-            <a:r>
-              <a:rPr lang="en-CA" altLang="en-US" sz="2200" dirty="0">
-                <a:solidFill>
-                  <a:srgbClr val="00B050"/>
-                </a:solidFill>
-              </a:rPr>
-              <a:t> </a:t>
-            </a:r>
-            <a:r>
-              <a:rPr lang="en-CA" altLang="en-US" sz="2200" dirty="0" smtClean="0">
-                <a:solidFill>
-                  <a:srgbClr val="00B050"/>
-                </a:solidFill>
-              </a:rPr>
-              <a:t> </a:t>
+              <a:t>			  </a:t>
             </a:r>
             <a:r>
               <a:rPr lang="en-CA" altLang="en-US" sz="2200" dirty="0" err="1" smtClean="0">
@@ -13945,7 +13977,7 @@
               <a:spcBef>
                 <a:spcPts val="400"/>
               </a:spcBef>
-              <a:buFont typeface="Arial" charset="0"/>
+              <a:buFont typeface="Arial" panose="020B0604020202020204" pitchFamily="34" charset="0"/>
               <a:buNone/>
             </a:pPr>
             <a:r>
@@ -13977,38 +14009,165 @@
       </p:sp>
       <p:sp>
         <p:nvSpPr>
-          <p:cNvPr id="2" name="Rectangle 1"/>
-          <p:cNvSpPr/>
+          <p:cNvPr id="24580" name="Rectangle 1"/>
+          <p:cNvSpPr>
+            <a:spLocks noChangeArrowheads="1"/>
+          </p:cNvSpPr>
           <p:nvPr/>
         </p:nvSpPr>
-        <p:spPr>
+        <p:spPr bwMode="auto">
           <a:xfrm>
-            <a:off x="683568" y="1484784"/>
-            <a:ext cx="8136904" cy="461665"/>
+            <a:off x="684213" y="1484313"/>
+            <a:ext cx="8135937" cy="461962"/>
           </a:xfrm>
           <a:prstGeom prst="rect">
             <a:avLst/>
           </a:prstGeom>
+          <a:noFill/>
+          <a:ln>
+            <a:noFill/>
+          </a:ln>
+          <a:extLst>
+            <a:ext uri="{909E8E84-426E-40DD-AFC4-6F175D3DCCD1}">
+              <a14:hiddenFill xmlns:a14="http://schemas.microsoft.com/office/drawing/2010/main">
+                <a:solidFill>
+                  <a:srgbClr val="FFFFFF"/>
+                </a:solidFill>
+              </a14:hiddenFill>
+            </a:ext>
+            <a:ext uri="{91240B29-F687-4F45-9708-019B960494DF}">
+              <a14:hiddenLine xmlns:a14="http://schemas.microsoft.com/office/drawing/2010/main" w="9525">
+                <a:solidFill>
+                  <a:srgbClr val="000000"/>
+                </a:solidFill>
+                <a:miter lim="800000"/>
+                <a:headEnd/>
+                <a:tailEnd/>
+              </a14:hiddenLine>
+            </a:ext>
+          </a:extLst>
         </p:spPr>
         <p:txBody>
-          <a:bodyPr wrap="square">
+          <a:bodyPr>
             <a:spAutoFit/>
           </a:bodyPr>
-          <a:lstStyle/>
-          <a:p>
-            <a:r>
-              <a:rPr lang="en-CA" altLang="en-US" sz="2400" dirty="0" smtClean="0">
+          <a:lstStyle>
+            <a:lvl1pPr eaLnBrk="0" hangingPunct="0">
+              <a:defRPr>
+                <a:solidFill>
+                  <a:schemeClr val="tx1"/>
+                </a:solidFill>
+                <a:latin typeface="Calibri" panose="020F0502020204030204" pitchFamily="34" charset="0"/>
+                <a:cs typeface="Arial" panose="020B0604020202020204" pitchFamily="34" charset="0"/>
+              </a:defRPr>
+            </a:lvl1pPr>
+            <a:lvl2pPr marL="742950" indent="-285750" eaLnBrk="0" hangingPunct="0">
+              <a:defRPr>
+                <a:solidFill>
+                  <a:schemeClr val="tx1"/>
+                </a:solidFill>
+                <a:latin typeface="Calibri" panose="020F0502020204030204" pitchFamily="34" charset="0"/>
+                <a:cs typeface="Arial" panose="020B0604020202020204" pitchFamily="34" charset="0"/>
+              </a:defRPr>
+            </a:lvl2pPr>
+            <a:lvl3pPr marL="1143000" indent="-228600" eaLnBrk="0" hangingPunct="0">
+              <a:defRPr>
+                <a:solidFill>
+                  <a:schemeClr val="tx1"/>
+                </a:solidFill>
+                <a:latin typeface="Calibri" panose="020F0502020204030204" pitchFamily="34" charset="0"/>
+                <a:cs typeface="Arial" panose="020B0604020202020204" pitchFamily="34" charset="0"/>
+              </a:defRPr>
+            </a:lvl3pPr>
+            <a:lvl4pPr marL="1600200" indent="-228600" eaLnBrk="0" hangingPunct="0">
+              <a:defRPr>
+                <a:solidFill>
+                  <a:schemeClr val="tx1"/>
+                </a:solidFill>
+                <a:latin typeface="Calibri" panose="020F0502020204030204" pitchFamily="34" charset="0"/>
+                <a:cs typeface="Arial" panose="020B0604020202020204" pitchFamily="34" charset="0"/>
+              </a:defRPr>
+            </a:lvl4pPr>
+            <a:lvl5pPr marL="2057400" indent="-228600" eaLnBrk="0" hangingPunct="0">
+              <a:defRPr>
+                <a:solidFill>
+                  <a:schemeClr val="tx1"/>
+                </a:solidFill>
+                <a:latin typeface="Calibri" panose="020F0502020204030204" pitchFamily="34" charset="0"/>
+                <a:cs typeface="Arial" panose="020B0604020202020204" pitchFamily="34" charset="0"/>
+              </a:defRPr>
+            </a:lvl5pPr>
+            <a:lvl6pPr marL="2514600" indent="-228600" eaLnBrk="0" fontAlgn="base" hangingPunct="0">
+              <a:spcBef>
+                <a:spcPct val="0"/>
+              </a:spcBef>
+              <a:spcAft>
+                <a:spcPct val="0"/>
+              </a:spcAft>
+              <a:defRPr>
+                <a:solidFill>
+                  <a:schemeClr val="tx1"/>
+                </a:solidFill>
+                <a:latin typeface="Calibri" panose="020F0502020204030204" pitchFamily="34" charset="0"/>
+                <a:cs typeface="Arial" panose="020B0604020202020204" pitchFamily="34" charset="0"/>
+              </a:defRPr>
+            </a:lvl6pPr>
+            <a:lvl7pPr marL="2971800" indent="-228600" eaLnBrk="0" fontAlgn="base" hangingPunct="0">
+              <a:spcBef>
+                <a:spcPct val="0"/>
+              </a:spcBef>
+              <a:spcAft>
+                <a:spcPct val="0"/>
+              </a:spcAft>
+              <a:defRPr>
+                <a:solidFill>
+                  <a:schemeClr val="tx1"/>
+                </a:solidFill>
+                <a:latin typeface="Calibri" panose="020F0502020204030204" pitchFamily="34" charset="0"/>
+                <a:cs typeface="Arial" panose="020B0604020202020204" pitchFamily="34" charset="0"/>
+              </a:defRPr>
+            </a:lvl7pPr>
+            <a:lvl8pPr marL="3429000" indent="-228600" eaLnBrk="0" fontAlgn="base" hangingPunct="0">
+              <a:spcBef>
+                <a:spcPct val="0"/>
+              </a:spcBef>
+              <a:spcAft>
+                <a:spcPct val="0"/>
+              </a:spcAft>
+              <a:defRPr>
+                <a:solidFill>
+                  <a:schemeClr val="tx1"/>
+                </a:solidFill>
+                <a:latin typeface="Calibri" panose="020F0502020204030204" pitchFamily="34" charset="0"/>
+                <a:cs typeface="Arial" panose="020B0604020202020204" pitchFamily="34" charset="0"/>
+              </a:defRPr>
+            </a:lvl8pPr>
+            <a:lvl9pPr marL="3886200" indent="-228600" eaLnBrk="0" fontAlgn="base" hangingPunct="0">
+              <a:spcBef>
+                <a:spcPct val="0"/>
+              </a:spcBef>
+              <a:spcAft>
+                <a:spcPct val="0"/>
+              </a:spcAft>
+              <a:defRPr>
+                <a:solidFill>
+                  <a:schemeClr val="tx1"/>
+                </a:solidFill>
+                <a:latin typeface="Calibri" panose="020F0502020204030204" pitchFamily="34" charset="0"/>
+                <a:cs typeface="Arial" panose="020B0604020202020204" pitchFamily="34" charset="0"/>
+              </a:defRPr>
+            </a:lvl9pPr>
+          </a:lstStyle>
+          <a:p>
+            <a:pPr eaLnBrk="1" hangingPunct="1"/>
+            <a:r>
+              <a:rPr lang="en-CA" altLang="en-US" sz="2400">
                 <a:solidFill>
                   <a:srgbClr val="0070C0"/>
                 </a:solidFill>
               </a:rPr>
               <a:t>Rapid building of operating model is relatively straightforward:</a:t>
             </a:r>
-            <a:endParaRPr lang="en-CA" sz="2400" dirty="0">
-              <a:solidFill>
-                <a:srgbClr val="0070C0"/>
-              </a:solidFill>
-            </a:endParaRPr>
           </a:p>
         </p:txBody>
       </p:sp>
@@ -14046,7 +14205,7 @@
       </p:grpSpPr>
       <p:sp>
         <p:nvSpPr>
-          <p:cNvPr id="24578" name="Title 1"/>
+          <p:cNvPr id="25602" name="Title 1"/>
           <p:cNvSpPr>
             <a:spLocks noGrp="1"/>
           </p:cNvSpPr>
@@ -14056,7 +14215,7 @@
         </p:nvSpPr>
         <p:spPr>
           <a:xfrm>
-            <a:off x="584980" y="332656"/>
+            <a:off x="544513" y="207332"/>
             <a:ext cx="7886700" cy="1325563"/>
           </a:xfrm>
         </p:spPr>
@@ -14074,7 +14233,7 @@
       </p:sp>
       <p:sp>
         <p:nvSpPr>
-          <p:cNvPr id="24579" name="Content Placeholder 2"/>
+          <p:cNvPr id="25603" name="Content Placeholder 2"/>
           <p:cNvSpPr>
             <a:spLocks noGrp="1"/>
           </p:cNvSpPr>
@@ -14084,26 +14243,19 @@
         </p:nvSpPr>
         <p:spPr>
           <a:xfrm>
-            <a:off x="755576" y="1124744"/>
-            <a:ext cx="7675562" cy="4351338"/>
+            <a:off x="755650" y="1125538"/>
+            <a:ext cx="7675563" cy="4351337"/>
           </a:xfrm>
         </p:spPr>
         <p:txBody>
           <a:bodyPr/>
           <a:lstStyle/>
-          <a:p>
-            <a:pPr marL="0" indent="0" eaLnBrk="1" hangingPunct="1">
-              <a:buFont typeface="Arial" charset="0"/>
-              <a:buNone/>
-            </a:pPr>
-            <a:endParaRPr lang="en-CA" altLang="en-US" dirty="0" smtClean="0"/>
-          </a:p>
           <a:p>
             <a:pPr marL="0" indent="0" eaLnBrk="1" hangingPunct="1">
               <a:spcBef>
                 <a:spcPts val="400"/>
               </a:spcBef>
-              <a:buFont typeface="Arial" charset="0"/>
+              <a:buFont typeface="Arial" panose="020B0604020202020204" pitchFamily="34" charset="0"/>
               <a:buNone/>
             </a:pPr>
             <a:r>
@@ -14136,7 +14288,7 @@
               <a:spcBef>
                 <a:spcPts val="400"/>
               </a:spcBef>
-              <a:buFont typeface="Arial" charset="0"/>
+              <a:buFont typeface="Arial" panose="020B0604020202020204" pitchFamily="34" charset="0"/>
               <a:buNone/>
             </a:pPr>
             <a:endParaRPr lang="en-CA" altLang="en-US" dirty="0" smtClean="0">
@@ -14150,21 +14302,7 @@
               <a:spcBef>
                 <a:spcPts val="400"/>
               </a:spcBef>
-              <a:buFont typeface="Arial" charset="0"/>
-              <a:buNone/>
-            </a:pPr>
-            <a:endParaRPr lang="en-CA" altLang="en-US" dirty="0">
-              <a:solidFill>
-                <a:srgbClr val="00B050"/>
-              </a:solidFill>
-            </a:endParaRPr>
-          </a:p>
-          <a:p>
-            <a:pPr marL="0" indent="0" eaLnBrk="1" hangingPunct="1">
-              <a:spcBef>
-                <a:spcPts val="400"/>
-              </a:spcBef>
-              <a:buFont typeface="Arial" charset="0"/>
+              <a:buFont typeface="Arial" panose="020B0604020202020204" pitchFamily="34" charset="0"/>
               <a:buNone/>
             </a:pPr>
             <a:endParaRPr lang="en-CA" altLang="en-US" dirty="0" smtClean="0">
@@ -14178,21 +14316,7 @@
               <a:spcBef>
                 <a:spcPts val="400"/>
               </a:spcBef>
-              <a:buFont typeface="Arial" charset="0"/>
-              <a:buNone/>
-            </a:pPr>
-            <a:endParaRPr lang="en-CA" altLang="en-US" dirty="0">
-              <a:solidFill>
-                <a:srgbClr val="00B050"/>
-              </a:solidFill>
-            </a:endParaRPr>
-          </a:p>
-          <a:p>
-            <a:pPr marL="0" indent="0" eaLnBrk="1" hangingPunct="1">
-              <a:spcBef>
-                <a:spcPts val="400"/>
-              </a:spcBef>
-              <a:buFont typeface="Arial" charset="0"/>
+              <a:buFont typeface="Arial" panose="020B0604020202020204" pitchFamily="34" charset="0"/>
               <a:buNone/>
             </a:pPr>
             <a:endParaRPr lang="en-CA" altLang="en-US" dirty="0" smtClean="0">
@@ -14206,7 +14330,7 @@
               <a:spcBef>
                 <a:spcPts val="400"/>
               </a:spcBef>
-              <a:buFont typeface="Arial" charset="0"/>
+              <a:buFont typeface="Arial" panose="020B0604020202020204" pitchFamily="34" charset="0"/>
               <a:buNone/>
             </a:pPr>
             <a:endParaRPr lang="en-CA" altLang="en-US" dirty="0" smtClean="0">
@@ -14220,7 +14344,7 @@
               <a:spcBef>
                 <a:spcPts val="400"/>
               </a:spcBef>
-              <a:buFont typeface="Arial" charset="0"/>
+              <a:buFont typeface="Arial" panose="020B0604020202020204" pitchFamily="34" charset="0"/>
               <a:buNone/>
             </a:pPr>
             <a:endParaRPr lang="en-CA" altLang="en-US" dirty="0" smtClean="0">
@@ -14234,7 +14358,7 @@
               <a:spcBef>
                 <a:spcPts val="400"/>
               </a:spcBef>
-              <a:buFont typeface="Arial" charset="0"/>
+              <a:buFont typeface="Arial" panose="020B0604020202020204" pitchFamily="34" charset="0"/>
               <a:buNone/>
             </a:pPr>
             <a:endParaRPr lang="en-CA" altLang="en-US" dirty="0" smtClean="0">
@@ -14248,48 +14372,7 @@
               <a:spcBef>
                 <a:spcPts val="400"/>
               </a:spcBef>
-              <a:buFont typeface="Arial" charset="0"/>
-              <a:buNone/>
-            </a:pPr>
-            <a:r>
-              <a:rPr lang="en-CA" altLang="en-US" dirty="0" err="1" smtClean="0">
-                <a:solidFill>
-                  <a:srgbClr val="00B050"/>
-                </a:solidFill>
-              </a:rPr>
-              <a:t>myMSE</a:t>
-            </a:r>
-            <a:r>
-              <a:rPr lang="en-CA" altLang="en-US" dirty="0" smtClean="0">
-                <a:solidFill>
-                  <a:srgbClr val="00B050"/>
-                </a:solidFill>
-              </a:rPr>
-              <a:t>=runMSE(</a:t>
-            </a:r>
-            <a:r>
-              <a:rPr lang="en-CA" altLang="en-US" dirty="0" err="1" smtClean="0">
-                <a:solidFill>
-                  <a:srgbClr val="00B050"/>
-                </a:solidFill>
-              </a:rPr>
-              <a:t>myOM</a:t>
-            </a:r>
-            <a:r>
-              <a:rPr lang="en-CA" altLang="en-US" dirty="0" smtClean="0">
-                <a:solidFill>
-                  <a:srgbClr val="00B050"/>
-                </a:solidFill>
-              </a:rPr>
-              <a:t>)</a:t>
-            </a:r>
-          </a:p>
-          <a:p>
-            <a:pPr marL="0" indent="0" eaLnBrk="1" hangingPunct="1">
-              <a:spcBef>
-                <a:spcPts val="400"/>
-              </a:spcBef>
-              <a:buFont typeface="Arial" charset="0"/>
+              <a:buFont typeface="Arial" panose="020B0604020202020204" pitchFamily="34" charset="0"/>
               <a:buNone/>
             </a:pPr>
             <a:endParaRPr lang="en-CA" altLang="en-US" dirty="0" smtClean="0">
@@ -14298,51 +14381,620 @@
               </a:solidFill>
             </a:endParaRPr>
           </a:p>
-        </p:txBody>
-      </p:sp>
-      <p:sp>
-        <p:nvSpPr>
-          <p:cNvPr id="2" name="Rectangle 1"/>
-          <p:cNvSpPr/>
+          <a:p>
+            <a:pPr marL="0" indent="0" eaLnBrk="1" hangingPunct="1">
+              <a:spcBef>
+                <a:spcPts val="400"/>
+              </a:spcBef>
+              <a:buFont typeface="Arial" panose="020B0604020202020204" pitchFamily="34" charset="0"/>
+              <a:buNone/>
+            </a:pPr>
+            <a:endParaRPr lang="en-CA" altLang="en-US" dirty="0" smtClean="0">
+              <a:solidFill>
+                <a:srgbClr val="00B050"/>
+              </a:solidFill>
+            </a:endParaRPr>
+          </a:p>
+          <a:p>
+            <a:pPr marL="0" indent="0" eaLnBrk="1" hangingPunct="1">
+              <a:spcBef>
+                <a:spcPts val="400"/>
+              </a:spcBef>
+              <a:buFont typeface="Arial" panose="020B0604020202020204" pitchFamily="34" charset="0"/>
+              <a:buNone/>
+            </a:pPr>
+            <a:endParaRPr lang="en-CA" altLang="en-US" dirty="0" smtClean="0">
+              <a:solidFill>
+                <a:srgbClr val="00B050"/>
+              </a:solidFill>
+            </a:endParaRPr>
+          </a:p>
+          <a:p>
+            <a:pPr marL="0" indent="0" eaLnBrk="1" hangingPunct="1">
+              <a:spcBef>
+                <a:spcPts val="400"/>
+              </a:spcBef>
+              <a:buFont typeface="Arial" panose="020B0604020202020204" pitchFamily="34" charset="0"/>
+              <a:buNone/>
+            </a:pPr>
+            <a:endParaRPr lang="en-CA" altLang="en-US" sz="3400" dirty="0" smtClean="0">
+              <a:solidFill>
+                <a:srgbClr val="00B050"/>
+              </a:solidFill>
+            </a:endParaRPr>
+          </a:p>
+          <a:p>
+            <a:pPr marL="0" indent="0" eaLnBrk="1" hangingPunct="1">
+              <a:spcBef>
+                <a:spcPts val="400"/>
+              </a:spcBef>
+              <a:buFont typeface="Arial" panose="020B0604020202020204" pitchFamily="34" charset="0"/>
+              <a:buNone/>
+            </a:pPr>
+            <a:endParaRPr lang="en-CA" altLang="en-US" dirty="0" smtClean="0">
+              <a:solidFill>
+                <a:srgbClr val="00B050"/>
+              </a:solidFill>
+            </a:endParaRPr>
+          </a:p>
+          <a:p>
+            <a:pPr marL="0" indent="0" eaLnBrk="1" hangingPunct="1">
+              <a:spcBef>
+                <a:spcPts val="400"/>
+              </a:spcBef>
+              <a:buFont typeface="Arial" panose="020B0604020202020204" pitchFamily="34" charset="0"/>
+              <a:buNone/>
+            </a:pPr>
+            <a:r>
+              <a:rPr lang="en-CA" altLang="en-US" dirty="0" err="1" smtClean="0">
+                <a:solidFill>
+                  <a:srgbClr val="00B050"/>
+                </a:solidFill>
+              </a:rPr>
+              <a:t>myMSE</a:t>
+            </a:r>
+            <a:r>
+              <a:rPr lang="en-CA" altLang="en-US" dirty="0" smtClean="0">
+                <a:solidFill>
+                  <a:srgbClr val="00B050"/>
+                </a:solidFill>
+              </a:rPr>
+              <a:t>=</a:t>
+            </a:r>
+            <a:r>
+              <a:rPr lang="en-CA" altLang="en-US" dirty="0" err="1" smtClean="0">
+                <a:solidFill>
+                  <a:srgbClr val="00B050"/>
+                </a:solidFill>
+              </a:rPr>
+              <a:t>runMSE</a:t>
+            </a:r>
+            <a:r>
+              <a:rPr lang="en-CA" altLang="en-US" dirty="0" smtClean="0">
+                <a:solidFill>
+                  <a:srgbClr val="00B050"/>
+                </a:solidFill>
+              </a:rPr>
+              <a:t>(</a:t>
+            </a:r>
+            <a:r>
+              <a:rPr lang="en-CA" altLang="en-US" dirty="0" err="1" smtClean="0">
+                <a:solidFill>
+                  <a:srgbClr val="00B050"/>
+                </a:solidFill>
+              </a:rPr>
+              <a:t>myOM</a:t>
+            </a:r>
+            <a:r>
+              <a:rPr lang="en-CA" altLang="en-US" dirty="0" smtClean="0">
+                <a:solidFill>
+                  <a:srgbClr val="00B050"/>
+                </a:solidFill>
+              </a:rPr>
+              <a:t>)</a:t>
+            </a:r>
+          </a:p>
+          <a:p>
+            <a:pPr marL="0" indent="0" eaLnBrk="1" hangingPunct="1">
+              <a:spcBef>
+                <a:spcPts val="400"/>
+              </a:spcBef>
+              <a:buFont typeface="Arial" panose="020B0604020202020204" pitchFamily="34" charset="0"/>
+              <a:buNone/>
+            </a:pPr>
+            <a:endParaRPr lang="en-CA" altLang="en-US" dirty="0" smtClean="0">
+              <a:solidFill>
+                <a:srgbClr val="00B050"/>
+              </a:solidFill>
+            </a:endParaRPr>
+          </a:p>
+        </p:txBody>
+      </p:sp>
+      <p:sp>
+        <p:nvSpPr>
+          <p:cNvPr id="25604" name="Rectangle 1"/>
+          <p:cNvSpPr>
+            <a:spLocks noChangeArrowheads="1"/>
+          </p:cNvSpPr>
           <p:nvPr/>
         </p:nvSpPr>
+        <p:spPr bwMode="auto">
+          <a:xfrm>
+            <a:off x="544513" y="5362889"/>
+            <a:ext cx="6021387" cy="493713"/>
+          </a:xfrm>
+          <a:prstGeom prst="rect">
+            <a:avLst/>
+          </a:prstGeom>
+          <a:noFill/>
+          <a:ln>
+            <a:noFill/>
+          </a:ln>
+          <a:extLst>
+            <a:ext uri="{909E8E84-426E-40DD-AFC4-6F175D3DCCD1}">
+              <a14:hiddenFill xmlns:a14="http://schemas.microsoft.com/office/drawing/2010/main">
+                <a:solidFill>
+                  <a:srgbClr val="FFFFFF"/>
+                </a:solidFill>
+              </a14:hiddenFill>
+            </a:ext>
+            <a:ext uri="{91240B29-F687-4F45-9708-019B960494DF}">
+              <a14:hiddenLine xmlns:a14="http://schemas.microsoft.com/office/drawing/2010/main" w="9525">
+                <a:solidFill>
+                  <a:srgbClr val="000000"/>
+                </a:solidFill>
+                <a:miter lim="800000"/>
+                <a:headEnd/>
+                <a:tailEnd/>
+              </a14:hiddenLine>
+            </a:ext>
+          </a:extLst>
+        </p:spPr>
+        <p:txBody>
+          <a:bodyPr>
+            <a:spAutoFit/>
+          </a:bodyPr>
+          <a:lstStyle>
+            <a:lvl1pPr eaLnBrk="0" hangingPunct="0">
+              <a:defRPr>
+                <a:solidFill>
+                  <a:schemeClr val="tx1"/>
+                </a:solidFill>
+                <a:latin typeface="Calibri" panose="020F0502020204030204" pitchFamily="34" charset="0"/>
+                <a:cs typeface="Arial" panose="020B0604020202020204" pitchFamily="34" charset="0"/>
+              </a:defRPr>
+            </a:lvl1pPr>
+            <a:lvl2pPr marL="742950" indent="-285750" eaLnBrk="0" hangingPunct="0">
+              <a:defRPr>
+                <a:solidFill>
+                  <a:schemeClr val="tx1"/>
+                </a:solidFill>
+                <a:latin typeface="Calibri" panose="020F0502020204030204" pitchFamily="34" charset="0"/>
+                <a:cs typeface="Arial" panose="020B0604020202020204" pitchFamily="34" charset="0"/>
+              </a:defRPr>
+            </a:lvl2pPr>
+            <a:lvl3pPr marL="1143000" indent="-228600" eaLnBrk="0" hangingPunct="0">
+              <a:defRPr>
+                <a:solidFill>
+                  <a:schemeClr val="tx1"/>
+                </a:solidFill>
+                <a:latin typeface="Calibri" panose="020F0502020204030204" pitchFamily="34" charset="0"/>
+                <a:cs typeface="Arial" panose="020B0604020202020204" pitchFamily="34" charset="0"/>
+              </a:defRPr>
+            </a:lvl3pPr>
+            <a:lvl4pPr marL="1600200" indent="-228600" eaLnBrk="0" hangingPunct="0">
+              <a:defRPr>
+                <a:solidFill>
+                  <a:schemeClr val="tx1"/>
+                </a:solidFill>
+                <a:latin typeface="Calibri" panose="020F0502020204030204" pitchFamily="34" charset="0"/>
+                <a:cs typeface="Arial" panose="020B0604020202020204" pitchFamily="34" charset="0"/>
+              </a:defRPr>
+            </a:lvl4pPr>
+            <a:lvl5pPr marL="2057400" indent="-228600" eaLnBrk="0" hangingPunct="0">
+              <a:defRPr>
+                <a:solidFill>
+                  <a:schemeClr val="tx1"/>
+                </a:solidFill>
+                <a:latin typeface="Calibri" panose="020F0502020204030204" pitchFamily="34" charset="0"/>
+                <a:cs typeface="Arial" panose="020B0604020202020204" pitchFamily="34" charset="0"/>
+              </a:defRPr>
+            </a:lvl5pPr>
+            <a:lvl6pPr marL="2514600" indent="-228600" eaLnBrk="0" fontAlgn="base" hangingPunct="0">
+              <a:spcBef>
+                <a:spcPct val="0"/>
+              </a:spcBef>
+              <a:spcAft>
+                <a:spcPct val="0"/>
+              </a:spcAft>
+              <a:defRPr>
+                <a:solidFill>
+                  <a:schemeClr val="tx1"/>
+                </a:solidFill>
+                <a:latin typeface="Calibri" panose="020F0502020204030204" pitchFamily="34" charset="0"/>
+                <a:cs typeface="Arial" panose="020B0604020202020204" pitchFamily="34" charset="0"/>
+              </a:defRPr>
+            </a:lvl6pPr>
+            <a:lvl7pPr marL="2971800" indent="-228600" eaLnBrk="0" fontAlgn="base" hangingPunct="0">
+              <a:spcBef>
+                <a:spcPct val="0"/>
+              </a:spcBef>
+              <a:spcAft>
+                <a:spcPct val="0"/>
+              </a:spcAft>
+              <a:defRPr>
+                <a:solidFill>
+                  <a:schemeClr val="tx1"/>
+                </a:solidFill>
+                <a:latin typeface="Calibri" panose="020F0502020204030204" pitchFamily="34" charset="0"/>
+                <a:cs typeface="Arial" panose="020B0604020202020204" pitchFamily="34" charset="0"/>
+              </a:defRPr>
+            </a:lvl7pPr>
+            <a:lvl8pPr marL="3429000" indent="-228600" eaLnBrk="0" fontAlgn="base" hangingPunct="0">
+              <a:spcBef>
+                <a:spcPct val="0"/>
+              </a:spcBef>
+              <a:spcAft>
+                <a:spcPct val="0"/>
+              </a:spcAft>
+              <a:defRPr>
+                <a:solidFill>
+                  <a:schemeClr val="tx1"/>
+                </a:solidFill>
+                <a:latin typeface="Calibri" panose="020F0502020204030204" pitchFamily="34" charset="0"/>
+                <a:cs typeface="Arial" panose="020B0604020202020204" pitchFamily="34" charset="0"/>
+              </a:defRPr>
+            </a:lvl8pPr>
+            <a:lvl9pPr marL="3886200" indent="-228600" eaLnBrk="0" fontAlgn="base" hangingPunct="0">
+              <a:spcBef>
+                <a:spcPct val="0"/>
+              </a:spcBef>
+              <a:spcAft>
+                <a:spcPct val="0"/>
+              </a:spcAft>
+              <a:defRPr>
+                <a:solidFill>
+                  <a:schemeClr val="tx1"/>
+                </a:solidFill>
+                <a:latin typeface="Calibri" panose="020F0502020204030204" pitchFamily="34" charset="0"/>
+                <a:cs typeface="Arial" panose="020B0604020202020204" pitchFamily="34" charset="0"/>
+              </a:defRPr>
+            </a:lvl9pPr>
+          </a:lstStyle>
+          <a:p>
+            <a:pPr eaLnBrk="1" hangingPunct="1"/>
+            <a:r>
+              <a:rPr lang="en-CA" altLang="en-US" sz="2600" dirty="0">
+                <a:solidFill>
+                  <a:srgbClr val="27AFE5"/>
+                </a:solidFill>
+              </a:rPr>
+              <a:t>4. Or used in MSE analysis:</a:t>
+            </a:r>
+          </a:p>
+        </p:txBody>
+      </p:sp>
+      <p:pic>
+        <p:nvPicPr>
+          <p:cNvPr id="3" name="Picture 2"/>
+          <p:cNvPicPr>
+            <a:picLocks noChangeAspect="1"/>
+          </p:cNvPicPr>
+          <p:nvPr/>
+        </p:nvPicPr>
+        <p:blipFill rotWithShape="1">
+          <a:blip r:embed="rId2"/>
+          <a:srcRect l="4283" r="606"/>
+          <a:stretch/>
+        </p:blipFill>
         <p:spPr>
           <a:xfrm>
-            <a:off x="556717" y="4293096"/>
-            <a:ext cx="6022153" cy="492443"/>
+            <a:off x="5076056" y="1655693"/>
+            <a:ext cx="3122271" cy="3374470"/>
           </a:xfrm>
           <a:prstGeom prst="rect">
             <a:avLst/>
           </a:prstGeom>
         </p:spPr>
-        <p:txBody>
-          <a:bodyPr wrap="square">
+      </p:pic>
+      <p:pic>
+        <p:nvPicPr>
+          <p:cNvPr id="4" name="Picture 3"/>
+          <p:cNvPicPr>
+            <a:picLocks noChangeAspect="1"/>
+          </p:cNvPicPr>
+          <p:nvPr/>
+        </p:nvPicPr>
+        <p:blipFill rotWithShape="1">
+          <a:blip r:embed="rId3"/>
+          <a:srcRect t="9112" b="-3272"/>
+          <a:stretch/>
+        </p:blipFill>
+        <p:spPr>
+          <a:xfrm>
+            <a:off x="694462" y="3635807"/>
+            <a:ext cx="3714222" cy="1279235"/>
+          </a:xfrm>
+          <a:prstGeom prst="rect">
+            <a:avLst/>
+          </a:prstGeom>
+        </p:spPr>
+      </p:pic>
+      <p:sp>
+        <p:nvSpPr>
+          <p:cNvPr id="5" name="TextBox 4"/>
+          <p:cNvSpPr txBox="1"/>
+          <p:nvPr/>
+        </p:nvSpPr>
+        <p:spPr>
+          <a:xfrm>
+            <a:off x="3220552" y="1990462"/>
+            <a:ext cx="2376264" cy="338554"/>
+          </a:xfrm>
+          <a:prstGeom prst="rect">
+            <a:avLst/>
+          </a:prstGeom>
+          <a:noFill/>
+        </p:spPr>
+        <p:txBody>
+          <a:bodyPr wrap="square" rtlCol="0">
             <a:spAutoFit/>
           </a:bodyPr>
           <a:lstStyle/>
           <a:p>
             <a:r>
-              <a:rPr lang="en-CA" altLang="en-US" sz="2600" dirty="0" smtClean="0">
-                <a:solidFill>
-                  <a:srgbClr val="27AFE5"/>
+              <a:rPr lang="en-CA" sz="1600" dirty="0" smtClean="0">
+                <a:solidFill>
+                  <a:schemeClr val="bg1"/>
                 </a:solidFill>
               </a:rPr>
-              <a:t>4. Or used in MSE analysis:</a:t>
-            </a:r>
-            <a:endParaRPr lang="en-CA" sz="2600" dirty="0">
+              <a:t>Fishing effort trends</a:t>
+            </a:r>
+            <a:endParaRPr lang="en-CA" sz="1600" dirty="0">
               <a:solidFill>
-                <a:srgbClr val="27AFE5"/>
+                <a:schemeClr val="bg1"/>
               </a:solidFill>
             </a:endParaRPr>
           </a:p>
         </p:txBody>
       </p:sp>
+      <p:sp>
+        <p:nvSpPr>
+          <p:cNvPr id="9" name="TextBox 8"/>
+          <p:cNvSpPr txBox="1"/>
+          <p:nvPr/>
+        </p:nvSpPr>
+        <p:spPr>
+          <a:xfrm>
+            <a:off x="1127313" y="3342928"/>
+            <a:ext cx="2848519" cy="338554"/>
+          </a:xfrm>
+          <a:prstGeom prst="rect">
+            <a:avLst/>
+          </a:prstGeom>
+          <a:noFill/>
+        </p:spPr>
+        <p:txBody>
+          <a:bodyPr wrap="square" rtlCol="0">
+            <a:spAutoFit/>
+          </a:bodyPr>
+          <a:lstStyle/>
+          <a:p>
+            <a:r>
+              <a:rPr lang="en-CA" sz="1600" dirty="0" smtClean="0">
+                <a:solidFill>
+                  <a:schemeClr val="bg1"/>
+                </a:solidFill>
+              </a:rPr>
+              <a:t>Natural mortality rate trends</a:t>
+            </a:r>
+            <a:endParaRPr lang="en-CA" sz="1600" dirty="0">
+              <a:solidFill>
+                <a:schemeClr val="bg1"/>
+              </a:solidFill>
+            </a:endParaRPr>
+          </a:p>
+        </p:txBody>
+      </p:sp>
+      <p:sp>
+        <p:nvSpPr>
+          <p:cNvPr id="10" name="TextBox 9"/>
+          <p:cNvSpPr txBox="1"/>
+          <p:nvPr/>
+        </p:nvSpPr>
+        <p:spPr>
+          <a:xfrm>
+            <a:off x="6266086" y="1685298"/>
+            <a:ext cx="2376264" cy="338554"/>
+          </a:xfrm>
+          <a:prstGeom prst="rect">
+            <a:avLst/>
+          </a:prstGeom>
+          <a:noFill/>
+        </p:spPr>
+        <p:txBody>
+          <a:bodyPr wrap="square" rtlCol="0">
+            <a:spAutoFit/>
+          </a:bodyPr>
+          <a:lstStyle/>
+          <a:p>
+            <a:r>
+              <a:rPr lang="en-CA" sz="1600" dirty="0" smtClean="0">
+                <a:solidFill>
+                  <a:schemeClr val="bg1"/>
+                </a:solidFill>
+              </a:rPr>
+              <a:t>Biomass trends</a:t>
+            </a:r>
+            <a:endParaRPr lang="en-CA" sz="1600" dirty="0">
+              <a:solidFill>
+                <a:schemeClr val="bg1"/>
+              </a:solidFill>
+            </a:endParaRPr>
+          </a:p>
+        </p:txBody>
+      </p:sp>
+      <p:sp>
+        <p:nvSpPr>
+          <p:cNvPr id="11" name="TextBox 10"/>
+          <p:cNvSpPr txBox="1"/>
+          <p:nvPr/>
+        </p:nvSpPr>
+        <p:spPr>
+          <a:xfrm>
+            <a:off x="6256420" y="3466530"/>
+            <a:ext cx="2376264" cy="338554"/>
+          </a:xfrm>
+          <a:prstGeom prst="rect">
+            <a:avLst/>
+          </a:prstGeom>
+          <a:noFill/>
+        </p:spPr>
+        <p:txBody>
+          <a:bodyPr wrap="square" rtlCol="0">
+            <a:spAutoFit/>
+          </a:bodyPr>
+          <a:lstStyle/>
+          <a:p>
+            <a:r>
+              <a:rPr lang="en-CA" sz="1600" dirty="0" smtClean="0">
+                <a:solidFill>
+                  <a:schemeClr val="bg1"/>
+                </a:solidFill>
+              </a:rPr>
+              <a:t>Catch trends</a:t>
+            </a:r>
+            <a:endParaRPr lang="en-CA" sz="1600" dirty="0">
+              <a:solidFill>
+                <a:schemeClr val="bg1"/>
+              </a:solidFill>
+            </a:endParaRPr>
+          </a:p>
+        </p:txBody>
+      </p:sp>
+      <p:sp>
+        <p:nvSpPr>
+          <p:cNvPr id="12" name="TextBox 11"/>
+          <p:cNvSpPr txBox="1"/>
+          <p:nvPr/>
+        </p:nvSpPr>
+        <p:spPr>
+          <a:xfrm>
+            <a:off x="3952709" y="3830100"/>
+            <a:ext cx="2376264" cy="338554"/>
+          </a:xfrm>
+          <a:prstGeom prst="rect">
+            <a:avLst/>
+          </a:prstGeom>
+          <a:noFill/>
+        </p:spPr>
+        <p:txBody>
+          <a:bodyPr wrap="square" rtlCol="0">
+            <a:spAutoFit/>
+          </a:bodyPr>
+          <a:lstStyle/>
+          <a:p>
+            <a:r>
+              <a:rPr lang="en-CA" sz="1600" dirty="0" smtClean="0">
+                <a:solidFill>
+                  <a:schemeClr val="bg1"/>
+                </a:solidFill>
+              </a:rPr>
+              <a:t>M/K ratio</a:t>
+            </a:r>
+            <a:endParaRPr lang="en-CA" sz="1600" dirty="0">
+              <a:solidFill>
+                <a:schemeClr val="bg1"/>
+              </a:solidFill>
+            </a:endParaRPr>
+          </a:p>
+        </p:txBody>
+      </p:sp>
+      <p:pic>
+        <p:nvPicPr>
+          <p:cNvPr id="6" name="Picture 5"/>
+          <p:cNvPicPr>
+            <a:picLocks noChangeAspect="1"/>
+          </p:cNvPicPr>
+          <p:nvPr/>
+        </p:nvPicPr>
+        <p:blipFill rotWithShape="1">
+          <a:blip r:embed="rId4"/>
+          <a:srcRect t="2355" b="1129"/>
+          <a:stretch/>
+        </p:blipFill>
+        <p:spPr>
+          <a:xfrm>
+            <a:off x="668724" y="1800419"/>
+            <a:ext cx="1699861" cy="1476000"/>
+          </a:xfrm>
+          <a:prstGeom prst="rect">
+            <a:avLst/>
+          </a:prstGeom>
+        </p:spPr>
+      </p:pic>
+      <p:pic>
+        <p:nvPicPr>
+          <p:cNvPr id="2" name="Picture 1"/>
+          <p:cNvPicPr>
+            <a:picLocks noChangeAspect="1"/>
+          </p:cNvPicPr>
+          <p:nvPr/>
+        </p:nvPicPr>
+        <p:blipFill rotWithShape="1">
+          <a:blip r:embed="rId5"/>
+          <a:srcRect t="14200" b="2639"/>
+          <a:stretch/>
+        </p:blipFill>
+        <p:spPr>
+          <a:xfrm>
+            <a:off x="3035691" y="2370220"/>
+            <a:ext cx="2904343" cy="960200"/>
+          </a:xfrm>
+          <a:prstGeom prst="rect">
+            <a:avLst/>
+          </a:prstGeom>
+        </p:spPr>
+      </p:pic>
+      <p:sp>
+        <p:nvSpPr>
+          <p:cNvPr id="14" name="TextBox 13"/>
+          <p:cNvSpPr txBox="1"/>
+          <p:nvPr/>
+        </p:nvSpPr>
+        <p:spPr>
+          <a:xfrm>
+            <a:off x="1853793" y="1564633"/>
+            <a:ext cx="2376264" cy="338554"/>
+          </a:xfrm>
+          <a:prstGeom prst="rect">
+            <a:avLst/>
+          </a:prstGeom>
+          <a:noFill/>
+        </p:spPr>
+        <p:txBody>
+          <a:bodyPr wrap="square" rtlCol="0">
+            <a:spAutoFit/>
+          </a:bodyPr>
+          <a:lstStyle/>
+          <a:p>
+            <a:r>
+              <a:rPr lang="en-CA" sz="1600" dirty="0" smtClean="0">
+                <a:solidFill>
+                  <a:schemeClr val="bg1"/>
+                </a:solidFill>
+              </a:rPr>
+              <a:t>Growth</a:t>
+            </a:r>
+            <a:endParaRPr lang="en-CA" sz="1600" dirty="0">
+              <a:solidFill>
+                <a:schemeClr val="bg1"/>
+              </a:solidFill>
+            </a:endParaRPr>
+          </a:p>
+        </p:txBody>
+      </p:sp>
     </p:spTree>
-    <p:extLst>
-      <p:ext uri="{BB962C8B-B14F-4D97-AF65-F5344CB8AC3E}">
-        <p14:creationId xmlns:p14="http://schemas.microsoft.com/office/powerpoint/2010/main" val="3920352216"/>
-      </p:ext>
-    </p:extLst>
   </p:cSld>
   <p:clrMapOvr>
     <a:masterClrMapping/>
@@ -14376,13 +15028,13 @@
       </p:grpSpPr>
       <p:pic>
         <p:nvPicPr>
-          <p:cNvPr id="1027" name="Picture 3"/>
+          <p:cNvPr id="26626" name="Picture 3"/>
           <p:cNvPicPr>
             <a:picLocks noChangeAspect="1" noChangeArrowheads="1"/>
           </p:cNvPicPr>
           <p:nvPr/>
         </p:nvPicPr>
-        <p:blipFill rotWithShape="1">
+        <p:blipFill>
           <a:blip r:embed="rId2">
             <a:extLst>
               <a:ext uri="{28A0092B-C50C-407E-A947-70E740481C1C}">
@@ -14391,12 +15043,14 @@
             </a:extLst>
           </a:blip>
           <a:srcRect t="8026" b="-2766"/>
-          <a:stretch/>
+          <a:stretch>
+            <a:fillRect/>
+          </a:stretch>
         </p:blipFill>
         <p:spPr bwMode="auto">
           <a:xfrm>
-            <a:off x="4141451" y="3947804"/>
-            <a:ext cx="4451765" cy="2776416"/>
+            <a:off x="4141788" y="3948113"/>
+            <a:ext cx="4451350" cy="2776537"/>
           </a:xfrm>
           <a:prstGeom prst="rect">
             <a:avLst/>
@@ -14428,7 +15082,7 @@
       </p:pic>
       <p:sp>
         <p:nvSpPr>
-          <p:cNvPr id="2" name="Title 1"/>
+          <p:cNvPr id="26627" name="Title 1"/>
           <p:cNvSpPr>
             <a:spLocks noGrp="1"/>
           </p:cNvSpPr>
@@ -14438,27 +15092,24 @@
         </p:nvSpPr>
         <p:spPr>
           <a:xfrm>
-            <a:off x="556642" y="116632"/>
-            <a:ext cx="7886700" cy="1325563"/>
+            <a:off x="557213" y="115888"/>
+            <a:ext cx="7886700" cy="1325562"/>
           </a:xfrm>
         </p:spPr>
         <p:txBody>
-          <a:bodyPr>
-            <a:normAutofit/>
-          </a:bodyPr>
+          <a:bodyPr/>
           <a:lstStyle/>
           <a:p>
             <a:r>
-              <a:rPr lang="en-CA" sz="2600" dirty="0" smtClean="0"/>
+              <a:rPr lang="en-CA" altLang="en-US" sz="2600" smtClean="0"/>
               <a:t>5. What occurred in the MSE runs can be visualized:</a:t>
             </a:r>
-            <a:endParaRPr lang="en-CA" sz="2600" dirty="0"/>
-          </a:p>
-        </p:txBody>
-      </p:sp>
-      <p:sp>
-        <p:nvSpPr>
-          <p:cNvPr id="3" name="Content Placeholder 2"/>
+          </a:p>
+        </p:txBody>
+      </p:sp>
+      <p:sp>
+        <p:nvSpPr>
+          <p:cNvPr id="26628" name="Content Placeholder 2"/>
           <p:cNvSpPr>
             <a:spLocks noGrp="1"/>
           </p:cNvSpPr>
@@ -14468,8 +15119,8 @@
         </p:nvSpPr>
         <p:spPr>
           <a:xfrm>
-            <a:off x="827584" y="1137742"/>
-            <a:ext cx="7675562" cy="811287"/>
+            <a:off x="827088" y="1138238"/>
+            <a:ext cx="7675562" cy="811212"/>
           </a:xfrm>
         </p:spPr>
         <p:txBody>
@@ -14477,10 +15128,11 @@
           <a:lstStyle/>
           <a:p>
             <a:pPr marL="0" indent="0">
+              <a:buFont typeface="Arial" panose="020B0604020202020204" pitchFamily="34" charset="0"/>
               <a:buNone/>
             </a:pPr>
             <a:r>
-              <a:rPr lang="en-CA" dirty="0" smtClean="0">
+              <a:rPr lang="en-CA" altLang="en-US" dirty="0" smtClean="0">
                 <a:solidFill>
                   <a:srgbClr val="00B050"/>
                 </a:solidFill>
@@ -14488,7 +15140,7 @@
               <a:t>plot(</a:t>
             </a:r>
             <a:r>
-              <a:rPr lang="en-CA" dirty="0" err="1" smtClean="0">
+              <a:rPr lang="en-CA" altLang="en-US" dirty="0" err="1" smtClean="0">
                 <a:solidFill>
                   <a:srgbClr val="00B050"/>
                 </a:solidFill>
@@ -14496,7 +15148,7 @@
               <a:t>myMSE</a:t>
             </a:r>
             <a:r>
-              <a:rPr lang="en-CA" dirty="0" smtClean="0">
+              <a:rPr lang="en-CA" altLang="en-US" dirty="0" smtClean="0">
                 <a:solidFill>
                   <a:srgbClr val="00B050"/>
                 </a:solidFill>
@@ -14506,9 +15158,10 @@
           </a:p>
           <a:p>
             <a:pPr marL="0" indent="0">
+              <a:buFont typeface="Arial" panose="020B0604020202020204" pitchFamily="34" charset="0"/>
               <a:buNone/>
             </a:pPr>
-            <a:endParaRPr lang="en-CA" dirty="0" smtClean="0">
+            <a:endParaRPr lang="en-CA" altLang="en-US" dirty="0" smtClean="0">
               <a:solidFill>
                 <a:srgbClr val="00B050"/>
               </a:solidFill>
@@ -14516,9 +15169,10 @@
           </a:p>
           <a:p>
             <a:pPr marL="0" indent="0">
+              <a:buFont typeface="Arial" panose="020B0604020202020204" pitchFamily="34" charset="0"/>
               <a:buNone/>
             </a:pPr>
-            <a:endParaRPr lang="en-CA" dirty="0">
+            <a:endParaRPr lang="en-CA" altLang="en-US" dirty="0" smtClean="0">
               <a:solidFill>
                 <a:srgbClr val="00B050"/>
               </a:solidFill>
@@ -14528,74 +15182,16 @@
       </p:sp>
       <p:sp>
         <p:nvSpPr>
-          <p:cNvPr id="4" name="Rectangle 3"/>
-          <p:cNvSpPr/>
+          <p:cNvPr id="26629" name="Rectangle 3"/>
+          <p:cNvSpPr>
+            <a:spLocks noChangeArrowheads="1"/>
+          </p:cNvSpPr>
           <p:nvPr/>
         </p:nvSpPr>
-        <p:spPr>
-          <a:xfrm>
-            <a:off x="634429" y="3947804"/>
-            <a:ext cx="6963791" cy="892552"/>
-          </a:xfrm>
-          <a:prstGeom prst="rect">
-            <a:avLst/>
-          </a:prstGeom>
-        </p:spPr>
-        <p:txBody>
-          <a:bodyPr wrap="square">
-            <a:spAutoFit/>
-          </a:bodyPr>
-          <a:lstStyle/>
-          <a:p>
-            <a:r>
-              <a:rPr lang="en-CA" sz="2600" dirty="0" smtClean="0">
-                <a:solidFill>
-                  <a:srgbClr val="27AFE5"/>
-                </a:solidFill>
-              </a:rPr>
-              <a:t>6. Performance </a:t>
-            </a:r>
-          </a:p>
-          <a:p>
-            <a:r>
-              <a:rPr lang="en-CA" sz="2600" dirty="0" smtClean="0">
-                <a:solidFill>
-                  <a:srgbClr val="27AFE5"/>
-                </a:solidFill>
-              </a:rPr>
-              <a:t>quantified:</a:t>
-            </a:r>
-            <a:endParaRPr lang="en-CA" sz="2600" dirty="0">
-              <a:solidFill>
-                <a:srgbClr val="27AFE5"/>
-              </a:solidFill>
-            </a:endParaRPr>
-          </a:p>
-        </p:txBody>
-      </p:sp>
-      <p:pic>
-        <p:nvPicPr>
-          <p:cNvPr id="1028" name="Picture 4"/>
-          <p:cNvPicPr>
-            <a:picLocks noChangeAspect="1" noChangeArrowheads="1"/>
-          </p:cNvPicPr>
-          <p:nvPr/>
-        </p:nvPicPr>
-        <p:blipFill rotWithShape="1">
-          <a:blip r:embed="rId3">
-            <a:extLst>
-              <a:ext uri="{28A0092B-C50C-407E-A947-70E740481C1C}">
-                <a14:useLocalDpi xmlns:a14="http://schemas.microsoft.com/office/drawing/2010/main" val="0"/>
-              </a:ext>
-            </a:extLst>
-          </a:blip>
-          <a:srcRect t="9593" b="1663"/>
-          <a:stretch/>
-        </p:blipFill>
         <p:spPr bwMode="auto">
           <a:xfrm>
-            <a:off x="4141451" y="1103103"/>
-            <a:ext cx="4343400" cy="2664000"/>
+            <a:off x="635000" y="3948113"/>
+            <a:ext cx="6962775" cy="892175"/>
           </a:xfrm>
           <a:prstGeom prst="rect">
             <a:avLst/>
@@ -14608,6 +15204,207 @@
             <a:ext uri="{909E8E84-426E-40DD-AFC4-6F175D3DCCD1}">
               <a14:hiddenFill xmlns:a14="http://schemas.microsoft.com/office/drawing/2010/main">
                 <a:solidFill>
+                  <a:srgbClr val="FFFFFF"/>
+                </a:solidFill>
+              </a14:hiddenFill>
+            </a:ext>
+            <a:ext uri="{91240B29-F687-4F45-9708-019B960494DF}">
+              <a14:hiddenLine xmlns:a14="http://schemas.microsoft.com/office/drawing/2010/main" w="9525">
+                <a:solidFill>
+                  <a:srgbClr val="000000"/>
+                </a:solidFill>
+                <a:miter lim="800000"/>
+                <a:headEnd/>
+                <a:tailEnd/>
+              </a14:hiddenLine>
+            </a:ext>
+          </a:extLst>
+        </p:spPr>
+        <p:txBody>
+          <a:bodyPr>
+            <a:spAutoFit/>
+          </a:bodyPr>
+          <a:lstStyle>
+            <a:lvl1pPr eaLnBrk="0" hangingPunct="0">
+              <a:defRPr>
+                <a:solidFill>
+                  <a:schemeClr val="tx1"/>
+                </a:solidFill>
+                <a:latin typeface="Calibri" panose="020F0502020204030204" pitchFamily="34" charset="0"/>
+                <a:cs typeface="Arial" panose="020B0604020202020204" pitchFamily="34" charset="0"/>
+              </a:defRPr>
+            </a:lvl1pPr>
+            <a:lvl2pPr marL="742950" indent="-285750" eaLnBrk="0" hangingPunct="0">
+              <a:defRPr>
+                <a:solidFill>
+                  <a:schemeClr val="tx1"/>
+                </a:solidFill>
+                <a:latin typeface="Calibri" panose="020F0502020204030204" pitchFamily="34" charset="0"/>
+                <a:cs typeface="Arial" panose="020B0604020202020204" pitchFamily="34" charset="0"/>
+              </a:defRPr>
+            </a:lvl2pPr>
+            <a:lvl3pPr marL="1143000" indent="-228600" eaLnBrk="0" hangingPunct="0">
+              <a:defRPr>
+                <a:solidFill>
+                  <a:schemeClr val="tx1"/>
+                </a:solidFill>
+                <a:latin typeface="Calibri" panose="020F0502020204030204" pitchFamily="34" charset="0"/>
+                <a:cs typeface="Arial" panose="020B0604020202020204" pitchFamily="34" charset="0"/>
+              </a:defRPr>
+            </a:lvl3pPr>
+            <a:lvl4pPr marL="1600200" indent="-228600" eaLnBrk="0" hangingPunct="0">
+              <a:defRPr>
+                <a:solidFill>
+                  <a:schemeClr val="tx1"/>
+                </a:solidFill>
+                <a:latin typeface="Calibri" panose="020F0502020204030204" pitchFamily="34" charset="0"/>
+                <a:cs typeface="Arial" panose="020B0604020202020204" pitchFamily="34" charset="0"/>
+              </a:defRPr>
+            </a:lvl4pPr>
+            <a:lvl5pPr marL="2057400" indent="-228600" eaLnBrk="0" hangingPunct="0">
+              <a:defRPr>
+                <a:solidFill>
+                  <a:schemeClr val="tx1"/>
+                </a:solidFill>
+                <a:latin typeface="Calibri" panose="020F0502020204030204" pitchFamily="34" charset="0"/>
+                <a:cs typeface="Arial" panose="020B0604020202020204" pitchFamily="34" charset="0"/>
+              </a:defRPr>
+            </a:lvl5pPr>
+            <a:lvl6pPr marL="2514600" indent="-228600" eaLnBrk="0" fontAlgn="base" hangingPunct="0">
+              <a:spcBef>
+                <a:spcPct val="0"/>
+              </a:spcBef>
+              <a:spcAft>
+                <a:spcPct val="0"/>
+              </a:spcAft>
+              <a:defRPr>
+                <a:solidFill>
+                  <a:schemeClr val="tx1"/>
+                </a:solidFill>
+                <a:latin typeface="Calibri" panose="020F0502020204030204" pitchFamily="34" charset="0"/>
+                <a:cs typeface="Arial" panose="020B0604020202020204" pitchFamily="34" charset="0"/>
+              </a:defRPr>
+            </a:lvl6pPr>
+            <a:lvl7pPr marL="2971800" indent="-228600" eaLnBrk="0" fontAlgn="base" hangingPunct="0">
+              <a:spcBef>
+                <a:spcPct val="0"/>
+              </a:spcBef>
+              <a:spcAft>
+                <a:spcPct val="0"/>
+              </a:spcAft>
+              <a:defRPr>
+                <a:solidFill>
+                  <a:schemeClr val="tx1"/>
+                </a:solidFill>
+                <a:latin typeface="Calibri" panose="020F0502020204030204" pitchFamily="34" charset="0"/>
+                <a:cs typeface="Arial" panose="020B0604020202020204" pitchFamily="34" charset="0"/>
+              </a:defRPr>
+            </a:lvl7pPr>
+            <a:lvl8pPr marL="3429000" indent="-228600" eaLnBrk="0" fontAlgn="base" hangingPunct="0">
+              <a:spcBef>
+                <a:spcPct val="0"/>
+              </a:spcBef>
+              <a:spcAft>
+                <a:spcPct val="0"/>
+              </a:spcAft>
+              <a:defRPr>
+                <a:solidFill>
+                  <a:schemeClr val="tx1"/>
+                </a:solidFill>
+                <a:latin typeface="Calibri" panose="020F0502020204030204" pitchFamily="34" charset="0"/>
+                <a:cs typeface="Arial" panose="020B0604020202020204" pitchFamily="34" charset="0"/>
+              </a:defRPr>
+            </a:lvl8pPr>
+            <a:lvl9pPr marL="3886200" indent="-228600" eaLnBrk="0" fontAlgn="base" hangingPunct="0">
+              <a:spcBef>
+                <a:spcPct val="0"/>
+              </a:spcBef>
+              <a:spcAft>
+                <a:spcPct val="0"/>
+              </a:spcAft>
+              <a:defRPr>
+                <a:solidFill>
+                  <a:schemeClr val="tx1"/>
+                </a:solidFill>
+                <a:latin typeface="Calibri" panose="020F0502020204030204" pitchFamily="34" charset="0"/>
+                <a:cs typeface="Arial" panose="020B0604020202020204" pitchFamily="34" charset="0"/>
+              </a:defRPr>
+            </a:lvl9pPr>
+          </a:lstStyle>
+          <a:p>
+            <a:pPr eaLnBrk="1" hangingPunct="1"/>
+            <a:r>
+              <a:rPr lang="en-CA" altLang="en-US" sz="2600" dirty="0">
+                <a:solidFill>
+                  <a:srgbClr val="27AFE5"/>
+                </a:solidFill>
+              </a:rPr>
+              <a:t>6. </a:t>
+            </a:r>
+            <a:r>
+              <a:rPr lang="en-CA" altLang="en-US" sz="2600" dirty="0" smtClean="0">
+                <a:solidFill>
+                  <a:srgbClr val="27AFE5"/>
+                </a:solidFill>
+              </a:rPr>
+              <a:t>Performance </a:t>
+            </a:r>
+            <a:endParaRPr lang="en-CA" altLang="en-US" sz="2600" dirty="0">
+              <a:solidFill>
+                <a:srgbClr val="27AFE5"/>
+              </a:solidFill>
+            </a:endParaRPr>
+          </a:p>
+          <a:p>
+            <a:pPr eaLnBrk="1" hangingPunct="1"/>
+            <a:r>
+              <a:rPr lang="en-CA" altLang="en-US" sz="2600" dirty="0">
+                <a:solidFill>
+                  <a:srgbClr val="27AFE5"/>
+                </a:solidFill>
+              </a:rPr>
+              <a:t>quantified:</a:t>
+            </a:r>
+          </a:p>
+        </p:txBody>
+      </p:sp>
+      <p:pic>
+        <p:nvPicPr>
+          <p:cNvPr id="26630" name="Picture 4"/>
+          <p:cNvPicPr>
+            <a:picLocks noChangeAspect="1" noChangeArrowheads="1"/>
+          </p:cNvPicPr>
+          <p:nvPr/>
+        </p:nvPicPr>
+        <p:blipFill>
+          <a:blip r:embed="rId3">
+            <a:extLst>
+              <a:ext uri="{28A0092B-C50C-407E-A947-70E740481C1C}">
+                <a14:useLocalDpi xmlns:a14="http://schemas.microsoft.com/office/drawing/2010/main" val="0"/>
+              </a:ext>
+            </a:extLst>
+          </a:blip>
+          <a:srcRect t="9593" b="1663"/>
+          <a:stretch>
+            <a:fillRect/>
+          </a:stretch>
+        </p:blipFill>
+        <p:spPr bwMode="auto">
+          <a:xfrm>
+            <a:off x="4141788" y="1103313"/>
+            <a:ext cx="4343400" cy="2663825"/>
+          </a:xfrm>
+          <a:prstGeom prst="rect">
+            <a:avLst/>
+          </a:prstGeom>
+          <a:noFill/>
+          <a:ln>
+            <a:noFill/>
+          </a:ln>
+          <a:extLst>
+            <a:ext uri="{909E8E84-426E-40DD-AFC4-6F175D3DCCD1}">
+              <a14:hiddenFill xmlns:a14="http://schemas.microsoft.com/office/drawing/2010/main">
+                <a:solidFill>
                   <a:schemeClr val="accent1"/>
                 </a:solidFill>
               </a14:hiddenFill>
@@ -14625,12 +15422,294 @@
           </a:extLst>
         </p:spPr>
       </p:pic>
+      <p:sp>
+        <p:nvSpPr>
+          <p:cNvPr id="8" name="Content Placeholder 2"/>
+          <p:cNvSpPr txBox="1">
+            <a:spLocks/>
+          </p:cNvSpPr>
+          <p:nvPr/>
+        </p:nvSpPr>
+        <p:spPr bwMode="auto">
+          <a:xfrm>
+            <a:off x="903985" y="5021263"/>
+            <a:ext cx="7675562" cy="811212"/>
+          </a:xfrm>
+          <a:prstGeom prst="rect">
+            <a:avLst/>
+          </a:prstGeom>
+          <a:noFill/>
+          <a:ln>
+            <a:noFill/>
+          </a:ln>
+          <a:extLst>
+            <a:ext uri="{909E8E84-426E-40DD-AFC4-6F175D3DCCD1}">
+              <a14:hiddenFill xmlns:a14="http://schemas.microsoft.com/office/drawing/2010/main">
+                <a:solidFill>
+                  <a:srgbClr val="FFFFFF"/>
+                </a:solidFill>
+              </a14:hiddenFill>
+            </a:ext>
+            <a:ext uri="{91240B29-F687-4F45-9708-019B960494DF}">
+              <a14:hiddenLine xmlns:a14="http://schemas.microsoft.com/office/drawing/2010/main" w="9525">
+                <a:solidFill>
+                  <a:srgbClr val="000000"/>
+                </a:solidFill>
+                <a:miter lim="800000"/>
+                <a:headEnd/>
+                <a:tailEnd/>
+              </a14:hiddenLine>
+            </a:ext>
+          </a:extLst>
+        </p:spPr>
+        <p:txBody>
+          <a:bodyPr vert="horz" wrap="square" lIns="91440" tIns="45720" rIns="91440" bIns="45720" numCol="1" anchor="t" anchorCtr="0" compatLnSpc="1">
+            <a:prstTxWarp prst="textNoShape">
+              <a:avLst/>
+            </a:prstTxWarp>
+          </a:bodyPr>
+          <a:lstStyle>
+            <a:lvl1pPr marL="171450" indent="-171450" algn="l" defTabSz="685800" rtl="0" eaLnBrk="0" fontAlgn="base" hangingPunct="0">
+              <a:lnSpc>
+                <a:spcPct val="90000"/>
+              </a:lnSpc>
+              <a:spcBef>
+                <a:spcPts val="1000"/>
+              </a:spcBef>
+              <a:spcAft>
+                <a:spcPct val="0"/>
+              </a:spcAft>
+              <a:buFont typeface="Arial" panose="020B0604020202020204" pitchFamily="34" charset="0"/>
+              <a:buChar char="•"/>
+              <a:defRPr sz="2400" kern="1200">
+                <a:solidFill>
+                  <a:srgbClr val="126D96"/>
+                </a:solidFill>
+                <a:latin typeface="+mn-lt"/>
+                <a:ea typeface="+mn-ea"/>
+                <a:cs typeface="+mn-cs"/>
+              </a:defRPr>
+            </a:lvl1pPr>
+            <a:lvl2pPr marL="514350" indent="-171450" algn="l" defTabSz="685800" rtl="0" eaLnBrk="0" fontAlgn="base" hangingPunct="0">
+              <a:lnSpc>
+                <a:spcPct val="90000"/>
+              </a:lnSpc>
+              <a:spcBef>
+                <a:spcPts val="375"/>
+              </a:spcBef>
+              <a:spcAft>
+                <a:spcPct val="0"/>
+              </a:spcAft>
+              <a:buFont typeface="Arial" panose="020B0604020202020204" pitchFamily="34" charset="0"/>
+              <a:buChar char="•"/>
+              <a:defRPr sz="2000" kern="1200">
+                <a:solidFill>
+                  <a:srgbClr val="126D96"/>
+                </a:solidFill>
+                <a:latin typeface="+mn-lt"/>
+                <a:ea typeface="+mn-ea"/>
+                <a:cs typeface="+mn-cs"/>
+              </a:defRPr>
+            </a:lvl2pPr>
+            <a:lvl3pPr marL="857250" indent="-171450" algn="l" defTabSz="685800" rtl="0" eaLnBrk="0" fontAlgn="base" hangingPunct="0">
+              <a:lnSpc>
+                <a:spcPct val="90000"/>
+              </a:lnSpc>
+              <a:spcBef>
+                <a:spcPts val="375"/>
+              </a:spcBef>
+              <a:spcAft>
+                <a:spcPct val="0"/>
+              </a:spcAft>
+              <a:buFont typeface="Arial" panose="020B0604020202020204" pitchFamily="34" charset="0"/>
+              <a:buChar char="•"/>
+              <a:defRPr sz="1600" kern="1200">
+                <a:solidFill>
+                  <a:srgbClr val="126D96"/>
+                </a:solidFill>
+                <a:latin typeface="+mn-lt"/>
+                <a:ea typeface="+mn-ea"/>
+                <a:cs typeface="+mn-cs"/>
+              </a:defRPr>
+            </a:lvl3pPr>
+            <a:lvl4pPr marL="1200150" indent="-171450" algn="l" defTabSz="685800" rtl="0" eaLnBrk="0" fontAlgn="base" hangingPunct="0">
+              <a:lnSpc>
+                <a:spcPct val="90000"/>
+              </a:lnSpc>
+              <a:spcBef>
+                <a:spcPts val="375"/>
+              </a:spcBef>
+              <a:spcAft>
+                <a:spcPct val="0"/>
+              </a:spcAft>
+              <a:buFont typeface="Arial" panose="020B0604020202020204" pitchFamily="34" charset="0"/>
+              <a:buChar char="•"/>
+              <a:defRPr sz="1400" kern="1200">
+                <a:solidFill>
+                  <a:srgbClr val="126D96"/>
+                </a:solidFill>
+                <a:latin typeface="+mn-lt"/>
+                <a:ea typeface="+mn-ea"/>
+                <a:cs typeface="+mn-cs"/>
+              </a:defRPr>
+            </a:lvl4pPr>
+            <a:lvl5pPr marL="1543050" indent="-171450" algn="l" defTabSz="685800" rtl="0" eaLnBrk="0" fontAlgn="base" hangingPunct="0">
+              <a:lnSpc>
+                <a:spcPct val="90000"/>
+              </a:lnSpc>
+              <a:spcBef>
+                <a:spcPts val="375"/>
+              </a:spcBef>
+              <a:spcAft>
+                <a:spcPct val="0"/>
+              </a:spcAft>
+              <a:buFont typeface="Arial" panose="020B0604020202020204" pitchFamily="34" charset="0"/>
+              <a:buChar char="•"/>
+              <a:defRPr sz="1400" kern="1200">
+                <a:solidFill>
+                  <a:srgbClr val="126D96"/>
+                </a:solidFill>
+                <a:latin typeface="+mn-lt"/>
+                <a:ea typeface="+mn-ea"/>
+                <a:cs typeface="+mn-cs"/>
+              </a:defRPr>
+            </a:lvl5pPr>
+            <a:lvl6pPr marL="1885950" indent="-171450" algn="l" defTabSz="685800" rtl="0" eaLnBrk="1" latinLnBrk="0" hangingPunct="1">
+              <a:lnSpc>
+                <a:spcPct val="90000"/>
+              </a:lnSpc>
+              <a:spcBef>
+                <a:spcPts val="375"/>
+              </a:spcBef>
+              <a:buFont typeface="Arial" panose="020B0604020202020204" pitchFamily="34" charset="0"/>
+              <a:buChar char="•"/>
+              <a:defRPr sz="1350" kern="1200">
+                <a:solidFill>
+                  <a:schemeClr val="tx1"/>
+                </a:solidFill>
+                <a:latin typeface="+mn-lt"/>
+                <a:ea typeface="+mn-ea"/>
+                <a:cs typeface="+mn-cs"/>
+              </a:defRPr>
+            </a:lvl6pPr>
+            <a:lvl7pPr marL="2228850" indent="-171450" algn="l" defTabSz="685800" rtl="0" eaLnBrk="1" latinLnBrk="0" hangingPunct="1">
+              <a:lnSpc>
+                <a:spcPct val="90000"/>
+              </a:lnSpc>
+              <a:spcBef>
+                <a:spcPts val="375"/>
+              </a:spcBef>
+              <a:buFont typeface="Arial" panose="020B0604020202020204" pitchFamily="34" charset="0"/>
+              <a:buChar char="•"/>
+              <a:defRPr sz="1350" kern="1200">
+                <a:solidFill>
+                  <a:schemeClr val="tx1"/>
+                </a:solidFill>
+                <a:latin typeface="+mn-lt"/>
+                <a:ea typeface="+mn-ea"/>
+                <a:cs typeface="+mn-cs"/>
+              </a:defRPr>
+            </a:lvl7pPr>
+            <a:lvl8pPr marL="2571750" indent="-171450" algn="l" defTabSz="685800" rtl="0" eaLnBrk="1" latinLnBrk="0" hangingPunct="1">
+              <a:lnSpc>
+                <a:spcPct val="90000"/>
+              </a:lnSpc>
+              <a:spcBef>
+                <a:spcPts val="375"/>
+              </a:spcBef>
+              <a:buFont typeface="Arial" panose="020B0604020202020204" pitchFamily="34" charset="0"/>
+              <a:buChar char="•"/>
+              <a:defRPr sz="1350" kern="1200">
+                <a:solidFill>
+                  <a:schemeClr val="tx1"/>
+                </a:solidFill>
+                <a:latin typeface="+mn-lt"/>
+                <a:ea typeface="+mn-ea"/>
+                <a:cs typeface="+mn-cs"/>
+              </a:defRPr>
+            </a:lvl8pPr>
+            <a:lvl9pPr marL="2914650" indent="-171450" algn="l" defTabSz="685800" rtl="0" eaLnBrk="1" latinLnBrk="0" hangingPunct="1">
+              <a:lnSpc>
+                <a:spcPct val="90000"/>
+              </a:lnSpc>
+              <a:spcBef>
+                <a:spcPts val="375"/>
+              </a:spcBef>
+              <a:buFont typeface="Arial" panose="020B0604020202020204" pitchFamily="34" charset="0"/>
+              <a:buChar char="•"/>
+              <a:defRPr sz="1350" kern="1200">
+                <a:solidFill>
+                  <a:schemeClr val="tx1"/>
+                </a:solidFill>
+                <a:latin typeface="+mn-lt"/>
+                <a:ea typeface="+mn-ea"/>
+                <a:cs typeface="+mn-cs"/>
+              </a:defRPr>
+            </a:lvl9pPr>
+          </a:lstStyle>
+          <a:p>
+            <a:pPr marL="0" indent="0">
+              <a:buFont typeface="Arial" panose="020B0604020202020204" pitchFamily="34" charset="0"/>
+              <a:buNone/>
+            </a:pPr>
+            <a:r>
+              <a:rPr lang="en-CA" altLang="en-US" dirty="0" err="1" smtClean="0">
+                <a:solidFill>
+                  <a:srgbClr val="00B050"/>
+                </a:solidFill>
+              </a:rPr>
+              <a:t>Kplot</a:t>
+            </a:r>
+            <a:r>
+              <a:rPr lang="en-CA" altLang="en-US" dirty="0" smtClean="0">
+                <a:solidFill>
+                  <a:srgbClr val="00B050"/>
+                </a:solidFill>
+              </a:rPr>
+              <a:t>(</a:t>
+            </a:r>
+            <a:r>
+              <a:rPr lang="en-CA" altLang="en-US" dirty="0" err="1" smtClean="0">
+                <a:solidFill>
+                  <a:srgbClr val="00B050"/>
+                </a:solidFill>
+              </a:rPr>
+              <a:t>myMSE</a:t>
+            </a:r>
+            <a:r>
+              <a:rPr lang="en-CA" altLang="en-US" dirty="0" smtClean="0">
+                <a:solidFill>
+                  <a:srgbClr val="00B050"/>
+                </a:solidFill>
+              </a:rPr>
+              <a:t>)</a:t>
+            </a:r>
+          </a:p>
+          <a:p>
+            <a:pPr marL="0" indent="0">
+              <a:buFont typeface="Arial" panose="020B0604020202020204" pitchFamily="34" charset="0"/>
+              <a:buNone/>
+            </a:pPr>
+            <a:endParaRPr lang="en-CA" altLang="en-US" dirty="0" smtClean="0">
+              <a:solidFill>
+                <a:srgbClr val="00B050"/>
+              </a:solidFill>
+            </a:endParaRPr>
+          </a:p>
+          <a:p>
+            <a:pPr marL="0" indent="0">
+              <a:buFont typeface="Arial" panose="020B0604020202020204" pitchFamily="34" charset="0"/>
+              <a:buNone/>
+            </a:pPr>
+            <a:endParaRPr lang="en-CA" altLang="en-US" dirty="0" smtClean="0">
+              <a:solidFill>
+                <a:srgbClr val="00B050"/>
+              </a:solidFill>
+            </a:endParaRPr>
+          </a:p>
+        </p:txBody>
+      </p:sp>
     </p:spTree>
-    <p:extLst>
-      <p:ext uri="{BB962C8B-B14F-4D97-AF65-F5344CB8AC3E}">
-        <p14:creationId xmlns:p14="http://schemas.microsoft.com/office/powerpoint/2010/main" val="1748490937"/>
-      </p:ext>
-    </p:extLst>
   </p:cSld>
   <p:clrMapOvr>
     <a:masterClrMapping/>
@@ -14657,7 +15736,7 @@
       </p:grpSpPr>
       <p:sp>
         <p:nvSpPr>
-          <p:cNvPr id="2" name="Title 1"/>
+          <p:cNvPr id="27650" name="Title 1"/>
           <p:cNvSpPr>
             <a:spLocks noGrp="1"/>
           </p:cNvSpPr>
@@ -14667,22 +15746,19 @@
         </p:nvSpPr>
         <p:spPr/>
         <p:txBody>
-          <a:bodyPr>
-            <a:normAutofit/>
-          </a:bodyPr>
+          <a:bodyPr/>
           <a:lstStyle/>
           <a:p>
             <a:r>
-              <a:rPr lang="en-CA" sz="2600" dirty="0" smtClean="0"/>
-              <a:t>7. And management trade-off revealed</a:t>
-            </a:r>
-            <a:endParaRPr lang="en-CA" sz="2600" dirty="0"/>
-          </a:p>
-        </p:txBody>
-      </p:sp>
-      <p:sp>
-        <p:nvSpPr>
-          <p:cNvPr id="3" name="Content Placeholder 2"/>
+              <a:rPr lang="en-CA" altLang="en-US" sz="2600" dirty="0" smtClean="0"/>
+              <a:t>7. And management trade-offs revealed</a:t>
+            </a:r>
+          </a:p>
+        </p:txBody>
+      </p:sp>
+      <p:sp>
+        <p:nvSpPr>
+          <p:cNvPr id="27651" name="Content Placeholder 2"/>
           <p:cNvSpPr>
             <a:spLocks noGrp="1"/>
           </p:cNvSpPr>
@@ -14692,8 +15768,8 @@
         </p:nvSpPr>
         <p:spPr>
           <a:xfrm>
-            <a:off x="804379" y="1563911"/>
-            <a:ext cx="7675562" cy="811287"/>
+            <a:off x="804863" y="1563688"/>
+            <a:ext cx="7675562" cy="811212"/>
           </a:xfrm>
         </p:spPr>
         <p:txBody>
@@ -14701,46 +15777,24 @@
           <a:lstStyle/>
           <a:p>
             <a:pPr marL="0" indent="0">
+              <a:buFont typeface="Arial" panose="020B0604020202020204" pitchFamily="34" charset="0"/>
               <a:buNone/>
             </a:pPr>
             <a:r>
-              <a:rPr lang="en-CA" dirty="0" err="1" smtClean="0">
+              <a:rPr lang="en-CA" altLang="en-US" smtClean="0">
                 <a:solidFill>
                   <a:srgbClr val="00B050"/>
                 </a:solidFill>
               </a:rPr>
-              <a:t>NOAA_plot</a:t>
-            </a:r>
-            <a:r>
-              <a:rPr lang="en-CA" dirty="0" smtClean="0">
-                <a:solidFill>
-                  <a:srgbClr val="00B050"/>
-                </a:solidFill>
-              </a:rPr>
-              <a:t>(</a:t>
-            </a:r>
-            <a:r>
-              <a:rPr lang="en-CA" dirty="0" err="1" smtClean="0">
-                <a:solidFill>
-                  <a:srgbClr val="00B050"/>
-                </a:solidFill>
-              </a:rPr>
-              <a:t>myMSE</a:t>
-            </a:r>
-            <a:r>
-              <a:rPr lang="en-CA" dirty="0" smtClean="0">
-                <a:solidFill>
-                  <a:srgbClr val="00B050"/>
-                </a:solidFill>
-              </a:rPr>
-              <a:t>)</a:t>
+              <a:t>NOAA_plot(myMSE)</a:t>
             </a:r>
           </a:p>
           <a:p>
             <a:pPr marL="0" indent="0">
+              <a:buFont typeface="Arial" panose="020B0604020202020204" pitchFamily="34" charset="0"/>
               <a:buNone/>
             </a:pPr>
-            <a:endParaRPr lang="en-CA" dirty="0" smtClean="0">
+            <a:endParaRPr lang="en-CA" altLang="en-US" smtClean="0">
               <a:solidFill>
                 <a:srgbClr val="00B050"/>
               </a:solidFill>
@@ -14748,9 +15802,10 @@
           </a:p>
           <a:p>
             <a:pPr marL="0" indent="0">
+              <a:buFont typeface="Arial" panose="020B0604020202020204" pitchFamily="34" charset="0"/>
               <a:buNone/>
             </a:pPr>
-            <a:endParaRPr lang="en-CA" dirty="0">
+            <a:endParaRPr lang="en-CA" altLang="en-US" smtClean="0">
               <a:solidFill>
                 <a:srgbClr val="00B050"/>
               </a:solidFill>
@@ -14760,13 +15815,13 @@
       </p:sp>
       <p:pic>
         <p:nvPicPr>
-          <p:cNvPr id="2050" name="Picture 2"/>
+          <p:cNvPr id="27652" name="Picture 2"/>
           <p:cNvPicPr>
             <a:picLocks noChangeAspect="1" noChangeArrowheads="1"/>
           </p:cNvPicPr>
           <p:nvPr/>
         </p:nvPicPr>
-        <p:blipFill rotWithShape="1">
+        <p:blipFill>
           <a:blip r:embed="rId2">
             <a:extLst>
               <a:ext uri="{28A0092B-C50C-407E-A947-70E740481C1C}">
@@ -14775,12 +15830,14 @@
             </a:extLst>
           </a:blip>
           <a:srcRect l="8678" t="9526" r="212" b="15880"/>
-          <a:stretch/>
+          <a:stretch>
+            <a:fillRect/>
+          </a:stretch>
         </p:blipFill>
         <p:spPr bwMode="auto">
           <a:xfrm>
-            <a:off x="1187622" y="2636912"/>
-            <a:ext cx="7609099" cy="3164846"/>
+            <a:off x="1043608" y="2636912"/>
+            <a:ext cx="7608888" cy="3165475"/>
           </a:xfrm>
           <a:prstGeom prst="rect">
             <a:avLst/>
@@ -14811,11 +15868,6 @@
         </p:spPr>
       </p:pic>
     </p:spTree>
-    <p:extLst>
-      <p:ext uri="{BB962C8B-B14F-4D97-AF65-F5344CB8AC3E}">
-        <p14:creationId xmlns:p14="http://schemas.microsoft.com/office/powerpoint/2010/main" val="2323310522"/>
-      </p:ext>
-    </p:extLst>
   </p:cSld>
   <p:clrMapOvr>
     <a:masterClrMapping/>
@@ -15078,7 +16130,7 @@
   <a:extraClrSchemeLst/>
   <a:extLst>
     <a:ext uri="{05A4C25C-085E-4340-85A3-A5531E510DB2}">
-      <thm15:themeFamily xmlns="" xmlns:thm15="http://schemas.microsoft.com/office/thememl/2012/main" name="Depth" id="{7BEAFC2A-325C-49C4-AC08-2B765DA903F9}" vid="{1735E755-43E6-43AA-ABA2-C989ECC79AF5}"/>
+      <thm15:themeFamily xmlns:thm15="http://schemas.microsoft.com/office/thememl/2012/main" name="Depth" id="{7BEAFC2A-325C-49C4-AC08-2B765DA903F9}" vid="{1735E755-43E6-43AA-ABA2-C989ECC79AF5}"/>
     </a:ext>
   </a:extLst>
 </a:theme>
